--- a/ppt/front-end/CSS3.pptx
+++ b/ppt/front-end/CSS3.pptx
@@ -244,7 +244,7 @@
           <a:p>
             <a:fld id="{5FF7EEDC-65FF-46D4-AB7A-F7F634A1E8A0}" type="datetimeFigureOut">
               <a:rPr lang="zh-CN" altLang="en-US" smtClean="0"/>
-              <a:t>2015/12/27</a:t>
+              <a:t>2015/12/28</a:t>
             </a:fld>
             <a:endParaRPr lang="zh-CN" altLang="en-US"/>
           </a:p>
@@ -1961,6 +1961,14 @@
           <a:bodyPr/>
           <a:lstStyle/>
           <a:p>
+            <a:r>
+              <a:rPr lang="en-US" altLang="zh-CN" dirty="0" smtClean="0"/>
+              <a:t>CSS3</a:t>
+            </a:r>
+            <a:r>
+              <a:rPr lang="zh-CN" altLang="en-US" dirty="0" smtClean="0"/>
+              <a:t>之路</a:t>
+            </a:r>
             <a:endParaRPr lang="zh-CN" altLang="en-US" dirty="0"/>
           </a:p>
         </p:txBody>

--- a/ppt/front-end/CSS3.pptx
+++ b/ppt/front-end/CSS3.pptx
@@ -5,25 +5,27 @@
     <p:sldMasterId id="2147483648" r:id="rId1"/>
   </p:sldMasterIdLst>
   <p:notesMasterIdLst>
-    <p:notesMasterId r:id="rId18"/>
+    <p:notesMasterId r:id="rId20"/>
   </p:notesMasterIdLst>
   <p:sldIdLst>
     <p:sldId id="256" r:id="rId2"/>
     <p:sldId id="257" r:id="rId3"/>
     <p:sldId id="258" r:id="rId4"/>
-    <p:sldId id="259" r:id="rId5"/>
-    <p:sldId id="260" r:id="rId6"/>
-    <p:sldId id="271" r:id="rId7"/>
-    <p:sldId id="261" r:id="rId8"/>
-    <p:sldId id="267" r:id="rId9"/>
-    <p:sldId id="266" r:id="rId10"/>
-    <p:sldId id="262" r:id="rId11"/>
-    <p:sldId id="263" r:id="rId12"/>
-    <p:sldId id="264" r:id="rId13"/>
-    <p:sldId id="265" r:id="rId14"/>
-    <p:sldId id="270" r:id="rId15"/>
-    <p:sldId id="268" r:id="rId16"/>
-    <p:sldId id="269" r:id="rId17"/>
+    <p:sldId id="272" r:id="rId5"/>
+    <p:sldId id="259" r:id="rId6"/>
+    <p:sldId id="273" r:id="rId7"/>
+    <p:sldId id="260" r:id="rId8"/>
+    <p:sldId id="271" r:id="rId9"/>
+    <p:sldId id="261" r:id="rId10"/>
+    <p:sldId id="267" r:id="rId11"/>
+    <p:sldId id="266" r:id="rId12"/>
+    <p:sldId id="262" r:id="rId13"/>
+    <p:sldId id="263" r:id="rId14"/>
+    <p:sldId id="264" r:id="rId15"/>
+    <p:sldId id="265" r:id="rId16"/>
+    <p:sldId id="270" r:id="rId17"/>
+    <p:sldId id="268" r:id="rId18"/>
+    <p:sldId id="269" r:id="rId19"/>
   </p:sldIdLst>
   <p:sldSz cx="12192000" cy="6858000"/>
   <p:notesSz cx="6858000" cy="9144000"/>
@@ -130,7 +132,9 @@
             <p14:sldId id="256"/>
             <p14:sldId id="257"/>
             <p14:sldId id="258"/>
+            <p14:sldId id="272"/>
             <p14:sldId id="259"/>
+            <p14:sldId id="273"/>
             <p14:sldId id="260"/>
             <p14:sldId id="271"/>
           </p14:sldIdLst>
@@ -244,7 +248,7 @@
           <a:p>
             <a:fld id="{5FF7EEDC-65FF-46D4-AB7A-F7F634A1E8A0}" type="datetimeFigureOut">
               <a:rPr lang="zh-CN" altLang="en-US" smtClean="0"/>
-              <a:t>2015/12/28</a:t>
+              <a:t>2016/4/3</a:t>
             </a:fld>
             <a:endParaRPr lang="zh-CN" altLang="en-US"/>
           </a:p>
@@ -2027,7 +2031,7 @@
           <a:p>
             <a:r>
               <a:rPr lang="zh-CN" altLang="en-US" dirty="0" smtClean="0"/>
-              <a:t>文本样式</a:t>
+              <a:t>布局样式</a:t>
             </a:r>
             <a:endParaRPr lang="zh-CN" altLang="en-US" dirty="0"/>
           </a:p>
@@ -2042,14 +2046,14 @@
           <p:nvPr>
             <p:extLst>
               <p:ext uri="{D42A27DB-BD31-4B8C-83A1-F6EECF244321}">
-                <p14:modId xmlns:p14="http://schemas.microsoft.com/office/powerpoint/2010/main" val="4837519"/>
+                <p14:modId xmlns:p14="http://schemas.microsoft.com/office/powerpoint/2010/main" val="2611126344"/>
               </p:ext>
             </p:extLst>
           </p:nvPr>
         </p:nvGraphicFramePr>
         <p:xfrm>
-          <a:off x="556843" y="1601568"/>
-          <a:ext cx="3860174" cy="4892227"/>
+          <a:off x="1412068" y="1649564"/>
+          <a:ext cx="8128000" cy="2966720"/>
         </p:xfrm>
         <a:graphic>
           <a:graphicData uri="http://schemas.openxmlformats.org/drawingml/2006/table">
@@ -2058,399 +2062,236 @@
                 <a:tableStyleId>{5C22544A-7EE6-4342-B048-85BDC9FD1C3A}</a:tableStyleId>
               </a:tblPr>
               <a:tblGrid>
-                <a:gridCol w="1930087"/>
-                <a:gridCol w="1930087"/>
+                <a:gridCol w="4064000"/>
+                <a:gridCol w="4064000"/>
               </a:tblGrid>
-              <a:tr h="395230">
-                <a:tc>
-                  <a:txBody>
-                    <a:bodyPr/>
-                    <a:lstStyle/>
-                    <a:p>
-                      <a:r>
-                        <a:rPr lang="zh-CN" altLang="en-US" sz="1400" dirty="0" smtClean="0"/>
-                        <a:t>字体</a:t>
-                      </a:r>
-                      <a:endParaRPr lang="zh-CN" altLang="en-US" sz="1400" dirty="0"/>
-                    </a:p>
-                  </a:txBody>
-                  <a:tcPr/>
-                </a:tc>
-                <a:tc>
-                  <a:txBody>
-                    <a:bodyPr/>
-                    <a:lstStyle/>
-                    <a:p>
-                      <a:endParaRPr lang="zh-CN" altLang="en-US" sz="1400" dirty="0"/>
-                    </a:p>
-                  </a:txBody>
-                  <a:tcPr/>
-                </a:tc>
-              </a:tr>
-              <a:tr h="395230">
-                <a:tc>
-                  <a:txBody>
-                    <a:bodyPr/>
-                    <a:lstStyle/>
-                    <a:p>
-                      <a:r>
-                        <a:rPr lang="en-US" altLang="zh-CN" sz="1400" dirty="0" smtClean="0"/>
-                        <a:t>color</a:t>
-                      </a:r>
-                      <a:endParaRPr lang="zh-CN" altLang="en-US" sz="1400" dirty="0"/>
-                    </a:p>
-                  </a:txBody>
-                  <a:tcPr/>
-                </a:tc>
-                <a:tc>
-                  <a:txBody>
-                    <a:bodyPr/>
-                    <a:lstStyle/>
-                    <a:p>
-                      <a:r>
-                        <a:rPr lang="en-US" altLang="zh-CN" sz="1400" dirty="0" smtClean="0"/>
-                        <a:t>Text-decoration-line</a:t>
-                      </a:r>
-                      <a:endParaRPr lang="zh-CN" altLang="en-US" sz="1400" dirty="0"/>
-                    </a:p>
-                  </a:txBody>
-                  <a:tcPr/>
-                </a:tc>
-              </a:tr>
-              <a:tr h="395230">
-                <a:tc>
-                  <a:txBody>
-                    <a:bodyPr/>
-                    <a:lstStyle/>
-                    <a:p>
-                      <a:r>
-                        <a:rPr lang="en-US" altLang="zh-CN" sz="1400" dirty="0" smtClean="0"/>
-                        <a:t>font</a:t>
-                      </a:r>
-                      <a:endParaRPr lang="zh-CN" altLang="en-US" sz="1400" dirty="0"/>
-                    </a:p>
-                  </a:txBody>
-                  <a:tcPr/>
-                </a:tc>
-                <a:tc>
-                  <a:txBody>
-                    <a:bodyPr/>
-                    <a:lstStyle/>
-                    <a:p>
-                      <a:r>
-                        <a:rPr lang="en-US" altLang="zh-CN" sz="1400" dirty="0" smtClean="0"/>
-                        <a:t>Text-decoration-color</a:t>
-                      </a:r>
-                      <a:endParaRPr lang="zh-CN" altLang="en-US" sz="1400" dirty="0"/>
-                    </a:p>
-                  </a:txBody>
-                  <a:tcPr/>
-                </a:tc>
-              </a:tr>
-              <a:tr h="395230">
-                <a:tc>
-                  <a:txBody>
-                    <a:bodyPr/>
-                    <a:lstStyle/>
-                    <a:p>
-                      <a:r>
-                        <a:rPr lang="en-US" altLang="zh-CN" sz="1400" dirty="0" smtClean="0"/>
-                        <a:t>Font-family</a:t>
-                      </a:r>
-                      <a:endParaRPr lang="zh-CN" altLang="en-US" sz="1400" dirty="0"/>
-                    </a:p>
-                  </a:txBody>
-                  <a:tcPr/>
-                </a:tc>
-                <a:tc>
-                  <a:txBody>
-                    <a:bodyPr/>
-                    <a:lstStyle/>
-                    <a:p>
-                      <a:r>
-                        <a:rPr lang="en-US" altLang="zh-CN" sz="1400" dirty="0" smtClean="0"/>
-                        <a:t>Text-decoration-style</a:t>
-                      </a:r>
-                      <a:endParaRPr lang="zh-CN" altLang="en-US" sz="1400" dirty="0"/>
-                    </a:p>
-                  </a:txBody>
-                  <a:tcPr/>
-                </a:tc>
-              </a:tr>
-              <a:tr h="395230">
-                <a:tc>
-                  <a:txBody>
-                    <a:bodyPr/>
-                    <a:lstStyle/>
-                    <a:p>
-                      <a:r>
-                        <a:rPr lang="en-US" altLang="zh-CN" sz="1400" dirty="0" smtClean="0"/>
-                        <a:t>Font-style</a:t>
-                      </a:r>
-                      <a:endParaRPr lang="zh-CN" altLang="en-US" sz="1400" dirty="0"/>
-                    </a:p>
-                  </a:txBody>
-                  <a:tcPr/>
-                </a:tc>
-                <a:tc>
-                  <a:txBody>
-                    <a:bodyPr/>
-                    <a:lstStyle/>
-                    <a:p>
-                      <a:r>
-                        <a:rPr lang="en-US" altLang="zh-CN" sz="1400" dirty="0" smtClean="0"/>
-                        <a:t>Text-decoration-skip</a:t>
-                      </a:r>
-                      <a:endParaRPr lang="zh-CN" altLang="en-US" sz="1400" dirty="0"/>
-                    </a:p>
-                  </a:txBody>
-                  <a:tcPr/>
-                </a:tc>
-              </a:tr>
-              <a:tr h="395230">
-                <a:tc>
-                  <a:txBody>
-                    <a:bodyPr/>
-                    <a:lstStyle/>
-                    <a:p>
-                      <a:r>
-                        <a:rPr lang="en-US" altLang="zh-CN" sz="1400" dirty="0" smtClean="0"/>
-                        <a:t>Font-weight</a:t>
-                      </a:r>
-                      <a:endParaRPr lang="zh-CN" altLang="en-US" sz="1400" dirty="0"/>
-                    </a:p>
-                  </a:txBody>
-                  <a:tcPr/>
-                </a:tc>
-                <a:tc>
-                  <a:txBody>
-                    <a:bodyPr/>
-                    <a:lstStyle/>
-                    <a:p>
-                      <a:r>
-                        <a:rPr lang="en-US" altLang="zh-CN" sz="1400" dirty="0" smtClean="0"/>
-                        <a:t>Text-underline-position</a:t>
-                      </a:r>
-                      <a:endParaRPr lang="zh-CN" altLang="en-US" sz="1400" dirty="0"/>
-                    </a:p>
-                  </a:txBody>
-                  <a:tcPr/>
-                </a:tc>
-              </a:tr>
-              <a:tr h="395230">
-                <a:tc>
-                  <a:txBody>
-                    <a:bodyPr/>
-                    <a:lstStyle/>
-                    <a:p>
-                      <a:r>
-                        <a:rPr lang="en-US" altLang="zh-CN" sz="1400" dirty="0" smtClean="0"/>
-                        <a:t>Font-variant</a:t>
-                      </a:r>
-                      <a:endParaRPr lang="zh-CN" altLang="en-US" sz="1400" dirty="0"/>
-                    </a:p>
-                  </a:txBody>
-                  <a:tcPr/>
-                </a:tc>
-                <a:tc>
-                  <a:txBody>
-                    <a:bodyPr/>
-                    <a:lstStyle/>
-                    <a:p>
-                      <a:pPr marL="0" marR="0" indent="0" algn="l" defTabSz="914400" rtl="0" eaLnBrk="1" fontAlgn="auto" latinLnBrk="0" hangingPunct="1">
-                        <a:lnSpc>
-                          <a:spcPct val="100000"/>
-                        </a:lnSpc>
-                        <a:spcBef>
-                          <a:spcPts val="0"/>
-                        </a:spcBef>
-                        <a:spcAft>
-                          <a:spcPts val="0"/>
-                        </a:spcAft>
-                        <a:buClrTx/>
-                        <a:buSzTx/>
-                        <a:buFontTx/>
-                        <a:buNone/>
-                        <a:tabLst/>
-                        <a:defRPr/>
-                      </a:pPr>
-                      <a:r>
-                        <a:rPr lang="en-US" altLang="zh-CN" sz="1400" dirty="0" smtClean="0"/>
-                        <a:t>Text-decoration</a:t>
-                      </a:r>
-                      <a:endParaRPr lang="zh-CN" altLang="en-US" sz="1400" dirty="0" smtClean="0"/>
-                    </a:p>
-                  </a:txBody>
-                  <a:tcPr/>
-                </a:tc>
-              </a:tr>
-              <a:tr h="395230">
-                <a:tc>
-                  <a:txBody>
-                    <a:bodyPr/>
-                    <a:lstStyle/>
-                    <a:p>
-                      <a:r>
-                        <a:rPr lang="en-US" altLang="zh-CN" sz="1400" dirty="0" smtClean="0"/>
-                        <a:t>Font-size</a:t>
-                      </a:r>
-                      <a:endParaRPr lang="zh-CN" altLang="en-US" sz="1400" dirty="0"/>
-                    </a:p>
-                  </a:txBody>
-                  <a:tcPr/>
-                </a:tc>
-                <a:tc>
-                  <a:txBody>
-                    <a:bodyPr/>
-                    <a:lstStyle/>
-                    <a:p>
-                      <a:pPr marL="0" marR="0" indent="0" algn="l" defTabSz="914400" rtl="0" eaLnBrk="1" fontAlgn="auto" latinLnBrk="0" hangingPunct="1">
-                        <a:lnSpc>
-                          <a:spcPct val="100000"/>
-                        </a:lnSpc>
-                        <a:spcBef>
-                          <a:spcPts val="0"/>
-                        </a:spcBef>
-                        <a:spcAft>
-                          <a:spcPts val="0"/>
-                        </a:spcAft>
-                        <a:buClrTx/>
-                        <a:buSzTx/>
-                        <a:buFontTx/>
-                        <a:buNone/>
-                        <a:tabLst/>
-                        <a:defRPr/>
-                      </a:pPr>
-                      <a:r>
-                        <a:rPr lang="en-US" altLang="zh-CN" sz="1400" dirty="0" smtClean="0"/>
-                        <a:t>quotes</a:t>
-                      </a:r>
-                      <a:endParaRPr lang="zh-CN" altLang="en-US" sz="1400" dirty="0" smtClean="0"/>
-                    </a:p>
-                  </a:txBody>
-                  <a:tcPr/>
-                </a:tc>
-              </a:tr>
-              <a:tr h="395230">
-                <a:tc>
-                  <a:txBody>
-                    <a:bodyPr/>
-                    <a:lstStyle/>
-                    <a:p>
-                      <a:r>
-                        <a:rPr lang="en-US" altLang="zh-CN" sz="1400" dirty="0" smtClean="0"/>
-                        <a:t>Font-size-adjust</a:t>
-                      </a:r>
-                      <a:endParaRPr lang="zh-CN" altLang="en-US" sz="1400" dirty="0"/>
-                    </a:p>
-                  </a:txBody>
-                  <a:tcPr/>
-                </a:tc>
-                <a:tc>
-                  <a:txBody>
-                    <a:bodyPr/>
-                    <a:lstStyle/>
-                    <a:p>
-                      <a:r>
-                        <a:rPr lang="en-US" altLang="zh-CN" sz="1400" dirty="0" smtClean="0"/>
-                        <a:t>zoom</a:t>
-                      </a:r>
-                      <a:endParaRPr lang="zh-CN" altLang="en-US" sz="1400" dirty="0"/>
-                    </a:p>
-                  </a:txBody>
-                  <a:tcPr/>
-                </a:tc>
-              </a:tr>
-              <a:tr h="395230">
-                <a:tc>
-                  <a:txBody>
-                    <a:bodyPr/>
-                    <a:lstStyle/>
-                    <a:p>
-                      <a:r>
-                        <a:rPr lang="en-US" altLang="zh-CN" sz="1400" dirty="0" smtClean="0"/>
-                        <a:t>Font-stretch</a:t>
-                      </a:r>
-                      <a:endParaRPr lang="zh-CN" altLang="en-US" sz="1400" dirty="0"/>
-                    </a:p>
-                  </a:txBody>
-                  <a:tcPr/>
-                </a:tc>
-                <a:tc>
-                  <a:txBody>
-                    <a:bodyPr/>
-                    <a:lstStyle/>
-                    <a:p>
-                      <a:endParaRPr lang="zh-CN" altLang="en-US" sz="1400" dirty="0"/>
-                    </a:p>
-                  </a:txBody>
-                  <a:tcPr/>
-                </a:tc>
-              </a:tr>
-              <a:tr h="395230">
-                <a:tc>
-                  <a:txBody>
-                    <a:bodyPr/>
-                    <a:lstStyle/>
-                    <a:p>
-                      <a:pPr marL="0" marR="0" indent="0" algn="l" defTabSz="914400" rtl="0" eaLnBrk="1" fontAlgn="auto" latinLnBrk="0" hangingPunct="1">
-                        <a:lnSpc>
-                          <a:spcPct val="100000"/>
-                        </a:lnSpc>
-                        <a:spcBef>
-                          <a:spcPts val="0"/>
-                        </a:spcBef>
-                        <a:spcAft>
-                          <a:spcPts val="0"/>
-                        </a:spcAft>
-                        <a:buClrTx/>
-                        <a:buSzTx/>
-                        <a:buFontTx/>
-                        <a:buNone/>
-                        <a:tabLst/>
-                        <a:defRPr/>
-                      </a:pPr>
-                      <a:r>
-                        <a:rPr lang="en-US" altLang="zh-CN" sz="1400" dirty="0" smtClean="0"/>
-                        <a:t>Text-shadow</a:t>
-                      </a:r>
-                      <a:endParaRPr lang="zh-CN" altLang="en-US" sz="1400" dirty="0" smtClean="0"/>
-                    </a:p>
-                  </a:txBody>
-                  <a:tcPr/>
-                </a:tc>
-                <a:tc>
-                  <a:txBody>
-                    <a:bodyPr/>
-                    <a:lstStyle/>
-                    <a:p>
-                      <a:endParaRPr lang="zh-CN" altLang="en-US" sz="1400" dirty="0"/>
-                    </a:p>
-                  </a:txBody>
-                  <a:tcPr/>
-                </a:tc>
-              </a:tr>
-              <a:tr h="544697">
-                <a:tc>
-                  <a:txBody>
-                    <a:bodyPr/>
-                    <a:lstStyle/>
-                    <a:p>
-                      <a:r>
-                        <a:rPr lang="en-US" altLang="zh-CN" sz="1400" dirty="0" smtClean="0"/>
-                        <a:t>text-overflow</a:t>
-                      </a:r>
-                      <a:endParaRPr lang="zh-CN" altLang="en-US" sz="1400" dirty="0"/>
-                    </a:p>
-                  </a:txBody>
-                  <a:tcPr/>
-                </a:tc>
-                <a:tc>
-                  <a:txBody>
-                    <a:bodyPr/>
-                    <a:lstStyle/>
-                    <a:p>
-                      <a:endParaRPr lang="zh-CN" altLang="en-US" sz="1400" dirty="0"/>
+              <a:tr h="370840">
+                <a:tc>
+                  <a:txBody>
+                    <a:bodyPr/>
+                    <a:lstStyle/>
+                    <a:p>
+                      <a:r>
+                        <a:rPr lang="zh-CN" altLang="en-US" dirty="0" smtClean="0"/>
+                        <a:t>文字布局</a:t>
+                      </a:r>
+                      <a:endParaRPr lang="zh-CN" altLang="en-US" dirty="0"/>
+                    </a:p>
+                  </a:txBody>
+                  <a:tcPr/>
+                </a:tc>
+                <a:tc>
+                  <a:txBody>
+                    <a:bodyPr/>
+                    <a:lstStyle/>
+                    <a:p>
+                      <a:endParaRPr lang="zh-CN" altLang="en-US"/>
+                    </a:p>
+                  </a:txBody>
+                  <a:tcPr/>
+                </a:tc>
+              </a:tr>
+              <a:tr h="370840">
+                <a:tc>
+                  <a:txBody>
+                    <a:bodyPr/>
+                    <a:lstStyle/>
+                    <a:p>
+                      <a:r>
+                        <a:rPr lang="en-US" altLang="zh-CN" dirty="0" smtClean="0"/>
+                        <a:t>columns</a:t>
+                      </a:r>
+                      <a:endParaRPr lang="zh-CN" altLang="en-US" dirty="0"/>
+                    </a:p>
+                  </a:txBody>
+                  <a:tcPr/>
+                </a:tc>
+                <a:tc>
+                  <a:txBody>
+                    <a:bodyPr/>
+                    <a:lstStyle/>
+                    <a:p>
+                      <a:r>
+                        <a:rPr lang="en-US" altLang="zh-CN" dirty="0" smtClean="0"/>
+                        <a:t>Column-rule-color</a:t>
+                      </a:r>
+                      <a:endParaRPr lang="zh-CN" altLang="en-US" dirty="0"/>
+                    </a:p>
+                  </a:txBody>
+                  <a:tcPr/>
+                </a:tc>
+              </a:tr>
+              <a:tr h="370840">
+                <a:tc>
+                  <a:txBody>
+                    <a:bodyPr/>
+                    <a:lstStyle/>
+                    <a:p>
+                      <a:r>
+                        <a:rPr lang="en-US" altLang="zh-CN" dirty="0" smtClean="0"/>
+                        <a:t>Column-width</a:t>
+                      </a:r>
+                      <a:endParaRPr lang="zh-CN" altLang="en-US" dirty="0"/>
+                    </a:p>
+                  </a:txBody>
+                  <a:tcPr/>
+                </a:tc>
+                <a:tc>
+                  <a:txBody>
+                    <a:bodyPr/>
+                    <a:lstStyle/>
+                    <a:p>
+                      <a:r>
+                        <a:rPr lang="en-US" altLang="zh-CN" dirty="0" smtClean="0"/>
+                        <a:t>Column-span</a:t>
+                      </a:r>
+                      <a:endParaRPr lang="zh-CN" altLang="en-US" dirty="0"/>
+                    </a:p>
+                  </a:txBody>
+                  <a:tcPr/>
+                </a:tc>
+              </a:tr>
+              <a:tr h="370840">
+                <a:tc>
+                  <a:txBody>
+                    <a:bodyPr/>
+                    <a:lstStyle/>
+                    <a:p>
+                      <a:r>
+                        <a:rPr lang="en-US" altLang="zh-CN" dirty="0" smtClean="0"/>
+                        <a:t>Column-count</a:t>
+                      </a:r>
+                      <a:endParaRPr lang="zh-CN" altLang="en-US" dirty="0"/>
+                    </a:p>
+                  </a:txBody>
+                  <a:tcPr/>
+                </a:tc>
+                <a:tc>
+                  <a:txBody>
+                    <a:bodyPr/>
+                    <a:lstStyle/>
+                    <a:p>
+                      <a:r>
+                        <a:rPr lang="en-US" altLang="zh-CN" dirty="0" smtClean="0"/>
+                        <a:t>Column-fill</a:t>
+                      </a:r>
+                      <a:endParaRPr lang="zh-CN" altLang="en-US" dirty="0"/>
+                    </a:p>
+                  </a:txBody>
+                  <a:tcPr/>
+                </a:tc>
+              </a:tr>
+              <a:tr h="370840">
+                <a:tc>
+                  <a:txBody>
+                    <a:bodyPr/>
+                    <a:lstStyle/>
+                    <a:p>
+                      <a:r>
+                        <a:rPr lang="en-US" altLang="zh-CN" dirty="0" smtClean="0"/>
+                        <a:t>Column-gap</a:t>
+                      </a:r>
+                      <a:endParaRPr lang="zh-CN" altLang="en-US" dirty="0"/>
+                    </a:p>
+                  </a:txBody>
+                  <a:tcPr/>
+                </a:tc>
+                <a:tc>
+                  <a:txBody>
+                    <a:bodyPr/>
+                    <a:lstStyle/>
+                    <a:p>
+                      <a:r>
+                        <a:rPr lang="en-US" altLang="zh-CN" dirty="0" smtClean="0"/>
+                        <a:t>Column-break-before</a:t>
+                      </a:r>
+                      <a:endParaRPr lang="zh-CN" altLang="en-US" dirty="0"/>
+                    </a:p>
+                  </a:txBody>
+                  <a:tcPr/>
+                </a:tc>
+              </a:tr>
+              <a:tr h="370840">
+                <a:tc>
+                  <a:txBody>
+                    <a:bodyPr/>
+                    <a:lstStyle/>
+                    <a:p>
+                      <a:r>
+                        <a:rPr lang="en-US" altLang="zh-CN" dirty="0" smtClean="0"/>
+                        <a:t>Column-rule</a:t>
+                      </a:r>
+                      <a:endParaRPr lang="zh-CN" altLang="en-US" dirty="0"/>
+                    </a:p>
+                  </a:txBody>
+                  <a:tcPr/>
+                </a:tc>
+                <a:tc>
+                  <a:txBody>
+                    <a:bodyPr/>
+                    <a:lstStyle/>
+                    <a:p>
+                      <a:r>
+                        <a:rPr lang="en-US" altLang="zh-CN" dirty="0" smtClean="0"/>
+                        <a:t>Column-break-after</a:t>
+                      </a:r>
+                      <a:endParaRPr lang="zh-CN" altLang="en-US" dirty="0"/>
+                    </a:p>
+                  </a:txBody>
+                  <a:tcPr/>
+                </a:tc>
+              </a:tr>
+              <a:tr h="370840">
+                <a:tc>
+                  <a:txBody>
+                    <a:bodyPr/>
+                    <a:lstStyle/>
+                    <a:p>
+                      <a:r>
+                        <a:rPr lang="en-US" altLang="zh-CN" dirty="0" smtClean="0"/>
+                        <a:t>Column-rule-width</a:t>
+                      </a:r>
+                      <a:endParaRPr lang="zh-CN" altLang="en-US" dirty="0"/>
+                    </a:p>
+                  </a:txBody>
+                  <a:tcPr/>
+                </a:tc>
+                <a:tc>
+                  <a:txBody>
+                    <a:bodyPr/>
+                    <a:lstStyle/>
+                    <a:p>
+                      <a:r>
+                        <a:rPr lang="en-US" altLang="zh-CN" dirty="0" smtClean="0"/>
+                        <a:t>Column-break-inside</a:t>
+                      </a:r>
+                      <a:endParaRPr lang="zh-CN" altLang="en-US" dirty="0"/>
+                    </a:p>
+                  </a:txBody>
+                  <a:tcPr/>
+                </a:tc>
+              </a:tr>
+              <a:tr h="370840">
+                <a:tc>
+                  <a:txBody>
+                    <a:bodyPr/>
+                    <a:lstStyle/>
+                    <a:p>
+                      <a:r>
+                        <a:rPr lang="en-US" altLang="zh-CN" dirty="0" smtClean="0"/>
+                        <a:t>column-rule-style</a:t>
+                      </a:r>
+                      <a:endParaRPr lang="zh-CN" altLang="en-US" dirty="0"/>
+                    </a:p>
+                  </a:txBody>
+                  <a:tcPr/>
+                </a:tc>
+                <a:tc>
+                  <a:txBody>
+                    <a:bodyPr/>
+                    <a:lstStyle/>
+                    <a:p>
+                      <a:endParaRPr lang="zh-CN" altLang="en-US" dirty="0"/>
                     </a:p>
                   </a:txBody>
                   <a:tcPr/>
@@ -2460,444 +2301,10 @@
           </a:graphicData>
         </a:graphic>
       </p:graphicFrame>
-      <p:graphicFrame>
-        <p:nvGraphicFramePr>
-          <p:cNvPr id="5" name="表格 4"/>
-          <p:cNvGraphicFramePr>
-            <a:graphicFrameLocks noGrp="1"/>
-          </p:cNvGraphicFramePr>
-          <p:nvPr>
-            <p:extLst>
-              <p:ext uri="{D42A27DB-BD31-4B8C-83A1-F6EECF244321}">
-                <p14:modId xmlns:p14="http://schemas.microsoft.com/office/powerpoint/2010/main" val="4128058131"/>
-              </p:ext>
-            </p:extLst>
-          </p:nvPr>
-        </p:nvGraphicFramePr>
-        <p:xfrm>
-          <a:off x="4852258" y="1608644"/>
-          <a:ext cx="3656310" cy="4916142"/>
-        </p:xfrm>
-        <a:graphic>
-          <a:graphicData uri="http://schemas.openxmlformats.org/drawingml/2006/table">
-            <a:tbl>
-              <a:tblPr firstRow="1" bandRow="1">
-                <a:tableStyleId>{5C22544A-7EE6-4342-B048-85BDC9FD1C3A}</a:tableStyleId>
-              </a:tblPr>
-              <a:tblGrid>
-                <a:gridCol w="1828155"/>
-                <a:gridCol w="1828155"/>
-              </a:tblGrid>
-              <a:tr h="372435">
-                <a:tc>
-                  <a:txBody>
-                    <a:bodyPr/>
-                    <a:lstStyle/>
-                    <a:p>
-                      <a:r>
-                        <a:rPr lang="zh-CN" altLang="en-US" sz="1400" dirty="0" smtClean="0"/>
-                        <a:t>位置</a:t>
-                      </a:r>
-                      <a:endParaRPr lang="zh-CN" altLang="en-US" sz="1400" dirty="0"/>
-                    </a:p>
-                  </a:txBody>
-                  <a:tcPr/>
-                </a:tc>
-                <a:tc>
-                  <a:txBody>
-                    <a:bodyPr/>
-                    <a:lstStyle/>
-                    <a:p>
-                      <a:endParaRPr lang="zh-CN" altLang="en-US" sz="1400" dirty="0"/>
-                    </a:p>
-                  </a:txBody>
-                  <a:tcPr/>
-                </a:tc>
-              </a:tr>
-              <a:tr h="372435">
-                <a:tc>
-                  <a:txBody>
-                    <a:bodyPr/>
-                    <a:lstStyle/>
-                    <a:p>
-                      <a:r>
-                        <a:rPr lang="en-US" altLang="zh-CN" sz="1400" dirty="0" smtClean="0"/>
-                        <a:t>Text-transform</a:t>
-                      </a:r>
-                      <a:endParaRPr lang="zh-CN" altLang="en-US" sz="1400" dirty="0"/>
-                    </a:p>
-                  </a:txBody>
-                  <a:tcPr/>
-                </a:tc>
-                <a:tc>
-                  <a:txBody>
-                    <a:bodyPr/>
-                    <a:lstStyle/>
-                    <a:p>
-                      <a:r>
-                        <a:rPr lang="en-US" altLang="zh-CN" sz="1400" dirty="0" smtClean="0"/>
-                        <a:t>direction</a:t>
-                      </a:r>
-                      <a:endParaRPr lang="zh-CN" altLang="en-US" sz="1400" dirty="0"/>
-                    </a:p>
-                  </a:txBody>
-                  <a:tcPr/>
-                </a:tc>
-              </a:tr>
-              <a:tr h="372435">
-                <a:tc>
-                  <a:txBody>
-                    <a:bodyPr/>
-                    <a:lstStyle/>
-                    <a:p>
-                      <a:r>
-                        <a:rPr lang="en-US" altLang="zh-CN" sz="1400" dirty="0" smtClean="0"/>
-                        <a:t>White-space</a:t>
-                      </a:r>
-                      <a:endParaRPr lang="zh-CN" altLang="en-US" sz="1400" dirty="0"/>
-                    </a:p>
-                  </a:txBody>
-                  <a:tcPr/>
-                </a:tc>
-                <a:tc>
-                  <a:txBody>
-                    <a:bodyPr/>
-                    <a:lstStyle/>
-                    <a:p>
-                      <a:r>
-                        <a:rPr lang="en-US" altLang="zh-CN" sz="1400" dirty="0" smtClean="0"/>
-                        <a:t>Unicode-</a:t>
-                      </a:r>
-                      <a:r>
-                        <a:rPr lang="en-US" altLang="zh-CN" sz="1400" dirty="0" err="1" smtClean="0"/>
-                        <a:t>bidi</a:t>
-                      </a:r>
-                      <a:endParaRPr lang="zh-CN" altLang="en-US" sz="1400" dirty="0"/>
-                    </a:p>
-                  </a:txBody>
-                  <a:tcPr/>
-                </a:tc>
-              </a:tr>
-              <a:tr h="372435">
-                <a:tc>
-                  <a:txBody>
-                    <a:bodyPr/>
-                    <a:lstStyle/>
-                    <a:p>
-                      <a:r>
-                        <a:rPr lang="en-US" altLang="zh-CN" sz="1400" dirty="0" smtClean="0"/>
-                        <a:t>Word-break</a:t>
-                      </a:r>
-                      <a:endParaRPr lang="zh-CN" altLang="en-US" sz="1400" dirty="0"/>
-                    </a:p>
-                  </a:txBody>
-                  <a:tcPr/>
-                </a:tc>
-                <a:tc>
-                  <a:txBody>
-                    <a:bodyPr/>
-                    <a:lstStyle/>
-                    <a:p>
-                      <a:r>
-                        <a:rPr lang="en-US" altLang="zh-CN" sz="1400" dirty="0" smtClean="0"/>
-                        <a:t>Writing-mode</a:t>
-                      </a:r>
-                      <a:endParaRPr lang="zh-CN" altLang="en-US" sz="1400" dirty="0"/>
-                    </a:p>
-                  </a:txBody>
-                  <a:tcPr/>
-                </a:tc>
-              </a:tr>
-              <a:tr h="372435">
-                <a:tc>
-                  <a:txBody>
-                    <a:bodyPr/>
-                    <a:lstStyle/>
-                    <a:p>
-                      <a:r>
-                        <a:rPr lang="en-US" altLang="zh-CN" sz="1400" dirty="0" smtClean="0"/>
-                        <a:t>Word-wrap</a:t>
-                      </a:r>
-                      <a:endParaRPr lang="zh-CN" altLang="en-US" sz="1400" dirty="0"/>
-                    </a:p>
-                  </a:txBody>
-                  <a:tcPr/>
-                </a:tc>
-                <a:tc>
-                  <a:txBody>
-                    <a:bodyPr/>
-                    <a:lstStyle/>
-                    <a:p>
-                      <a:r>
-                        <a:rPr lang="en-US" altLang="zh-CN" sz="1400" dirty="0" smtClean="0"/>
-                        <a:t>Text-indent</a:t>
-                      </a:r>
-                      <a:endParaRPr lang="zh-CN" altLang="en-US" sz="1400" dirty="0"/>
-                    </a:p>
-                  </a:txBody>
-                  <a:tcPr/>
-                </a:tc>
-              </a:tr>
-              <a:tr h="372435">
-                <a:tc>
-                  <a:txBody>
-                    <a:bodyPr/>
-                    <a:lstStyle/>
-                    <a:p>
-                      <a:r>
-                        <a:rPr lang="en-US" altLang="zh-CN" sz="1400" dirty="0" smtClean="0"/>
-                        <a:t>Tab-size</a:t>
-                      </a:r>
-                      <a:endParaRPr lang="zh-CN" altLang="en-US" sz="1400" dirty="0"/>
-                    </a:p>
-                  </a:txBody>
-                  <a:tcPr/>
-                </a:tc>
-                <a:tc>
-                  <a:txBody>
-                    <a:bodyPr/>
-                    <a:lstStyle/>
-                    <a:p>
-                      <a:r>
-                        <a:rPr lang="en-US" altLang="zh-CN" sz="1400" dirty="0" smtClean="0"/>
-                        <a:t>Vertical-align</a:t>
-                      </a:r>
-                      <a:endParaRPr lang="zh-CN" altLang="en-US" sz="1400" dirty="0"/>
-                    </a:p>
-                  </a:txBody>
-                  <a:tcPr/>
-                </a:tc>
-              </a:tr>
-              <a:tr h="372435">
-                <a:tc>
-                  <a:txBody>
-                    <a:bodyPr/>
-                    <a:lstStyle/>
-                    <a:p>
-                      <a:r>
-                        <a:rPr lang="en-US" altLang="zh-CN" sz="1400" dirty="0" smtClean="0"/>
-                        <a:t>Overflow-wrap</a:t>
-                      </a:r>
-                      <a:endParaRPr lang="zh-CN" altLang="en-US" sz="1400" dirty="0"/>
-                    </a:p>
-                  </a:txBody>
-                  <a:tcPr/>
-                </a:tc>
-                <a:tc>
-                  <a:txBody>
-                    <a:bodyPr/>
-                    <a:lstStyle/>
-                    <a:p>
-                      <a:r>
-                        <a:rPr lang="en-US" altLang="zh-CN" sz="1400" dirty="0" smtClean="0"/>
-                        <a:t>Line-height</a:t>
-                      </a:r>
-                      <a:endParaRPr lang="zh-CN" altLang="en-US" sz="1400" dirty="0"/>
-                    </a:p>
-                  </a:txBody>
-                  <a:tcPr/>
-                </a:tc>
-              </a:tr>
-              <a:tr h="372435">
-                <a:tc>
-                  <a:txBody>
-                    <a:bodyPr/>
-                    <a:lstStyle/>
-                    <a:p>
-                      <a:r>
-                        <a:rPr lang="en-US" altLang="zh-CN" sz="1400" dirty="0" smtClean="0"/>
-                        <a:t>Text-align</a:t>
-                      </a:r>
-                      <a:endParaRPr lang="zh-CN" altLang="en-US" sz="1400" dirty="0"/>
-                    </a:p>
-                  </a:txBody>
-                  <a:tcPr/>
-                </a:tc>
-                <a:tc>
-                  <a:txBody>
-                    <a:bodyPr/>
-                    <a:lstStyle/>
-                    <a:p>
-                      <a:r>
-                        <a:rPr lang="en-US" altLang="zh-CN" sz="1400" dirty="0" smtClean="0"/>
-                        <a:t>Text-size-adjust</a:t>
-                      </a:r>
-                      <a:endParaRPr lang="zh-CN" altLang="en-US" sz="1400" dirty="0"/>
-                    </a:p>
-                  </a:txBody>
-                  <a:tcPr/>
-                </a:tc>
-              </a:tr>
-              <a:tr h="372435">
-                <a:tc>
-                  <a:txBody>
-                    <a:bodyPr/>
-                    <a:lstStyle/>
-                    <a:p>
-                      <a:r>
-                        <a:rPr lang="en-US" altLang="zh-CN" sz="1400" dirty="0" smtClean="0"/>
-                        <a:t>Text-align-last</a:t>
-                      </a:r>
-                      <a:endParaRPr lang="zh-CN" altLang="en-US" sz="1400" dirty="0"/>
-                    </a:p>
-                  </a:txBody>
-                  <a:tcPr/>
-                </a:tc>
-                <a:tc>
-                  <a:txBody>
-                    <a:bodyPr/>
-                    <a:lstStyle/>
-                    <a:p>
-                      <a:endParaRPr lang="zh-CN" altLang="en-US" sz="1400" dirty="0"/>
-                    </a:p>
-                  </a:txBody>
-                  <a:tcPr/>
-                </a:tc>
-              </a:tr>
-              <a:tr h="372435">
-                <a:tc>
-                  <a:txBody>
-                    <a:bodyPr/>
-                    <a:lstStyle/>
-                    <a:p>
-                      <a:r>
-                        <a:rPr lang="en-US" altLang="zh-CN" sz="1400" dirty="0" smtClean="0"/>
-                        <a:t>Text-justify</a:t>
-                      </a:r>
-                      <a:endParaRPr lang="zh-CN" altLang="en-US" sz="1400" dirty="0"/>
-                    </a:p>
-                  </a:txBody>
-                  <a:tcPr/>
-                </a:tc>
-                <a:tc>
-                  <a:txBody>
-                    <a:bodyPr/>
-                    <a:lstStyle/>
-                    <a:p>
-                      <a:endParaRPr lang="zh-CN" altLang="en-US" sz="1400" dirty="0"/>
-                    </a:p>
-                  </a:txBody>
-                  <a:tcPr/>
-                </a:tc>
-              </a:tr>
-              <a:tr h="372435">
-                <a:tc>
-                  <a:txBody>
-                    <a:bodyPr/>
-                    <a:lstStyle/>
-                    <a:p>
-                      <a:r>
-                        <a:rPr lang="en-US" altLang="zh-CN" sz="1400" dirty="0" smtClean="0"/>
-                        <a:t>Word-spacing</a:t>
-                      </a:r>
-                      <a:endParaRPr lang="zh-CN" altLang="en-US" sz="1400" dirty="0"/>
-                    </a:p>
-                  </a:txBody>
-                  <a:tcPr/>
-                </a:tc>
-                <a:tc>
-                  <a:txBody>
-                    <a:bodyPr/>
-                    <a:lstStyle/>
-                    <a:p>
-                      <a:endParaRPr lang="zh-CN" altLang="en-US" sz="1400" dirty="0"/>
-                    </a:p>
-                  </a:txBody>
-                  <a:tcPr/>
-                </a:tc>
-              </a:tr>
-              <a:tr h="372435">
-                <a:tc>
-                  <a:txBody>
-                    <a:bodyPr/>
-                    <a:lstStyle/>
-                    <a:p>
-                      <a:r>
-                        <a:rPr lang="en-US" altLang="zh-CN" sz="1400" dirty="0" smtClean="0"/>
-                        <a:t>Letter-spacing</a:t>
-                      </a:r>
-                      <a:endParaRPr lang="zh-CN" altLang="en-US" sz="1400" dirty="0"/>
-                    </a:p>
-                  </a:txBody>
-                  <a:tcPr/>
-                </a:tc>
-                <a:tc>
-                  <a:txBody>
-                    <a:bodyPr/>
-                    <a:lstStyle/>
-                    <a:p>
-                      <a:endParaRPr lang="zh-CN" altLang="en-US" sz="1400" dirty="0"/>
-                    </a:p>
-                  </a:txBody>
-                  <a:tcPr/>
-                </a:tc>
-              </a:tr>
-              <a:tr h="446922">
-                <a:tc>
-                  <a:txBody>
-                    <a:bodyPr/>
-                    <a:lstStyle/>
-                    <a:p>
-                      <a:endParaRPr lang="zh-CN" altLang="en-US" dirty="0"/>
-                    </a:p>
-                  </a:txBody>
-                  <a:tcPr/>
-                </a:tc>
-                <a:tc>
-                  <a:txBody>
-                    <a:bodyPr/>
-                    <a:lstStyle/>
-                    <a:p>
-                      <a:endParaRPr lang="zh-CN" altLang="en-US" sz="1400" dirty="0"/>
-                    </a:p>
-                  </a:txBody>
-                  <a:tcPr/>
-                </a:tc>
-              </a:tr>
-            </a:tbl>
-          </a:graphicData>
-        </a:graphic>
-      </p:graphicFrame>
-      <p:sp>
-        <p:nvSpPr>
-          <p:cNvPr id="6" name="文本框 5"/>
-          <p:cNvSpPr txBox="1"/>
-          <p:nvPr/>
-        </p:nvSpPr>
-        <p:spPr>
-          <a:xfrm>
-            <a:off x="8880529" y="3285641"/>
-            <a:ext cx="2924070" cy="707886"/>
-          </a:xfrm>
-          <a:prstGeom prst="rect">
-            <a:avLst/>
-          </a:prstGeom>
-          <a:noFill/>
-        </p:spPr>
-        <p:txBody>
-          <a:bodyPr wrap="none" rtlCol="0">
-            <a:spAutoFit/>
-          </a:bodyPr>
-          <a:lstStyle/>
-          <a:p>
-            <a:r>
-              <a:rPr lang="en-US" altLang="zh-CN" sz="4000" dirty="0" smtClean="0">
-                <a:latin typeface="微软雅黑" panose="020B0503020204020204" pitchFamily="34" charset="-122"/>
-                <a:ea typeface="微软雅黑" panose="020B0503020204020204" pitchFamily="34" charset="-122"/>
-              </a:rPr>
-              <a:t>@font-face</a:t>
-            </a:r>
-            <a:endParaRPr lang="zh-CN" altLang="en-US" sz="4000" dirty="0">
-              <a:latin typeface="微软雅黑" panose="020B0503020204020204" pitchFamily="34" charset="-122"/>
-              <a:ea typeface="微软雅黑" panose="020B0503020204020204" pitchFamily="34" charset="-122"/>
-            </a:endParaRPr>
-          </a:p>
-        </p:txBody>
-      </p:sp>
     </p:spTree>
     <p:extLst>
       <p:ext uri="{BB962C8B-B14F-4D97-AF65-F5344CB8AC3E}">
-        <p14:creationId xmlns:p14="http://schemas.microsoft.com/office/powerpoint/2010/main" val="2365001589"/>
+        <p14:creationId xmlns:p14="http://schemas.microsoft.com/office/powerpoint/2010/main" val="319160658"/>
       </p:ext>
     </p:extLst>
   </p:cSld>
@@ -2948,15 +2355,7 @@
           <a:p>
             <a:r>
               <a:rPr lang="zh-CN" altLang="en-US" dirty="0" smtClean="0"/>
-              <a:t>动画样式  </a:t>
-            </a:r>
-            <a:r>
-              <a:rPr lang="en-US" altLang="zh-CN" dirty="0" smtClean="0"/>
-              <a:t>@</a:t>
-            </a:r>
-            <a:r>
-              <a:rPr lang="en-US" altLang="zh-CN" dirty="0" err="1" smtClean="0"/>
-              <a:t>keyframes</a:t>
+              <a:t>修饰样式</a:t>
             </a:r>
             <a:endParaRPr lang="zh-CN" altLang="en-US" dirty="0"/>
           </a:p>
@@ -2971,14 +2370,14 @@
           <p:nvPr>
             <p:extLst>
               <p:ext uri="{D42A27DB-BD31-4B8C-83A1-F6EECF244321}">
-                <p14:modId xmlns:p14="http://schemas.microsoft.com/office/powerpoint/2010/main" val="2614527955"/>
+                <p14:modId xmlns:p14="http://schemas.microsoft.com/office/powerpoint/2010/main" val="503201105"/>
               </p:ext>
             </p:extLst>
           </p:nvPr>
         </p:nvGraphicFramePr>
         <p:xfrm>
-          <a:off x="773821" y="1456839"/>
-          <a:ext cx="10043997" cy="4991150"/>
+          <a:off x="205154" y="1418769"/>
+          <a:ext cx="11780522" cy="4724400"/>
         </p:xfrm>
         <a:graphic>
           <a:graphicData uri="http://schemas.openxmlformats.org/drawingml/2006/table">
@@ -2987,294 +2386,814 @@
                 <a:tableStyleId>{5C22544A-7EE6-4342-B048-85BDC9FD1C3A}</a:tableStyleId>
               </a:tblPr>
               <a:tblGrid>
-                <a:gridCol w="3347999"/>
-                <a:gridCol w="3347999"/>
-                <a:gridCol w="3347999"/>
+                <a:gridCol w="1596052"/>
+                <a:gridCol w="1596052"/>
+                <a:gridCol w="1596052"/>
+                <a:gridCol w="2797401"/>
+                <a:gridCol w="2052795"/>
+                <a:gridCol w="2142170"/>
               </a:tblGrid>
-              <a:tr h="499115">
-                <a:tc>
-                  <a:txBody>
-                    <a:bodyPr/>
-                    <a:lstStyle/>
-                    <a:p>
-                      <a:r>
-                        <a:rPr lang="zh-CN" altLang="en-US" dirty="0" smtClean="0"/>
-                        <a:t>变化</a:t>
-                      </a:r>
-                      <a:endParaRPr lang="zh-CN" altLang="en-US" dirty="0"/>
-                    </a:p>
-                  </a:txBody>
-                  <a:tcPr/>
-                </a:tc>
-                <a:tc>
-                  <a:txBody>
-                    <a:bodyPr/>
-                    <a:lstStyle/>
-                    <a:p>
-                      <a:r>
-                        <a:rPr lang="zh-CN" altLang="en-US" dirty="0" smtClean="0"/>
-                        <a:t>过渡</a:t>
-                      </a:r>
-                      <a:endParaRPr lang="zh-CN" altLang="en-US" dirty="0"/>
-                    </a:p>
-                  </a:txBody>
-                  <a:tcPr/>
-                </a:tc>
-                <a:tc>
-                  <a:txBody>
-                    <a:bodyPr/>
-                    <a:lstStyle/>
-                    <a:p>
-                      <a:r>
-                        <a:rPr lang="zh-CN" altLang="en-US" dirty="0" smtClean="0"/>
-                        <a:t>动作</a:t>
-                      </a:r>
-                      <a:endParaRPr lang="zh-CN" altLang="en-US" dirty="0"/>
-                    </a:p>
-                  </a:txBody>
-                  <a:tcPr/>
-                </a:tc>
-              </a:tr>
-              <a:tr h="499115">
-                <a:tc>
-                  <a:txBody>
-                    <a:bodyPr/>
-                    <a:lstStyle/>
-                    <a:p>
-                      <a:r>
-                        <a:rPr lang="en-US" altLang="zh-CN" dirty="0" smtClean="0"/>
-                        <a:t>transform</a:t>
-                      </a:r>
-                      <a:endParaRPr lang="zh-CN" altLang="en-US" dirty="0"/>
-                    </a:p>
-                  </a:txBody>
-                  <a:tcPr/>
-                </a:tc>
-                <a:tc>
-                  <a:txBody>
-                    <a:bodyPr/>
-                    <a:lstStyle/>
-                    <a:p>
-                      <a:r>
-                        <a:rPr lang="en-US" altLang="zh-CN" dirty="0" smtClean="0"/>
-                        <a:t>transition</a:t>
-                      </a:r>
-                      <a:endParaRPr lang="zh-CN" altLang="en-US" dirty="0"/>
-                    </a:p>
-                  </a:txBody>
-                  <a:tcPr/>
-                </a:tc>
-                <a:tc>
-                  <a:txBody>
-                    <a:bodyPr/>
-                    <a:lstStyle/>
-                    <a:p>
-                      <a:r>
-                        <a:rPr lang="en-US" altLang="zh-CN" dirty="0" smtClean="0"/>
-                        <a:t>animation</a:t>
-                      </a:r>
-                      <a:endParaRPr lang="zh-CN" altLang="en-US" dirty="0"/>
-                    </a:p>
-                  </a:txBody>
-                  <a:tcPr/>
-                </a:tc>
-              </a:tr>
-              <a:tr h="499115">
-                <a:tc>
-                  <a:txBody>
-                    <a:bodyPr/>
-                    <a:lstStyle/>
-                    <a:p>
-                      <a:r>
-                        <a:rPr lang="en-US" altLang="zh-CN" dirty="0" smtClean="0"/>
-                        <a:t>Transform-origin</a:t>
-                      </a:r>
-                      <a:endParaRPr lang="zh-CN" altLang="en-US" dirty="0"/>
-                    </a:p>
-                  </a:txBody>
-                  <a:tcPr/>
-                </a:tc>
-                <a:tc>
-                  <a:txBody>
-                    <a:bodyPr/>
-                    <a:lstStyle/>
-                    <a:p>
-                      <a:r>
-                        <a:rPr lang="en-US" altLang="zh-CN" dirty="0" smtClean="0"/>
-                        <a:t>Transition-property</a:t>
-                      </a:r>
-                      <a:endParaRPr lang="zh-CN" altLang="en-US" dirty="0"/>
-                    </a:p>
-                  </a:txBody>
-                  <a:tcPr/>
-                </a:tc>
-                <a:tc>
-                  <a:txBody>
-                    <a:bodyPr/>
-                    <a:lstStyle/>
-                    <a:p>
-                      <a:r>
-                        <a:rPr lang="en-US" altLang="zh-CN" dirty="0" smtClean="0"/>
-                        <a:t>Animation-name</a:t>
-                      </a:r>
-                      <a:endParaRPr lang="zh-CN" altLang="en-US" dirty="0"/>
-                    </a:p>
-                  </a:txBody>
-                  <a:tcPr/>
-                </a:tc>
-              </a:tr>
-              <a:tr h="499115">
-                <a:tc>
-                  <a:txBody>
-                    <a:bodyPr/>
-                    <a:lstStyle/>
-                    <a:p>
-                      <a:r>
-                        <a:rPr lang="en-US" altLang="zh-CN" dirty="0" smtClean="0"/>
-                        <a:t>Transform-style</a:t>
-                      </a:r>
-                      <a:endParaRPr lang="zh-CN" altLang="en-US" dirty="0"/>
-                    </a:p>
-                  </a:txBody>
-                  <a:tcPr/>
-                </a:tc>
-                <a:tc>
-                  <a:txBody>
-                    <a:bodyPr/>
-                    <a:lstStyle/>
-                    <a:p>
-                      <a:r>
-                        <a:rPr lang="en-US" altLang="zh-CN" dirty="0" smtClean="0"/>
-                        <a:t>Transition-duration</a:t>
-                      </a:r>
-                      <a:endParaRPr lang="zh-CN" altLang="en-US" dirty="0"/>
-                    </a:p>
-                  </a:txBody>
-                  <a:tcPr/>
-                </a:tc>
-                <a:tc>
-                  <a:txBody>
-                    <a:bodyPr/>
-                    <a:lstStyle/>
-                    <a:p>
-                      <a:r>
-                        <a:rPr lang="en-US" altLang="zh-CN" dirty="0" smtClean="0"/>
-                        <a:t>Animation-duration</a:t>
-                      </a:r>
-                      <a:endParaRPr lang="zh-CN" altLang="en-US" dirty="0"/>
-                    </a:p>
-                  </a:txBody>
-                  <a:tcPr/>
-                </a:tc>
-              </a:tr>
-              <a:tr h="499115">
-                <a:tc>
-                  <a:txBody>
-                    <a:bodyPr/>
-                    <a:lstStyle/>
-                    <a:p>
-                      <a:r>
-                        <a:rPr lang="en-US" altLang="zh-CN" dirty="0" smtClean="0"/>
-                        <a:t>perspective</a:t>
-                      </a:r>
-                      <a:endParaRPr lang="zh-CN" altLang="en-US" dirty="0"/>
-                    </a:p>
-                  </a:txBody>
-                  <a:tcPr/>
-                </a:tc>
-                <a:tc>
-                  <a:txBody>
-                    <a:bodyPr/>
-                    <a:lstStyle/>
-                    <a:p>
-                      <a:r>
-                        <a:rPr lang="en-US" altLang="zh-CN" dirty="0" smtClean="0"/>
-                        <a:t>Transition-timing-function</a:t>
-                      </a:r>
-                      <a:endParaRPr lang="zh-CN" altLang="en-US" dirty="0"/>
-                    </a:p>
-                  </a:txBody>
-                  <a:tcPr/>
-                </a:tc>
-                <a:tc>
-                  <a:txBody>
-                    <a:bodyPr/>
-                    <a:lstStyle/>
-                    <a:p>
-                      <a:r>
-                        <a:rPr lang="en-US" altLang="zh-CN" dirty="0" smtClean="0"/>
-                        <a:t>Animation-timing-function</a:t>
-                      </a:r>
-                      <a:endParaRPr lang="zh-CN" altLang="en-US" dirty="0"/>
-                    </a:p>
-                  </a:txBody>
-                  <a:tcPr/>
-                </a:tc>
-              </a:tr>
-              <a:tr h="499115">
-                <a:tc>
-                  <a:txBody>
-                    <a:bodyPr/>
-                    <a:lstStyle/>
-                    <a:p>
-                      <a:r>
-                        <a:rPr lang="en-US" altLang="zh-CN" dirty="0" smtClean="0"/>
-                        <a:t>Perspective-origin</a:t>
-                      </a:r>
-                      <a:endParaRPr lang="zh-CN" altLang="en-US" dirty="0"/>
-                    </a:p>
-                  </a:txBody>
-                  <a:tcPr/>
-                </a:tc>
-                <a:tc>
-                  <a:txBody>
-                    <a:bodyPr/>
-                    <a:lstStyle/>
-                    <a:p>
-                      <a:r>
-                        <a:rPr lang="en-US" altLang="zh-CN" dirty="0" smtClean="0"/>
-                        <a:t>Transition-delay</a:t>
-                      </a:r>
-                      <a:endParaRPr lang="zh-CN" altLang="en-US" dirty="0"/>
-                    </a:p>
-                  </a:txBody>
-                  <a:tcPr/>
-                </a:tc>
-                <a:tc>
-                  <a:txBody>
-                    <a:bodyPr/>
-                    <a:lstStyle/>
-                    <a:p>
-                      <a:r>
-                        <a:rPr lang="en-US" altLang="zh-CN" dirty="0" smtClean="0"/>
-                        <a:t>Animation-delay</a:t>
-                      </a:r>
-                      <a:endParaRPr lang="zh-CN" altLang="en-US" dirty="0"/>
-                    </a:p>
-                  </a:txBody>
-                  <a:tcPr/>
-                </a:tc>
-              </a:tr>
-              <a:tr h="499115">
-                <a:tc>
-                  <a:txBody>
-                    <a:bodyPr/>
-                    <a:lstStyle/>
-                    <a:p>
-                      <a:r>
-                        <a:rPr lang="en-US" altLang="zh-CN" dirty="0" err="1" smtClean="0"/>
-                        <a:t>Backface</a:t>
-                      </a:r>
-                      <a:r>
-                        <a:rPr lang="en-US" altLang="zh-CN" dirty="0" smtClean="0"/>
-                        <a:t>-visibility</a:t>
-                      </a:r>
-                      <a:endParaRPr lang="zh-CN" altLang="en-US" dirty="0"/>
-                    </a:p>
-                  </a:txBody>
-                  <a:tcPr/>
-                </a:tc>
-                <a:tc>
+              <a:tr h="0">
+                <a:tc>
+                  <a:txBody>
+                    <a:bodyPr/>
+                    <a:lstStyle/>
+                    <a:p>
+                      <a:r>
+                        <a:rPr lang="zh-CN" altLang="en-US" sz="1400" dirty="0" smtClean="0"/>
+                        <a:t>尺寸</a:t>
+                      </a:r>
+                      <a:endParaRPr lang="zh-CN" altLang="en-US" sz="1400" dirty="0"/>
+                    </a:p>
+                  </a:txBody>
+                  <a:tcPr/>
+                </a:tc>
+                <a:tc>
+                  <a:txBody>
+                    <a:bodyPr/>
+                    <a:lstStyle/>
+                    <a:p>
+                      <a:r>
+                        <a:rPr lang="zh-CN" altLang="en-US" sz="1400" dirty="0" smtClean="0"/>
+                        <a:t>外边界</a:t>
+                      </a:r>
+                      <a:endParaRPr lang="zh-CN" altLang="en-US" sz="1400" dirty="0"/>
+                    </a:p>
+                  </a:txBody>
+                  <a:tcPr/>
+                </a:tc>
+                <a:tc>
+                  <a:txBody>
+                    <a:bodyPr/>
+                    <a:lstStyle/>
+                    <a:p>
+                      <a:r>
+                        <a:rPr lang="zh-CN" altLang="en-US" sz="1400" dirty="0" smtClean="0"/>
+                        <a:t>内边界</a:t>
+                      </a:r>
+                      <a:endParaRPr lang="zh-CN" altLang="en-US" sz="1400" dirty="0"/>
+                    </a:p>
+                  </a:txBody>
+                  <a:tcPr/>
+                </a:tc>
+                <a:tc>
+                  <a:txBody>
+                    <a:bodyPr/>
+                    <a:lstStyle/>
+                    <a:p>
+                      <a:r>
+                        <a:rPr lang="zh-CN" altLang="en-US" sz="1400" dirty="0" smtClean="0"/>
+                        <a:t>边框</a:t>
+                      </a:r>
+                      <a:endParaRPr lang="zh-CN" altLang="en-US" sz="1400" dirty="0"/>
+                    </a:p>
+                  </a:txBody>
+                  <a:tcPr/>
+                </a:tc>
+                <a:tc>
+                  <a:txBody>
+                    <a:bodyPr/>
+                    <a:lstStyle/>
+                    <a:p>
+                      <a:r>
+                        <a:rPr lang="zh-CN" altLang="en-US" sz="1400" dirty="0" smtClean="0"/>
+                        <a:t>背景</a:t>
+                      </a:r>
+                      <a:endParaRPr lang="zh-CN" altLang="en-US" sz="1400" dirty="0"/>
+                    </a:p>
+                  </a:txBody>
+                  <a:tcPr/>
+                </a:tc>
+                <a:tc>
+                  <a:txBody>
+                    <a:bodyPr/>
+                    <a:lstStyle/>
+                    <a:p>
+                      <a:r>
+                        <a:rPr lang="zh-CN" altLang="en-US" sz="1400" dirty="0" smtClean="0"/>
+                        <a:t>标注</a:t>
+                      </a:r>
+                      <a:endParaRPr lang="zh-CN" altLang="en-US" sz="1400" dirty="0"/>
+                    </a:p>
+                  </a:txBody>
+                  <a:tcPr>
+                    <a:solidFill>
+                      <a:schemeClr val="tx1"/>
+                    </a:solidFill>
+                  </a:tcPr>
+                </a:tc>
+              </a:tr>
+              <a:tr h="370840">
+                <a:tc>
+                  <a:txBody>
+                    <a:bodyPr/>
+                    <a:lstStyle/>
+                    <a:p>
+                      <a:r>
+                        <a:rPr lang="en-US" altLang="zh-CN" sz="1400" dirty="0" smtClean="0"/>
+                        <a:t>Width</a:t>
+                      </a:r>
+                      <a:endParaRPr lang="zh-CN" altLang="en-US" sz="1400" dirty="0"/>
+                    </a:p>
+                  </a:txBody>
+                  <a:tcPr/>
+                </a:tc>
+                <a:tc>
+                  <a:txBody>
+                    <a:bodyPr/>
+                    <a:lstStyle/>
+                    <a:p>
+                      <a:r>
+                        <a:rPr lang="en-US" altLang="zh-CN" sz="1400" dirty="0" smtClean="0"/>
+                        <a:t>Margin</a:t>
+                      </a:r>
+                      <a:endParaRPr lang="zh-CN" altLang="en-US" sz="1400" dirty="0"/>
+                    </a:p>
+                  </a:txBody>
+                  <a:tcPr/>
+                </a:tc>
+                <a:tc>
+                  <a:txBody>
+                    <a:bodyPr/>
+                    <a:lstStyle/>
+                    <a:p>
+                      <a:r>
+                        <a:rPr lang="en-US" altLang="zh-CN" sz="1400" dirty="0" smtClean="0"/>
+                        <a:t>Padding</a:t>
+                      </a:r>
+                      <a:endParaRPr lang="zh-CN" altLang="en-US" sz="1400" dirty="0"/>
+                    </a:p>
+                  </a:txBody>
+                  <a:tcPr/>
+                </a:tc>
+                <a:tc>
+                  <a:txBody>
+                    <a:bodyPr/>
+                    <a:lstStyle/>
+                    <a:p>
+                      <a:r>
+                        <a:rPr lang="en-US" altLang="zh-CN" sz="1400" dirty="0" smtClean="0"/>
+                        <a:t>Border</a:t>
+                      </a:r>
+                    </a:p>
+                    <a:p>
+                      <a:r>
+                        <a:rPr lang="en-US" altLang="zh-CN" sz="1400" dirty="0" smtClean="0"/>
+                        <a:t>Border-width</a:t>
+                      </a:r>
+                    </a:p>
+                    <a:p>
+                      <a:r>
+                        <a:rPr lang="en-US" altLang="zh-CN" sz="1400" dirty="0" smtClean="0"/>
+                        <a:t>Border-style</a:t>
+                      </a:r>
+                    </a:p>
+                    <a:p>
+                      <a:r>
+                        <a:rPr lang="en-US" altLang="zh-CN" sz="1400" dirty="0" smtClean="0"/>
+                        <a:t>Border-color</a:t>
+                      </a:r>
+                    </a:p>
+                    <a:p>
+                      <a:r>
+                        <a:rPr lang="en-US" altLang="zh-CN" sz="1400" dirty="0" smtClean="0"/>
+                        <a:t>(</a:t>
+                      </a:r>
+                      <a:r>
+                        <a:rPr lang="en-US" altLang="zh-CN" sz="1400" dirty="0" err="1" smtClean="0"/>
+                        <a:t>top,right,bottom,left</a:t>
+                      </a:r>
+                      <a:r>
+                        <a:rPr lang="en-US" altLang="zh-CN" sz="1400" dirty="0" smtClean="0"/>
+                        <a:t>)</a:t>
+                      </a:r>
+                      <a:endParaRPr lang="zh-CN" altLang="en-US" sz="1400" dirty="0"/>
+                    </a:p>
+                  </a:txBody>
+                  <a:tcPr/>
+                </a:tc>
+                <a:tc>
+                  <a:txBody>
+                    <a:bodyPr/>
+                    <a:lstStyle/>
+                    <a:p>
+                      <a:r>
+                        <a:rPr lang="en-US" altLang="zh-CN" sz="1400" dirty="0" smtClean="0"/>
+                        <a:t>background</a:t>
+                      </a:r>
+                      <a:endParaRPr lang="zh-CN" altLang="en-US" sz="1400" dirty="0"/>
+                    </a:p>
+                  </a:txBody>
+                  <a:tcPr/>
+                </a:tc>
+                <a:tc rowSpan="9">
+                  <a:txBody>
+                    <a:bodyPr/>
+                    <a:lstStyle/>
+                    <a:p>
+                      <a:r>
+                        <a:rPr lang="zh-CN" altLang="en-US" sz="1400" dirty="0" smtClean="0">
+                          <a:solidFill>
+                            <a:schemeClr val="bg1"/>
+                          </a:solidFill>
+                        </a:rPr>
+                        <a:t>边框中</a:t>
+                      </a:r>
+                      <a:r>
+                        <a:rPr lang="en-US" altLang="zh-CN" sz="1400" dirty="0" smtClean="0">
+                          <a:solidFill>
+                            <a:schemeClr val="bg1"/>
+                          </a:solidFill>
+                        </a:rPr>
+                        <a:t>,</a:t>
+                      </a:r>
+                      <a:r>
+                        <a:rPr lang="en-US" altLang="zh-CN" sz="1400" dirty="0" err="1" smtClean="0">
+                          <a:solidFill>
+                            <a:schemeClr val="bg1"/>
+                          </a:solidFill>
+                        </a:rPr>
+                        <a:t>width,style,color</a:t>
+                      </a:r>
+                      <a:r>
+                        <a:rPr lang="zh-CN" altLang="en-US" sz="1400" dirty="0" smtClean="0">
+                          <a:solidFill>
+                            <a:schemeClr val="bg1"/>
+                          </a:solidFill>
+                        </a:rPr>
+                        <a:t>都有四个方向</a:t>
+                      </a:r>
+                      <a:endParaRPr lang="en-US" altLang="zh-CN" sz="1400" dirty="0" smtClean="0">
+                        <a:solidFill>
+                          <a:schemeClr val="bg1"/>
+                        </a:solidFill>
+                      </a:endParaRPr>
+                    </a:p>
+                    <a:p>
+                      <a:r>
+                        <a:rPr lang="en-US" altLang="zh-CN" sz="1400" dirty="0" smtClean="0">
+                          <a:solidFill>
+                            <a:schemeClr val="bg1"/>
+                          </a:solidFill>
+                        </a:rPr>
+                        <a:t>Radius</a:t>
+                      </a:r>
+                      <a:r>
+                        <a:rPr lang="zh-CN" altLang="en-US" sz="1400" dirty="0" smtClean="0">
+                          <a:solidFill>
+                            <a:schemeClr val="bg1"/>
+                          </a:solidFill>
+                        </a:rPr>
+                        <a:t>也有四个方向</a:t>
+                      </a:r>
+                      <a:r>
+                        <a:rPr lang="en-US" altLang="zh-CN" sz="1400" dirty="0" smtClean="0">
+                          <a:solidFill>
+                            <a:schemeClr val="bg1"/>
+                          </a:solidFill>
+                        </a:rPr>
+                        <a:t>,image</a:t>
+                      </a:r>
+                      <a:r>
+                        <a:rPr lang="zh-CN" altLang="en-US" sz="1400" dirty="0" smtClean="0">
+                          <a:solidFill>
+                            <a:schemeClr val="bg1"/>
+                          </a:solidFill>
+                        </a:rPr>
+                        <a:t>也有几种模式</a:t>
+                      </a:r>
+                      <a:r>
+                        <a:rPr lang="en-US" altLang="zh-CN" sz="1400" dirty="0" err="1" smtClean="0">
+                          <a:solidFill>
+                            <a:schemeClr val="bg1"/>
+                          </a:solidFill>
+                        </a:rPr>
+                        <a:t>source,slice,width,outset,repeat</a:t>
+                      </a:r>
+                      <a:r>
+                        <a:rPr lang="en-US" altLang="zh-CN" sz="1400" dirty="0" smtClean="0">
+                          <a:solidFill>
+                            <a:schemeClr val="bg1"/>
+                          </a:solidFill>
+                        </a:rPr>
+                        <a:t>,</a:t>
+                      </a:r>
+                      <a:r>
+                        <a:rPr lang="zh-CN" altLang="en-US" sz="1400" dirty="0" smtClean="0">
+                          <a:solidFill>
+                            <a:schemeClr val="bg1"/>
+                          </a:solidFill>
+                        </a:rPr>
+                        <a:t>记得他们都有前缀</a:t>
+                      </a:r>
+                      <a:endParaRPr lang="zh-CN" altLang="en-US" sz="1400" dirty="0">
+                        <a:solidFill>
+                          <a:schemeClr val="bg1"/>
+                        </a:solidFill>
+                      </a:endParaRPr>
+                    </a:p>
+                  </a:txBody>
+                  <a:tcPr>
+                    <a:solidFill>
+                      <a:schemeClr val="tx1"/>
+                    </a:solidFill>
+                  </a:tcPr>
+                </a:tc>
+              </a:tr>
+              <a:tr h="370840">
+                <a:tc>
+                  <a:txBody>
+                    <a:bodyPr/>
+                    <a:lstStyle/>
+                    <a:p>
+                      <a:r>
+                        <a:rPr lang="en-US" altLang="zh-CN" sz="1400" dirty="0" smtClean="0"/>
+                        <a:t>Height</a:t>
+                      </a:r>
+                      <a:endParaRPr lang="zh-CN" altLang="en-US" sz="1400" dirty="0"/>
+                    </a:p>
+                  </a:txBody>
+                  <a:tcPr/>
+                </a:tc>
+                <a:tc>
+                  <a:txBody>
+                    <a:bodyPr/>
+                    <a:lstStyle/>
+                    <a:p>
+                      <a:r>
+                        <a:rPr lang="en-US" altLang="zh-CN" sz="1400" dirty="0" smtClean="0"/>
+                        <a:t>Margin-top</a:t>
+                      </a:r>
+                      <a:endParaRPr lang="zh-CN" altLang="en-US" sz="1400" dirty="0"/>
+                    </a:p>
+                  </a:txBody>
+                  <a:tcPr/>
+                </a:tc>
+                <a:tc>
+                  <a:txBody>
+                    <a:bodyPr/>
+                    <a:lstStyle/>
+                    <a:p>
+                      <a:r>
+                        <a:rPr lang="en-US" altLang="zh-CN" sz="1400" dirty="0" smtClean="0"/>
+                        <a:t>Padding-top</a:t>
+                      </a:r>
+                      <a:endParaRPr lang="zh-CN" altLang="en-US" sz="1400" dirty="0"/>
+                    </a:p>
+                  </a:txBody>
+                  <a:tcPr/>
+                </a:tc>
+                <a:tc>
+                  <a:txBody>
+                    <a:bodyPr/>
+                    <a:lstStyle/>
+                    <a:p>
+                      <a:r>
+                        <a:rPr lang="en-US" altLang="zh-CN" sz="1400" dirty="0" smtClean="0"/>
+                        <a:t>Border-radius</a:t>
+                      </a:r>
+                    </a:p>
+                    <a:p>
+                      <a:r>
+                        <a:rPr lang="en-US" altLang="zh-CN" sz="1400" dirty="0" smtClean="0"/>
+                        <a:t>(</a:t>
+                      </a:r>
+                      <a:r>
+                        <a:rPr lang="en-US" altLang="zh-CN" sz="1400" dirty="0" err="1" smtClean="0"/>
+                        <a:t>top,right,bottom,left</a:t>
+                      </a:r>
+                      <a:r>
+                        <a:rPr lang="en-US" altLang="zh-CN" sz="1400" dirty="0" smtClean="0"/>
+                        <a:t>)</a:t>
+                      </a:r>
+                      <a:endParaRPr lang="zh-CN" altLang="en-US" sz="1400" dirty="0"/>
+                    </a:p>
+                  </a:txBody>
+                  <a:tcPr/>
+                </a:tc>
+                <a:tc>
+                  <a:txBody>
+                    <a:bodyPr/>
+                    <a:lstStyle/>
+                    <a:p>
+                      <a:r>
+                        <a:rPr lang="en-US" altLang="zh-CN" sz="1400" dirty="0" smtClean="0"/>
+                        <a:t>Background-color</a:t>
+                      </a:r>
+                      <a:endParaRPr lang="zh-CN" altLang="en-US" sz="1400" dirty="0"/>
+                    </a:p>
+                  </a:txBody>
+                  <a:tcPr/>
+                </a:tc>
+                <a:tc vMerge="1">
+                  <a:txBody>
+                    <a:bodyPr/>
+                    <a:lstStyle/>
+                    <a:p>
+                      <a:endParaRPr lang="zh-CN" altLang="en-US" sz="1400"/>
+                    </a:p>
+                  </a:txBody>
+                  <a:tcPr/>
+                </a:tc>
+              </a:tr>
+              <a:tr h="370840">
+                <a:tc>
+                  <a:txBody>
+                    <a:bodyPr/>
+                    <a:lstStyle/>
+                    <a:p>
+                      <a:r>
+                        <a:rPr lang="en-US" altLang="zh-CN" sz="1400" dirty="0" smtClean="0"/>
+                        <a:t>Max-width</a:t>
+                      </a:r>
+                      <a:endParaRPr lang="zh-CN" altLang="en-US" sz="1400" dirty="0"/>
+                    </a:p>
+                  </a:txBody>
+                  <a:tcPr/>
+                </a:tc>
+                <a:tc>
+                  <a:txBody>
+                    <a:bodyPr/>
+                    <a:lstStyle/>
+                    <a:p>
+                      <a:r>
+                        <a:rPr lang="en-US" altLang="zh-CN" sz="1400" dirty="0" smtClean="0"/>
+                        <a:t>Margin-right</a:t>
+                      </a:r>
+                      <a:endParaRPr lang="zh-CN" altLang="en-US" sz="1400" dirty="0"/>
+                    </a:p>
+                  </a:txBody>
+                  <a:tcPr/>
+                </a:tc>
+                <a:tc>
+                  <a:txBody>
+                    <a:bodyPr/>
+                    <a:lstStyle/>
+                    <a:p>
+                      <a:r>
+                        <a:rPr lang="en-US" altLang="zh-CN" sz="1400" dirty="0" smtClean="0"/>
+                        <a:t>Padding-right</a:t>
+                      </a:r>
+                      <a:endParaRPr lang="zh-CN" altLang="en-US" sz="1400" dirty="0"/>
+                    </a:p>
+                  </a:txBody>
+                  <a:tcPr/>
+                </a:tc>
+                <a:tc>
+                  <a:txBody>
+                    <a:bodyPr/>
+                    <a:lstStyle/>
+                    <a:p>
+                      <a:r>
+                        <a:rPr lang="en-US" altLang="zh-CN" sz="1400" dirty="0" smtClean="0"/>
+                        <a:t>border-image</a:t>
+                      </a:r>
+                    </a:p>
+                    <a:p>
+                      <a:r>
+                        <a:rPr lang="en-US" altLang="zh-CN" sz="1400" dirty="0" smtClean="0"/>
+                        <a:t>(</a:t>
+                      </a:r>
+                      <a:r>
+                        <a:rPr lang="en-US" altLang="zh-CN" sz="1400" dirty="0" err="1" smtClean="0"/>
+                        <a:t>source,slice,width,outset,repeat</a:t>
+                      </a:r>
+                      <a:r>
+                        <a:rPr lang="en-US" altLang="zh-CN" sz="1400" dirty="0" smtClean="0"/>
+                        <a:t>)</a:t>
+                      </a:r>
+                      <a:endParaRPr lang="zh-CN" altLang="en-US" sz="1400" dirty="0"/>
+                    </a:p>
+                  </a:txBody>
+                  <a:tcPr/>
+                </a:tc>
+                <a:tc>
+                  <a:txBody>
+                    <a:bodyPr/>
+                    <a:lstStyle/>
+                    <a:p>
+                      <a:r>
+                        <a:rPr lang="en-US" altLang="zh-CN" sz="1400" dirty="0" smtClean="0"/>
+                        <a:t>Background-image</a:t>
+                      </a:r>
+                      <a:endParaRPr lang="zh-CN" altLang="en-US" sz="1400" dirty="0"/>
+                    </a:p>
+                  </a:txBody>
+                  <a:tcPr/>
+                </a:tc>
+                <a:tc vMerge="1">
+                  <a:txBody>
+                    <a:bodyPr/>
+                    <a:lstStyle/>
+                    <a:p>
+                      <a:endParaRPr lang="zh-CN" altLang="en-US" sz="1400"/>
+                    </a:p>
+                  </a:txBody>
+                  <a:tcPr/>
+                </a:tc>
+              </a:tr>
+              <a:tr h="370840">
+                <a:tc>
+                  <a:txBody>
+                    <a:bodyPr/>
+                    <a:lstStyle/>
+                    <a:p>
+                      <a:r>
+                        <a:rPr lang="en-US" altLang="zh-CN" sz="1400" dirty="0" smtClean="0"/>
+                        <a:t>Min-width</a:t>
+                      </a:r>
+                      <a:endParaRPr lang="zh-CN" altLang="en-US" sz="1400" dirty="0"/>
+                    </a:p>
+                  </a:txBody>
+                  <a:tcPr/>
+                </a:tc>
+                <a:tc>
+                  <a:txBody>
+                    <a:bodyPr/>
+                    <a:lstStyle/>
+                    <a:p>
+                      <a:r>
+                        <a:rPr lang="en-US" altLang="zh-CN" sz="1400" dirty="0" smtClean="0"/>
+                        <a:t>Margin-bottom</a:t>
+                      </a:r>
+                      <a:endParaRPr lang="zh-CN" altLang="en-US" sz="1400" dirty="0"/>
+                    </a:p>
+                  </a:txBody>
+                  <a:tcPr/>
+                </a:tc>
+                <a:tc>
+                  <a:txBody>
+                    <a:bodyPr/>
+                    <a:lstStyle/>
+                    <a:p>
+                      <a:r>
+                        <a:rPr lang="en-US" altLang="zh-CN" sz="1400" dirty="0" smtClean="0"/>
+                        <a:t>Padding-bottom</a:t>
+                      </a:r>
+                      <a:endParaRPr lang="zh-CN" altLang="en-US" sz="1400" dirty="0"/>
+                    </a:p>
+                  </a:txBody>
+                  <a:tcPr/>
+                </a:tc>
+                <a:tc>
+                  <a:txBody>
+                    <a:bodyPr/>
+                    <a:lstStyle/>
+                    <a:p>
+                      <a:r>
+                        <a:rPr lang="en-US" altLang="zh-CN" sz="1400" dirty="0" smtClean="0"/>
+                        <a:t>Box-shadow</a:t>
+                      </a:r>
+                      <a:endParaRPr lang="zh-CN" altLang="en-US" sz="1400" dirty="0"/>
+                    </a:p>
+                  </a:txBody>
+                  <a:tcPr/>
+                </a:tc>
+                <a:tc>
+                  <a:txBody>
+                    <a:bodyPr/>
+                    <a:lstStyle/>
+                    <a:p>
+                      <a:r>
+                        <a:rPr lang="en-US" altLang="zh-CN" sz="1400" dirty="0" smtClean="0"/>
+                        <a:t>Background-repeat</a:t>
+                      </a:r>
+                      <a:endParaRPr lang="zh-CN" altLang="en-US" sz="1400" dirty="0"/>
+                    </a:p>
+                  </a:txBody>
+                  <a:tcPr/>
+                </a:tc>
+                <a:tc vMerge="1">
+                  <a:txBody>
+                    <a:bodyPr/>
+                    <a:lstStyle/>
+                    <a:p>
+                      <a:endParaRPr lang="zh-CN" altLang="en-US" sz="1400"/>
+                    </a:p>
+                  </a:txBody>
+                  <a:tcPr/>
+                </a:tc>
+              </a:tr>
+              <a:tr h="370840">
+                <a:tc>
+                  <a:txBody>
+                    <a:bodyPr/>
+                    <a:lstStyle/>
+                    <a:p>
+                      <a:r>
+                        <a:rPr lang="en-US" altLang="zh-CN" sz="1400" dirty="0" smtClean="0"/>
+                        <a:t>Max-height</a:t>
+                      </a:r>
+                      <a:endParaRPr lang="zh-CN" altLang="en-US" sz="1400" dirty="0"/>
+                    </a:p>
+                  </a:txBody>
+                  <a:tcPr/>
+                </a:tc>
+                <a:tc>
+                  <a:txBody>
+                    <a:bodyPr/>
+                    <a:lstStyle/>
+                    <a:p>
+                      <a:r>
+                        <a:rPr lang="en-US" altLang="zh-CN" sz="1400" dirty="0" smtClean="0"/>
+                        <a:t>Margin-left</a:t>
+                      </a:r>
+                      <a:endParaRPr lang="zh-CN" altLang="en-US" sz="1400" dirty="0"/>
+                    </a:p>
+                  </a:txBody>
+                  <a:tcPr/>
+                </a:tc>
+                <a:tc>
+                  <a:txBody>
+                    <a:bodyPr/>
+                    <a:lstStyle/>
+                    <a:p>
+                      <a:r>
+                        <a:rPr lang="en-US" altLang="zh-CN" sz="1400" dirty="0" smtClean="0"/>
+                        <a:t>Padding-left</a:t>
+                      </a:r>
+                      <a:endParaRPr lang="zh-CN" altLang="en-US" sz="1400" dirty="0"/>
+                    </a:p>
+                  </a:txBody>
+                  <a:tcPr/>
+                </a:tc>
+                <a:tc>
+                  <a:txBody>
+                    <a:bodyPr/>
+                    <a:lstStyle/>
+                    <a:p>
+                      <a:r>
+                        <a:rPr lang="en-US" altLang="zh-CN" sz="1400" dirty="0" smtClean="0"/>
+                        <a:t>outline</a:t>
+                      </a:r>
+                      <a:endParaRPr lang="zh-CN" altLang="en-US" sz="1400" dirty="0"/>
+                    </a:p>
+                  </a:txBody>
+                  <a:tcPr/>
+                </a:tc>
+                <a:tc>
+                  <a:txBody>
+                    <a:bodyPr/>
+                    <a:lstStyle/>
+                    <a:p>
+                      <a:r>
+                        <a:rPr lang="en-US" altLang="zh-CN" sz="1400" dirty="0" smtClean="0"/>
+                        <a:t>Background-position</a:t>
+                      </a:r>
+                      <a:endParaRPr lang="zh-CN" altLang="en-US" sz="1400" dirty="0"/>
+                    </a:p>
+                  </a:txBody>
+                  <a:tcPr/>
+                </a:tc>
+                <a:tc vMerge="1">
+                  <a:txBody>
+                    <a:bodyPr/>
+                    <a:lstStyle/>
+                    <a:p>
+                      <a:endParaRPr lang="zh-CN" altLang="en-US" sz="1400"/>
+                    </a:p>
+                  </a:txBody>
+                  <a:tcPr/>
+                </a:tc>
+              </a:tr>
+              <a:tr h="370840">
+                <a:tc>
+                  <a:txBody>
+                    <a:bodyPr/>
+                    <a:lstStyle/>
+                    <a:p>
+                      <a:r>
+                        <a:rPr lang="en-US" altLang="zh-CN" sz="1400" dirty="0" smtClean="0"/>
+                        <a:t>Min-height</a:t>
+                      </a:r>
+                      <a:endParaRPr lang="zh-CN" altLang="en-US" sz="1400" dirty="0"/>
+                    </a:p>
+                  </a:txBody>
+                  <a:tcPr/>
+                </a:tc>
+                <a:tc>
+                  <a:txBody>
+                    <a:bodyPr/>
+                    <a:lstStyle/>
+                    <a:p>
+                      <a:endParaRPr lang="zh-CN" altLang="en-US" sz="1400"/>
+                    </a:p>
+                  </a:txBody>
+                  <a:tcPr/>
+                </a:tc>
+                <a:tc>
+                  <a:txBody>
+                    <a:bodyPr/>
+                    <a:lstStyle/>
+                    <a:p>
+                      <a:endParaRPr lang="zh-CN" altLang="en-US" sz="1400"/>
+                    </a:p>
+                  </a:txBody>
+                  <a:tcPr/>
+                </a:tc>
+                <a:tc>
+                  <a:txBody>
+                    <a:bodyPr/>
+                    <a:lstStyle/>
+                    <a:p>
+                      <a:r>
+                        <a:rPr lang="en-US" altLang="zh-CN" sz="1400" dirty="0" smtClean="0"/>
+                        <a:t>Outline-width</a:t>
+                      </a:r>
+                      <a:endParaRPr lang="zh-CN" altLang="en-US" sz="1400" dirty="0"/>
+                    </a:p>
+                  </a:txBody>
+                  <a:tcPr/>
+                </a:tc>
+                <a:tc>
+                  <a:txBody>
+                    <a:bodyPr/>
+                    <a:lstStyle/>
+                    <a:p>
+                      <a:r>
+                        <a:rPr lang="en-US" altLang="zh-CN" sz="1400" dirty="0" smtClean="0"/>
+                        <a:t>Background-size</a:t>
+                      </a:r>
+                      <a:endParaRPr lang="zh-CN" altLang="en-US" sz="1400" dirty="0"/>
+                    </a:p>
+                  </a:txBody>
+                  <a:tcPr/>
+                </a:tc>
+                <a:tc vMerge="1">
+                  <a:txBody>
+                    <a:bodyPr/>
+                    <a:lstStyle/>
+                    <a:p>
+                      <a:endParaRPr lang="zh-CN" altLang="en-US" sz="1400"/>
+                    </a:p>
+                  </a:txBody>
+                  <a:tcPr/>
+                </a:tc>
+              </a:tr>
+              <a:tr h="370840">
+                <a:tc>
+                  <a:txBody>
+                    <a:bodyPr/>
+                    <a:lstStyle/>
+                    <a:p>
+                      <a:r>
+                        <a:rPr lang="en-US" altLang="zh-CN" sz="1400" dirty="0" smtClean="0"/>
+                        <a:t>resize</a:t>
+                      </a:r>
+                      <a:endParaRPr lang="zh-CN" altLang="en-US" sz="1400" dirty="0"/>
+                    </a:p>
+                  </a:txBody>
+                  <a:tcPr/>
+                </a:tc>
+                <a:tc>
+                  <a:txBody>
+                    <a:bodyPr/>
+                    <a:lstStyle/>
+                    <a:p>
+                      <a:endParaRPr lang="zh-CN" altLang="en-US" sz="1400"/>
+                    </a:p>
+                  </a:txBody>
+                  <a:tcPr/>
+                </a:tc>
+                <a:tc>
+                  <a:txBody>
+                    <a:bodyPr/>
+                    <a:lstStyle/>
+                    <a:p>
+                      <a:endParaRPr lang="zh-CN" altLang="en-US" sz="1400"/>
+                    </a:p>
+                  </a:txBody>
+                  <a:tcPr/>
+                </a:tc>
+                <a:tc>
+                  <a:txBody>
+                    <a:bodyPr/>
+                    <a:lstStyle/>
+                    <a:p>
+                      <a:r>
+                        <a:rPr lang="en-US" altLang="zh-CN" sz="1400" dirty="0" smtClean="0"/>
+                        <a:t>Outline-color</a:t>
+                      </a:r>
+                      <a:endParaRPr lang="zh-CN" altLang="en-US" sz="1400" dirty="0"/>
+                    </a:p>
+                  </a:txBody>
+                  <a:tcPr/>
+                </a:tc>
+                <a:tc>
+                  <a:txBody>
+                    <a:bodyPr/>
+                    <a:lstStyle/>
+                    <a:p>
+                      <a:r>
+                        <a:rPr lang="en-US" altLang="zh-CN" sz="1400" dirty="0" smtClean="0"/>
+                        <a:t>Background-clip</a:t>
+                      </a:r>
+                      <a:endParaRPr lang="zh-CN" altLang="en-US" sz="1400" dirty="0"/>
+                    </a:p>
+                  </a:txBody>
+                  <a:tcPr/>
+                </a:tc>
+                <a:tc vMerge="1">
                   <a:txBody>
                     <a:bodyPr/>
                     <a:lstStyle/>
@@ -3284,124 +3203,142 @@
                   </a:txBody>
                   <a:tcPr/>
                 </a:tc>
-                <a:tc>
-                  <a:txBody>
-                    <a:bodyPr/>
-                    <a:lstStyle/>
-                    <a:p>
-                      <a:r>
-                        <a:rPr lang="en-US" altLang="zh-CN" dirty="0" smtClean="0"/>
-                        <a:t>Animation-iteration-count</a:t>
-                      </a:r>
-                      <a:endParaRPr lang="zh-CN" altLang="en-US" dirty="0"/>
-                    </a:p>
-                  </a:txBody>
-                  <a:tcPr/>
-                </a:tc>
-              </a:tr>
-              <a:tr h="499115">
-                <a:tc>
-                  <a:txBody>
-                    <a:bodyPr/>
-                    <a:lstStyle/>
-                    <a:p>
-                      <a:endParaRPr lang="zh-CN" altLang="en-US"/>
-                    </a:p>
-                  </a:txBody>
-                  <a:tcPr/>
-                </a:tc>
-                <a:tc>
-                  <a:txBody>
-                    <a:bodyPr/>
-                    <a:lstStyle/>
-                    <a:p>
-                      <a:endParaRPr lang="zh-CN" altLang="en-US" dirty="0"/>
-                    </a:p>
-                  </a:txBody>
-                  <a:tcPr/>
-                </a:tc>
-                <a:tc>
-                  <a:txBody>
-                    <a:bodyPr/>
-                    <a:lstStyle/>
-                    <a:p>
-                      <a:r>
-                        <a:rPr lang="en-US" altLang="zh-CN" dirty="0" smtClean="0"/>
-                        <a:t>Animation-direction</a:t>
-                      </a:r>
-                      <a:endParaRPr lang="zh-CN" altLang="en-US" dirty="0"/>
-                    </a:p>
-                  </a:txBody>
-                  <a:tcPr/>
-                </a:tc>
-              </a:tr>
-              <a:tr h="499115">
-                <a:tc>
-                  <a:txBody>
-                    <a:bodyPr/>
-                    <a:lstStyle/>
-                    <a:p>
-                      <a:endParaRPr lang="zh-CN" altLang="en-US"/>
-                    </a:p>
-                  </a:txBody>
-                  <a:tcPr/>
-                </a:tc>
-                <a:tc>
-                  <a:txBody>
-                    <a:bodyPr/>
-                    <a:lstStyle/>
-                    <a:p>
-                      <a:endParaRPr lang="zh-CN" altLang="en-US" dirty="0"/>
-                    </a:p>
-                  </a:txBody>
-                  <a:tcPr/>
-                </a:tc>
-                <a:tc>
-                  <a:txBody>
-                    <a:bodyPr/>
-                    <a:lstStyle/>
-                    <a:p>
-                      <a:r>
-                        <a:rPr lang="en-US" altLang="zh-CN" dirty="0" smtClean="0"/>
-                        <a:t>Animation-play-state</a:t>
-                      </a:r>
-                      <a:endParaRPr lang="zh-CN" altLang="en-US" dirty="0"/>
-                    </a:p>
-                  </a:txBody>
-                  <a:tcPr/>
-                </a:tc>
-              </a:tr>
-              <a:tr h="499115">
-                <a:tc>
-                  <a:txBody>
-                    <a:bodyPr/>
-                    <a:lstStyle/>
-                    <a:p>
-                      <a:endParaRPr lang="zh-CN" altLang="en-US"/>
-                    </a:p>
-                  </a:txBody>
-                  <a:tcPr/>
-                </a:tc>
-                <a:tc>
-                  <a:txBody>
-                    <a:bodyPr/>
-                    <a:lstStyle/>
-                    <a:p>
-                      <a:endParaRPr lang="zh-CN" altLang="en-US" dirty="0"/>
-                    </a:p>
-                  </a:txBody>
-                  <a:tcPr/>
-                </a:tc>
-                <a:tc>
-                  <a:txBody>
-                    <a:bodyPr/>
-                    <a:lstStyle/>
-                    <a:p>
-                      <a:r>
-                        <a:rPr lang="en-US" altLang="zh-CN" dirty="0" smtClean="0"/>
-                        <a:t>Animation-fill-mode</a:t>
-                      </a:r>
-                      <a:endParaRPr lang="zh-CN" altLang="en-US" dirty="0"/>
+              </a:tr>
+              <a:tr h="370840">
+                <a:tc>
+                  <a:txBody>
+                    <a:bodyPr/>
+                    <a:lstStyle/>
+                    <a:p>
+                      <a:endParaRPr lang="zh-CN" altLang="en-US" sz="1400"/>
+                    </a:p>
+                  </a:txBody>
+                  <a:tcPr/>
+                </a:tc>
+                <a:tc>
+                  <a:txBody>
+                    <a:bodyPr/>
+                    <a:lstStyle/>
+                    <a:p>
+                      <a:endParaRPr lang="zh-CN" altLang="en-US" sz="1400"/>
+                    </a:p>
+                  </a:txBody>
+                  <a:tcPr/>
+                </a:tc>
+                <a:tc>
+                  <a:txBody>
+                    <a:bodyPr/>
+                    <a:lstStyle/>
+                    <a:p>
+                      <a:endParaRPr lang="zh-CN" altLang="en-US" sz="1400"/>
+                    </a:p>
+                  </a:txBody>
+                  <a:tcPr/>
+                </a:tc>
+                <a:tc>
+                  <a:txBody>
+                    <a:bodyPr/>
+                    <a:lstStyle/>
+                    <a:p>
+                      <a:r>
+                        <a:rPr lang="en-US" altLang="zh-CN" sz="1400" dirty="0" smtClean="0"/>
+                        <a:t>Outline-style</a:t>
+                      </a:r>
+                      <a:endParaRPr lang="zh-CN" altLang="en-US" sz="1400" dirty="0"/>
+                    </a:p>
+                  </a:txBody>
+                  <a:tcPr/>
+                </a:tc>
+                <a:tc>
+                  <a:txBody>
+                    <a:bodyPr/>
+                    <a:lstStyle/>
+                    <a:p>
+                      <a:r>
+                        <a:rPr lang="en-US" altLang="zh-CN" sz="1400" dirty="0" smtClean="0"/>
+                        <a:t>Background-origin</a:t>
+                      </a:r>
+                      <a:endParaRPr lang="zh-CN" altLang="en-US" sz="1400" dirty="0"/>
+                    </a:p>
+                  </a:txBody>
+                  <a:tcPr/>
+                </a:tc>
+                <a:tc vMerge="1">
+                  <a:txBody>
+                    <a:bodyPr/>
+                    <a:lstStyle/>
+                    <a:p>
+                      <a:endParaRPr lang="zh-CN" altLang="en-US" sz="1400"/>
+                    </a:p>
+                  </a:txBody>
+                  <a:tcPr/>
+                </a:tc>
+              </a:tr>
+              <a:tr h="370840">
+                <a:tc>
+                  <a:txBody>
+                    <a:bodyPr/>
+                    <a:lstStyle/>
+                    <a:p>
+                      <a:endParaRPr lang="zh-CN" altLang="en-US" sz="1400"/>
+                    </a:p>
+                  </a:txBody>
+                  <a:tcPr/>
+                </a:tc>
+                <a:tc>
+                  <a:txBody>
+                    <a:bodyPr/>
+                    <a:lstStyle/>
+                    <a:p>
+                      <a:endParaRPr lang="zh-CN" altLang="en-US" sz="1400"/>
+                    </a:p>
+                  </a:txBody>
+                  <a:tcPr/>
+                </a:tc>
+                <a:tc>
+                  <a:txBody>
+                    <a:bodyPr/>
+                    <a:lstStyle/>
+                    <a:p>
+                      <a:endParaRPr lang="zh-CN" altLang="en-US" sz="1400"/>
+                    </a:p>
+                  </a:txBody>
+                  <a:tcPr/>
+                </a:tc>
+                <a:tc>
+                  <a:txBody>
+                    <a:bodyPr/>
+                    <a:lstStyle/>
+                    <a:p>
+                      <a:r>
+                        <a:rPr lang="en-US" altLang="zh-CN" sz="1400" dirty="0" smtClean="0"/>
+                        <a:t>Outline-offset</a:t>
+                      </a:r>
+                      <a:endParaRPr lang="zh-CN" altLang="en-US" sz="1400" dirty="0"/>
+                    </a:p>
+                  </a:txBody>
+                  <a:tcPr/>
+                </a:tc>
+                <a:tc>
+                  <a:txBody>
+                    <a:bodyPr/>
+                    <a:lstStyle/>
+                    <a:p>
+                      <a:r>
+                        <a:rPr lang="en-US" altLang="zh-CN" sz="1400" dirty="0" smtClean="0"/>
+                        <a:t>Background-attachment</a:t>
+                      </a:r>
+                      <a:endParaRPr lang="zh-CN" altLang="en-US" sz="1400" dirty="0"/>
+                    </a:p>
+                  </a:txBody>
+                  <a:tcPr/>
+                </a:tc>
+                <a:tc vMerge="1">
+                  <a:txBody>
+                    <a:bodyPr/>
+                    <a:lstStyle/>
+                    <a:p>
+                      <a:endParaRPr lang="zh-CN" altLang="en-US" sz="1400" dirty="0"/>
                     </a:p>
                   </a:txBody>
                   <a:tcPr/>
@@ -3414,7 +3351,7 @@
     </p:spTree>
     <p:extLst>
       <p:ext uri="{BB962C8B-B14F-4D97-AF65-F5344CB8AC3E}">
-        <p14:creationId xmlns:p14="http://schemas.microsoft.com/office/powerpoint/2010/main" val="353744298"/>
+        <p14:creationId xmlns:p14="http://schemas.microsoft.com/office/powerpoint/2010/main" val="124292144"/>
       </p:ext>
     </p:extLst>
   </p:cSld>
@@ -3465,7 +3402,7 @@
           <a:p>
             <a:r>
               <a:rPr lang="zh-CN" altLang="en-US" dirty="0" smtClean="0"/>
-              <a:t>列表样式</a:t>
+              <a:t>文本样式</a:t>
             </a:r>
             <a:endParaRPr lang="zh-CN" altLang="en-US" dirty="0"/>
           </a:p>
@@ -3480,14 +3417,14 @@
           <p:nvPr>
             <p:extLst>
               <p:ext uri="{D42A27DB-BD31-4B8C-83A1-F6EECF244321}">
-                <p14:modId xmlns:p14="http://schemas.microsoft.com/office/powerpoint/2010/main" val="2052559158"/>
+                <p14:modId xmlns:p14="http://schemas.microsoft.com/office/powerpoint/2010/main" val="4837519"/>
               </p:ext>
             </p:extLst>
           </p:nvPr>
         </p:nvGraphicFramePr>
         <p:xfrm>
-          <a:off x="4183448" y="1417089"/>
-          <a:ext cx="3643196" cy="5118480"/>
+          <a:off x="556843" y="1601568"/>
+          <a:ext cx="3860174" cy="4892227"/>
         </p:xfrm>
         <a:graphic>
           <a:graphicData uri="http://schemas.openxmlformats.org/drawingml/2006/table">
@@ -3496,143 +3433,399 @@
                 <a:tableStyleId>{5C22544A-7EE6-4342-B048-85BDC9FD1C3A}</a:tableStyleId>
               </a:tblPr>
               <a:tblGrid>
-                <a:gridCol w="3643196"/>
+                <a:gridCol w="1930087"/>
+                <a:gridCol w="1930087"/>
               </a:tblGrid>
-              <a:tr h="568720">
-                <a:tc>
-                  <a:txBody>
-                    <a:bodyPr/>
-                    <a:lstStyle/>
-                    <a:p>
-                      <a:r>
-                        <a:rPr lang="zh-CN" altLang="en-US" dirty="0" smtClean="0"/>
-                        <a:t>列表</a:t>
-                      </a:r>
-                      <a:endParaRPr lang="zh-CN" altLang="en-US" dirty="0"/>
-                    </a:p>
-                  </a:txBody>
-                  <a:tcPr/>
-                </a:tc>
-              </a:tr>
-              <a:tr h="568720">
-                <a:tc>
-                  <a:txBody>
-                    <a:bodyPr/>
-                    <a:lstStyle/>
-                    <a:p>
-                      <a:r>
-                        <a:rPr lang="en-US" altLang="zh-CN" dirty="0" smtClean="0"/>
-                        <a:t>List-style</a:t>
-                      </a:r>
-                      <a:endParaRPr lang="zh-CN" altLang="en-US" dirty="0"/>
-                    </a:p>
-                  </a:txBody>
-                  <a:tcPr/>
-                </a:tc>
-              </a:tr>
-              <a:tr h="568720">
-                <a:tc>
-                  <a:txBody>
-                    <a:bodyPr/>
-                    <a:lstStyle/>
-                    <a:p>
-                      <a:r>
-                        <a:rPr lang="en-US" altLang="zh-CN" dirty="0" smtClean="0"/>
-                        <a:t>List-style-image</a:t>
-                      </a:r>
-                      <a:endParaRPr lang="zh-CN" altLang="en-US" dirty="0"/>
-                    </a:p>
-                  </a:txBody>
-                  <a:tcPr/>
-                </a:tc>
-              </a:tr>
-              <a:tr h="568720">
-                <a:tc>
-                  <a:txBody>
-                    <a:bodyPr/>
-                    <a:lstStyle/>
-                    <a:p>
-                      <a:r>
-                        <a:rPr lang="en-US" altLang="zh-CN" dirty="0" smtClean="0"/>
-                        <a:t>List-style-position</a:t>
-                      </a:r>
-                      <a:endParaRPr lang="zh-CN" altLang="en-US" dirty="0"/>
-                    </a:p>
-                  </a:txBody>
-                  <a:tcPr/>
-                </a:tc>
-              </a:tr>
-              <a:tr h="568720">
-                <a:tc>
-                  <a:txBody>
-                    <a:bodyPr/>
-                    <a:lstStyle/>
-                    <a:p>
-                      <a:r>
-                        <a:rPr lang="en-US" altLang="zh-CN" dirty="0" smtClean="0"/>
-                        <a:t>List-style-type</a:t>
-                      </a:r>
-                      <a:endParaRPr lang="zh-CN" altLang="en-US" dirty="0"/>
-                    </a:p>
-                  </a:txBody>
-                  <a:tcPr/>
-                </a:tc>
-              </a:tr>
-              <a:tr h="568720">
-                <a:tc>
-                  <a:txBody>
-                    <a:bodyPr/>
-                    <a:lstStyle/>
-                    <a:p>
-                      <a:r>
-                        <a:rPr lang="en-US" altLang="zh-CN" dirty="0" smtClean="0"/>
-                        <a:t>counter</a:t>
-                      </a:r>
-                      <a:endParaRPr lang="zh-CN" altLang="en-US" dirty="0"/>
-                    </a:p>
-                  </a:txBody>
-                  <a:tcPr/>
-                </a:tc>
-              </a:tr>
-              <a:tr h="568720">
-                <a:tc>
-                  <a:txBody>
-                    <a:bodyPr/>
-                    <a:lstStyle/>
-                    <a:p>
-                      <a:r>
-                        <a:rPr lang="en-US" altLang="zh-CN" dirty="0" smtClean="0"/>
-                        <a:t>Counter-increment</a:t>
-                      </a:r>
-                      <a:endParaRPr lang="zh-CN" altLang="en-US" dirty="0"/>
-                    </a:p>
-                  </a:txBody>
-                  <a:tcPr/>
-                </a:tc>
-              </a:tr>
-              <a:tr h="568720">
-                <a:tc>
-                  <a:txBody>
-                    <a:bodyPr/>
-                    <a:lstStyle/>
-                    <a:p>
-                      <a:r>
-                        <a:rPr lang="en-US" altLang="zh-CN" dirty="0" smtClean="0"/>
-                        <a:t>Counter-reset</a:t>
-                      </a:r>
-                      <a:endParaRPr lang="zh-CN" altLang="en-US" dirty="0"/>
-                    </a:p>
-                  </a:txBody>
-                  <a:tcPr/>
-                </a:tc>
-              </a:tr>
-              <a:tr h="568720">
-                <a:tc>
-                  <a:txBody>
-                    <a:bodyPr/>
-                    <a:lstStyle/>
-                    <a:p>
-                      <a:endParaRPr lang="zh-CN" altLang="en-US" dirty="0"/>
+              <a:tr h="395230">
+                <a:tc>
+                  <a:txBody>
+                    <a:bodyPr/>
+                    <a:lstStyle/>
+                    <a:p>
+                      <a:r>
+                        <a:rPr lang="zh-CN" altLang="en-US" sz="1400" dirty="0" smtClean="0"/>
+                        <a:t>字体</a:t>
+                      </a:r>
+                      <a:endParaRPr lang="zh-CN" altLang="en-US" sz="1400" dirty="0"/>
+                    </a:p>
+                  </a:txBody>
+                  <a:tcPr/>
+                </a:tc>
+                <a:tc>
+                  <a:txBody>
+                    <a:bodyPr/>
+                    <a:lstStyle/>
+                    <a:p>
+                      <a:endParaRPr lang="zh-CN" altLang="en-US" sz="1400" dirty="0"/>
+                    </a:p>
+                  </a:txBody>
+                  <a:tcPr/>
+                </a:tc>
+              </a:tr>
+              <a:tr h="395230">
+                <a:tc>
+                  <a:txBody>
+                    <a:bodyPr/>
+                    <a:lstStyle/>
+                    <a:p>
+                      <a:r>
+                        <a:rPr lang="en-US" altLang="zh-CN" sz="1400" dirty="0" smtClean="0"/>
+                        <a:t>color</a:t>
+                      </a:r>
+                      <a:endParaRPr lang="zh-CN" altLang="en-US" sz="1400" dirty="0"/>
+                    </a:p>
+                  </a:txBody>
+                  <a:tcPr/>
+                </a:tc>
+                <a:tc>
+                  <a:txBody>
+                    <a:bodyPr/>
+                    <a:lstStyle/>
+                    <a:p>
+                      <a:r>
+                        <a:rPr lang="en-US" altLang="zh-CN" sz="1400" dirty="0" smtClean="0"/>
+                        <a:t>Text-decoration-line</a:t>
+                      </a:r>
+                      <a:endParaRPr lang="zh-CN" altLang="en-US" sz="1400" dirty="0"/>
+                    </a:p>
+                  </a:txBody>
+                  <a:tcPr/>
+                </a:tc>
+              </a:tr>
+              <a:tr h="395230">
+                <a:tc>
+                  <a:txBody>
+                    <a:bodyPr/>
+                    <a:lstStyle/>
+                    <a:p>
+                      <a:r>
+                        <a:rPr lang="en-US" altLang="zh-CN" sz="1400" dirty="0" smtClean="0"/>
+                        <a:t>font</a:t>
+                      </a:r>
+                      <a:endParaRPr lang="zh-CN" altLang="en-US" sz="1400" dirty="0"/>
+                    </a:p>
+                  </a:txBody>
+                  <a:tcPr/>
+                </a:tc>
+                <a:tc>
+                  <a:txBody>
+                    <a:bodyPr/>
+                    <a:lstStyle/>
+                    <a:p>
+                      <a:r>
+                        <a:rPr lang="en-US" altLang="zh-CN" sz="1400" dirty="0" smtClean="0"/>
+                        <a:t>Text-decoration-color</a:t>
+                      </a:r>
+                      <a:endParaRPr lang="zh-CN" altLang="en-US" sz="1400" dirty="0"/>
+                    </a:p>
+                  </a:txBody>
+                  <a:tcPr/>
+                </a:tc>
+              </a:tr>
+              <a:tr h="395230">
+                <a:tc>
+                  <a:txBody>
+                    <a:bodyPr/>
+                    <a:lstStyle/>
+                    <a:p>
+                      <a:r>
+                        <a:rPr lang="en-US" altLang="zh-CN" sz="1400" dirty="0" smtClean="0"/>
+                        <a:t>Font-family</a:t>
+                      </a:r>
+                      <a:endParaRPr lang="zh-CN" altLang="en-US" sz="1400" dirty="0"/>
+                    </a:p>
+                  </a:txBody>
+                  <a:tcPr/>
+                </a:tc>
+                <a:tc>
+                  <a:txBody>
+                    <a:bodyPr/>
+                    <a:lstStyle/>
+                    <a:p>
+                      <a:r>
+                        <a:rPr lang="en-US" altLang="zh-CN" sz="1400" dirty="0" smtClean="0"/>
+                        <a:t>Text-decoration-style</a:t>
+                      </a:r>
+                      <a:endParaRPr lang="zh-CN" altLang="en-US" sz="1400" dirty="0"/>
+                    </a:p>
+                  </a:txBody>
+                  <a:tcPr/>
+                </a:tc>
+              </a:tr>
+              <a:tr h="395230">
+                <a:tc>
+                  <a:txBody>
+                    <a:bodyPr/>
+                    <a:lstStyle/>
+                    <a:p>
+                      <a:r>
+                        <a:rPr lang="en-US" altLang="zh-CN" sz="1400" dirty="0" smtClean="0"/>
+                        <a:t>Font-style</a:t>
+                      </a:r>
+                      <a:endParaRPr lang="zh-CN" altLang="en-US" sz="1400" dirty="0"/>
+                    </a:p>
+                  </a:txBody>
+                  <a:tcPr/>
+                </a:tc>
+                <a:tc>
+                  <a:txBody>
+                    <a:bodyPr/>
+                    <a:lstStyle/>
+                    <a:p>
+                      <a:r>
+                        <a:rPr lang="en-US" altLang="zh-CN" sz="1400" dirty="0" smtClean="0"/>
+                        <a:t>Text-decoration-skip</a:t>
+                      </a:r>
+                      <a:endParaRPr lang="zh-CN" altLang="en-US" sz="1400" dirty="0"/>
+                    </a:p>
+                  </a:txBody>
+                  <a:tcPr/>
+                </a:tc>
+              </a:tr>
+              <a:tr h="395230">
+                <a:tc>
+                  <a:txBody>
+                    <a:bodyPr/>
+                    <a:lstStyle/>
+                    <a:p>
+                      <a:r>
+                        <a:rPr lang="en-US" altLang="zh-CN" sz="1400" dirty="0" smtClean="0"/>
+                        <a:t>Font-weight</a:t>
+                      </a:r>
+                      <a:endParaRPr lang="zh-CN" altLang="en-US" sz="1400" dirty="0"/>
+                    </a:p>
+                  </a:txBody>
+                  <a:tcPr/>
+                </a:tc>
+                <a:tc>
+                  <a:txBody>
+                    <a:bodyPr/>
+                    <a:lstStyle/>
+                    <a:p>
+                      <a:r>
+                        <a:rPr lang="en-US" altLang="zh-CN" sz="1400" dirty="0" smtClean="0"/>
+                        <a:t>Text-underline-position</a:t>
+                      </a:r>
+                      <a:endParaRPr lang="zh-CN" altLang="en-US" sz="1400" dirty="0"/>
+                    </a:p>
+                  </a:txBody>
+                  <a:tcPr/>
+                </a:tc>
+              </a:tr>
+              <a:tr h="395230">
+                <a:tc>
+                  <a:txBody>
+                    <a:bodyPr/>
+                    <a:lstStyle/>
+                    <a:p>
+                      <a:r>
+                        <a:rPr lang="en-US" altLang="zh-CN" sz="1400" dirty="0" smtClean="0"/>
+                        <a:t>Font-variant</a:t>
+                      </a:r>
+                      <a:endParaRPr lang="zh-CN" altLang="en-US" sz="1400" dirty="0"/>
+                    </a:p>
+                  </a:txBody>
+                  <a:tcPr/>
+                </a:tc>
+                <a:tc>
+                  <a:txBody>
+                    <a:bodyPr/>
+                    <a:lstStyle/>
+                    <a:p>
+                      <a:pPr marL="0" marR="0" indent="0" algn="l" defTabSz="914400" rtl="0" eaLnBrk="1" fontAlgn="auto" latinLnBrk="0" hangingPunct="1">
+                        <a:lnSpc>
+                          <a:spcPct val="100000"/>
+                        </a:lnSpc>
+                        <a:spcBef>
+                          <a:spcPts val="0"/>
+                        </a:spcBef>
+                        <a:spcAft>
+                          <a:spcPts val="0"/>
+                        </a:spcAft>
+                        <a:buClrTx/>
+                        <a:buSzTx/>
+                        <a:buFontTx/>
+                        <a:buNone/>
+                        <a:tabLst/>
+                        <a:defRPr/>
+                      </a:pPr>
+                      <a:r>
+                        <a:rPr lang="en-US" altLang="zh-CN" sz="1400" dirty="0" smtClean="0"/>
+                        <a:t>Text-decoration</a:t>
+                      </a:r>
+                      <a:endParaRPr lang="zh-CN" altLang="en-US" sz="1400" dirty="0" smtClean="0"/>
+                    </a:p>
+                  </a:txBody>
+                  <a:tcPr/>
+                </a:tc>
+              </a:tr>
+              <a:tr h="395230">
+                <a:tc>
+                  <a:txBody>
+                    <a:bodyPr/>
+                    <a:lstStyle/>
+                    <a:p>
+                      <a:r>
+                        <a:rPr lang="en-US" altLang="zh-CN" sz="1400" dirty="0" smtClean="0"/>
+                        <a:t>Font-size</a:t>
+                      </a:r>
+                      <a:endParaRPr lang="zh-CN" altLang="en-US" sz="1400" dirty="0"/>
+                    </a:p>
+                  </a:txBody>
+                  <a:tcPr/>
+                </a:tc>
+                <a:tc>
+                  <a:txBody>
+                    <a:bodyPr/>
+                    <a:lstStyle/>
+                    <a:p>
+                      <a:pPr marL="0" marR="0" indent="0" algn="l" defTabSz="914400" rtl="0" eaLnBrk="1" fontAlgn="auto" latinLnBrk="0" hangingPunct="1">
+                        <a:lnSpc>
+                          <a:spcPct val="100000"/>
+                        </a:lnSpc>
+                        <a:spcBef>
+                          <a:spcPts val="0"/>
+                        </a:spcBef>
+                        <a:spcAft>
+                          <a:spcPts val="0"/>
+                        </a:spcAft>
+                        <a:buClrTx/>
+                        <a:buSzTx/>
+                        <a:buFontTx/>
+                        <a:buNone/>
+                        <a:tabLst/>
+                        <a:defRPr/>
+                      </a:pPr>
+                      <a:r>
+                        <a:rPr lang="en-US" altLang="zh-CN" sz="1400" dirty="0" smtClean="0"/>
+                        <a:t>quotes</a:t>
+                      </a:r>
+                      <a:endParaRPr lang="zh-CN" altLang="en-US" sz="1400" dirty="0" smtClean="0"/>
+                    </a:p>
+                  </a:txBody>
+                  <a:tcPr/>
+                </a:tc>
+              </a:tr>
+              <a:tr h="395230">
+                <a:tc>
+                  <a:txBody>
+                    <a:bodyPr/>
+                    <a:lstStyle/>
+                    <a:p>
+                      <a:r>
+                        <a:rPr lang="en-US" altLang="zh-CN" sz="1400" dirty="0" smtClean="0"/>
+                        <a:t>Font-size-adjust</a:t>
+                      </a:r>
+                      <a:endParaRPr lang="zh-CN" altLang="en-US" sz="1400" dirty="0"/>
+                    </a:p>
+                  </a:txBody>
+                  <a:tcPr/>
+                </a:tc>
+                <a:tc>
+                  <a:txBody>
+                    <a:bodyPr/>
+                    <a:lstStyle/>
+                    <a:p>
+                      <a:r>
+                        <a:rPr lang="en-US" altLang="zh-CN" sz="1400" dirty="0" smtClean="0"/>
+                        <a:t>zoom</a:t>
+                      </a:r>
+                      <a:endParaRPr lang="zh-CN" altLang="en-US" sz="1400" dirty="0"/>
+                    </a:p>
+                  </a:txBody>
+                  <a:tcPr/>
+                </a:tc>
+              </a:tr>
+              <a:tr h="395230">
+                <a:tc>
+                  <a:txBody>
+                    <a:bodyPr/>
+                    <a:lstStyle/>
+                    <a:p>
+                      <a:r>
+                        <a:rPr lang="en-US" altLang="zh-CN" sz="1400" dirty="0" smtClean="0"/>
+                        <a:t>Font-stretch</a:t>
+                      </a:r>
+                      <a:endParaRPr lang="zh-CN" altLang="en-US" sz="1400" dirty="0"/>
+                    </a:p>
+                  </a:txBody>
+                  <a:tcPr/>
+                </a:tc>
+                <a:tc>
+                  <a:txBody>
+                    <a:bodyPr/>
+                    <a:lstStyle/>
+                    <a:p>
+                      <a:endParaRPr lang="zh-CN" altLang="en-US" sz="1400" dirty="0"/>
+                    </a:p>
+                  </a:txBody>
+                  <a:tcPr/>
+                </a:tc>
+              </a:tr>
+              <a:tr h="395230">
+                <a:tc>
+                  <a:txBody>
+                    <a:bodyPr/>
+                    <a:lstStyle/>
+                    <a:p>
+                      <a:pPr marL="0" marR="0" indent="0" algn="l" defTabSz="914400" rtl="0" eaLnBrk="1" fontAlgn="auto" latinLnBrk="0" hangingPunct="1">
+                        <a:lnSpc>
+                          <a:spcPct val="100000"/>
+                        </a:lnSpc>
+                        <a:spcBef>
+                          <a:spcPts val="0"/>
+                        </a:spcBef>
+                        <a:spcAft>
+                          <a:spcPts val="0"/>
+                        </a:spcAft>
+                        <a:buClrTx/>
+                        <a:buSzTx/>
+                        <a:buFontTx/>
+                        <a:buNone/>
+                        <a:tabLst/>
+                        <a:defRPr/>
+                      </a:pPr>
+                      <a:r>
+                        <a:rPr lang="en-US" altLang="zh-CN" sz="1400" dirty="0" smtClean="0"/>
+                        <a:t>Text-shadow</a:t>
+                      </a:r>
+                      <a:endParaRPr lang="zh-CN" altLang="en-US" sz="1400" dirty="0" smtClean="0"/>
+                    </a:p>
+                  </a:txBody>
+                  <a:tcPr/>
+                </a:tc>
+                <a:tc>
+                  <a:txBody>
+                    <a:bodyPr/>
+                    <a:lstStyle/>
+                    <a:p>
+                      <a:endParaRPr lang="zh-CN" altLang="en-US" sz="1400" dirty="0"/>
+                    </a:p>
+                  </a:txBody>
+                  <a:tcPr/>
+                </a:tc>
+              </a:tr>
+              <a:tr h="544697">
+                <a:tc>
+                  <a:txBody>
+                    <a:bodyPr/>
+                    <a:lstStyle/>
+                    <a:p>
+                      <a:r>
+                        <a:rPr lang="en-US" altLang="zh-CN" sz="1400" dirty="0" smtClean="0"/>
+                        <a:t>text-overflow</a:t>
+                      </a:r>
+                      <a:endParaRPr lang="zh-CN" altLang="en-US" sz="1400" dirty="0"/>
+                    </a:p>
+                  </a:txBody>
+                  <a:tcPr/>
+                </a:tc>
+                <a:tc>
+                  <a:txBody>
+                    <a:bodyPr/>
+                    <a:lstStyle/>
+                    <a:p>
+                      <a:endParaRPr lang="zh-CN" altLang="en-US" sz="1400" dirty="0"/>
                     </a:p>
                   </a:txBody>
                   <a:tcPr/>
@@ -3642,10 +3835,444 @@
           </a:graphicData>
         </a:graphic>
       </p:graphicFrame>
+      <p:graphicFrame>
+        <p:nvGraphicFramePr>
+          <p:cNvPr id="5" name="表格 4"/>
+          <p:cNvGraphicFramePr>
+            <a:graphicFrameLocks noGrp="1"/>
+          </p:cNvGraphicFramePr>
+          <p:nvPr>
+            <p:extLst>
+              <p:ext uri="{D42A27DB-BD31-4B8C-83A1-F6EECF244321}">
+                <p14:modId xmlns:p14="http://schemas.microsoft.com/office/powerpoint/2010/main" val="4128058131"/>
+              </p:ext>
+            </p:extLst>
+          </p:nvPr>
+        </p:nvGraphicFramePr>
+        <p:xfrm>
+          <a:off x="4852258" y="1608644"/>
+          <a:ext cx="3656310" cy="4916142"/>
+        </p:xfrm>
+        <a:graphic>
+          <a:graphicData uri="http://schemas.openxmlformats.org/drawingml/2006/table">
+            <a:tbl>
+              <a:tblPr firstRow="1" bandRow="1">
+                <a:tableStyleId>{5C22544A-7EE6-4342-B048-85BDC9FD1C3A}</a:tableStyleId>
+              </a:tblPr>
+              <a:tblGrid>
+                <a:gridCol w="1828155"/>
+                <a:gridCol w="1828155"/>
+              </a:tblGrid>
+              <a:tr h="372435">
+                <a:tc>
+                  <a:txBody>
+                    <a:bodyPr/>
+                    <a:lstStyle/>
+                    <a:p>
+                      <a:r>
+                        <a:rPr lang="zh-CN" altLang="en-US" sz="1400" dirty="0" smtClean="0"/>
+                        <a:t>位置</a:t>
+                      </a:r>
+                      <a:endParaRPr lang="zh-CN" altLang="en-US" sz="1400" dirty="0"/>
+                    </a:p>
+                  </a:txBody>
+                  <a:tcPr/>
+                </a:tc>
+                <a:tc>
+                  <a:txBody>
+                    <a:bodyPr/>
+                    <a:lstStyle/>
+                    <a:p>
+                      <a:endParaRPr lang="zh-CN" altLang="en-US" sz="1400" dirty="0"/>
+                    </a:p>
+                  </a:txBody>
+                  <a:tcPr/>
+                </a:tc>
+              </a:tr>
+              <a:tr h="372435">
+                <a:tc>
+                  <a:txBody>
+                    <a:bodyPr/>
+                    <a:lstStyle/>
+                    <a:p>
+                      <a:r>
+                        <a:rPr lang="en-US" altLang="zh-CN" sz="1400" dirty="0" smtClean="0"/>
+                        <a:t>Text-transform</a:t>
+                      </a:r>
+                      <a:endParaRPr lang="zh-CN" altLang="en-US" sz="1400" dirty="0"/>
+                    </a:p>
+                  </a:txBody>
+                  <a:tcPr/>
+                </a:tc>
+                <a:tc>
+                  <a:txBody>
+                    <a:bodyPr/>
+                    <a:lstStyle/>
+                    <a:p>
+                      <a:r>
+                        <a:rPr lang="en-US" altLang="zh-CN" sz="1400" dirty="0" smtClean="0"/>
+                        <a:t>direction</a:t>
+                      </a:r>
+                      <a:endParaRPr lang="zh-CN" altLang="en-US" sz="1400" dirty="0"/>
+                    </a:p>
+                  </a:txBody>
+                  <a:tcPr/>
+                </a:tc>
+              </a:tr>
+              <a:tr h="372435">
+                <a:tc>
+                  <a:txBody>
+                    <a:bodyPr/>
+                    <a:lstStyle/>
+                    <a:p>
+                      <a:r>
+                        <a:rPr lang="en-US" altLang="zh-CN" sz="1400" dirty="0" smtClean="0"/>
+                        <a:t>White-space</a:t>
+                      </a:r>
+                      <a:endParaRPr lang="zh-CN" altLang="en-US" sz="1400" dirty="0"/>
+                    </a:p>
+                  </a:txBody>
+                  <a:tcPr/>
+                </a:tc>
+                <a:tc>
+                  <a:txBody>
+                    <a:bodyPr/>
+                    <a:lstStyle/>
+                    <a:p>
+                      <a:r>
+                        <a:rPr lang="en-US" altLang="zh-CN" sz="1400" dirty="0" smtClean="0"/>
+                        <a:t>Unicode-</a:t>
+                      </a:r>
+                      <a:r>
+                        <a:rPr lang="en-US" altLang="zh-CN" sz="1400" dirty="0" err="1" smtClean="0"/>
+                        <a:t>bidi</a:t>
+                      </a:r>
+                      <a:endParaRPr lang="zh-CN" altLang="en-US" sz="1400" dirty="0"/>
+                    </a:p>
+                  </a:txBody>
+                  <a:tcPr/>
+                </a:tc>
+              </a:tr>
+              <a:tr h="372435">
+                <a:tc>
+                  <a:txBody>
+                    <a:bodyPr/>
+                    <a:lstStyle/>
+                    <a:p>
+                      <a:r>
+                        <a:rPr lang="en-US" altLang="zh-CN" sz="1400" dirty="0" smtClean="0"/>
+                        <a:t>Word-break</a:t>
+                      </a:r>
+                      <a:endParaRPr lang="zh-CN" altLang="en-US" sz="1400" dirty="0"/>
+                    </a:p>
+                  </a:txBody>
+                  <a:tcPr/>
+                </a:tc>
+                <a:tc>
+                  <a:txBody>
+                    <a:bodyPr/>
+                    <a:lstStyle/>
+                    <a:p>
+                      <a:r>
+                        <a:rPr lang="en-US" altLang="zh-CN" sz="1400" dirty="0" smtClean="0"/>
+                        <a:t>Writing-mode</a:t>
+                      </a:r>
+                      <a:endParaRPr lang="zh-CN" altLang="en-US" sz="1400" dirty="0"/>
+                    </a:p>
+                  </a:txBody>
+                  <a:tcPr/>
+                </a:tc>
+              </a:tr>
+              <a:tr h="372435">
+                <a:tc>
+                  <a:txBody>
+                    <a:bodyPr/>
+                    <a:lstStyle/>
+                    <a:p>
+                      <a:r>
+                        <a:rPr lang="en-US" altLang="zh-CN" sz="1400" dirty="0" smtClean="0"/>
+                        <a:t>Word-wrap</a:t>
+                      </a:r>
+                      <a:endParaRPr lang="zh-CN" altLang="en-US" sz="1400" dirty="0"/>
+                    </a:p>
+                  </a:txBody>
+                  <a:tcPr/>
+                </a:tc>
+                <a:tc>
+                  <a:txBody>
+                    <a:bodyPr/>
+                    <a:lstStyle/>
+                    <a:p>
+                      <a:r>
+                        <a:rPr lang="en-US" altLang="zh-CN" sz="1400" dirty="0" smtClean="0"/>
+                        <a:t>Text-indent</a:t>
+                      </a:r>
+                      <a:endParaRPr lang="zh-CN" altLang="en-US" sz="1400" dirty="0"/>
+                    </a:p>
+                  </a:txBody>
+                  <a:tcPr/>
+                </a:tc>
+              </a:tr>
+              <a:tr h="372435">
+                <a:tc>
+                  <a:txBody>
+                    <a:bodyPr/>
+                    <a:lstStyle/>
+                    <a:p>
+                      <a:r>
+                        <a:rPr lang="en-US" altLang="zh-CN" sz="1400" dirty="0" smtClean="0"/>
+                        <a:t>Tab-size</a:t>
+                      </a:r>
+                      <a:endParaRPr lang="zh-CN" altLang="en-US" sz="1400" dirty="0"/>
+                    </a:p>
+                  </a:txBody>
+                  <a:tcPr/>
+                </a:tc>
+                <a:tc>
+                  <a:txBody>
+                    <a:bodyPr/>
+                    <a:lstStyle/>
+                    <a:p>
+                      <a:r>
+                        <a:rPr lang="en-US" altLang="zh-CN" sz="1400" dirty="0" smtClean="0"/>
+                        <a:t>Vertical-align</a:t>
+                      </a:r>
+                      <a:endParaRPr lang="zh-CN" altLang="en-US" sz="1400" dirty="0"/>
+                    </a:p>
+                  </a:txBody>
+                  <a:tcPr/>
+                </a:tc>
+              </a:tr>
+              <a:tr h="372435">
+                <a:tc>
+                  <a:txBody>
+                    <a:bodyPr/>
+                    <a:lstStyle/>
+                    <a:p>
+                      <a:r>
+                        <a:rPr lang="en-US" altLang="zh-CN" sz="1400" dirty="0" smtClean="0"/>
+                        <a:t>Overflow-wrap</a:t>
+                      </a:r>
+                      <a:endParaRPr lang="zh-CN" altLang="en-US" sz="1400" dirty="0"/>
+                    </a:p>
+                  </a:txBody>
+                  <a:tcPr/>
+                </a:tc>
+                <a:tc>
+                  <a:txBody>
+                    <a:bodyPr/>
+                    <a:lstStyle/>
+                    <a:p>
+                      <a:r>
+                        <a:rPr lang="en-US" altLang="zh-CN" sz="1400" dirty="0" smtClean="0"/>
+                        <a:t>Line-height</a:t>
+                      </a:r>
+                      <a:endParaRPr lang="zh-CN" altLang="en-US" sz="1400" dirty="0"/>
+                    </a:p>
+                  </a:txBody>
+                  <a:tcPr/>
+                </a:tc>
+              </a:tr>
+              <a:tr h="372435">
+                <a:tc>
+                  <a:txBody>
+                    <a:bodyPr/>
+                    <a:lstStyle/>
+                    <a:p>
+                      <a:r>
+                        <a:rPr lang="en-US" altLang="zh-CN" sz="1400" dirty="0" smtClean="0"/>
+                        <a:t>Text-align</a:t>
+                      </a:r>
+                      <a:endParaRPr lang="zh-CN" altLang="en-US" sz="1400" dirty="0"/>
+                    </a:p>
+                  </a:txBody>
+                  <a:tcPr/>
+                </a:tc>
+                <a:tc>
+                  <a:txBody>
+                    <a:bodyPr/>
+                    <a:lstStyle/>
+                    <a:p>
+                      <a:r>
+                        <a:rPr lang="en-US" altLang="zh-CN" sz="1400" dirty="0" smtClean="0"/>
+                        <a:t>Text-size-adjust</a:t>
+                      </a:r>
+                      <a:endParaRPr lang="zh-CN" altLang="en-US" sz="1400" dirty="0"/>
+                    </a:p>
+                  </a:txBody>
+                  <a:tcPr/>
+                </a:tc>
+              </a:tr>
+              <a:tr h="372435">
+                <a:tc>
+                  <a:txBody>
+                    <a:bodyPr/>
+                    <a:lstStyle/>
+                    <a:p>
+                      <a:r>
+                        <a:rPr lang="en-US" altLang="zh-CN" sz="1400" dirty="0" smtClean="0"/>
+                        <a:t>Text-align-last</a:t>
+                      </a:r>
+                      <a:endParaRPr lang="zh-CN" altLang="en-US" sz="1400" dirty="0"/>
+                    </a:p>
+                  </a:txBody>
+                  <a:tcPr/>
+                </a:tc>
+                <a:tc>
+                  <a:txBody>
+                    <a:bodyPr/>
+                    <a:lstStyle/>
+                    <a:p>
+                      <a:endParaRPr lang="zh-CN" altLang="en-US" sz="1400" dirty="0"/>
+                    </a:p>
+                  </a:txBody>
+                  <a:tcPr/>
+                </a:tc>
+              </a:tr>
+              <a:tr h="372435">
+                <a:tc>
+                  <a:txBody>
+                    <a:bodyPr/>
+                    <a:lstStyle/>
+                    <a:p>
+                      <a:r>
+                        <a:rPr lang="en-US" altLang="zh-CN" sz="1400" dirty="0" smtClean="0"/>
+                        <a:t>Text-justify</a:t>
+                      </a:r>
+                      <a:endParaRPr lang="zh-CN" altLang="en-US" sz="1400" dirty="0"/>
+                    </a:p>
+                  </a:txBody>
+                  <a:tcPr/>
+                </a:tc>
+                <a:tc>
+                  <a:txBody>
+                    <a:bodyPr/>
+                    <a:lstStyle/>
+                    <a:p>
+                      <a:endParaRPr lang="zh-CN" altLang="en-US" sz="1400" dirty="0"/>
+                    </a:p>
+                  </a:txBody>
+                  <a:tcPr/>
+                </a:tc>
+              </a:tr>
+              <a:tr h="372435">
+                <a:tc>
+                  <a:txBody>
+                    <a:bodyPr/>
+                    <a:lstStyle/>
+                    <a:p>
+                      <a:r>
+                        <a:rPr lang="en-US" altLang="zh-CN" sz="1400" dirty="0" smtClean="0"/>
+                        <a:t>Word-spacing</a:t>
+                      </a:r>
+                      <a:endParaRPr lang="zh-CN" altLang="en-US" sz="1400" dirty="0"/>
+                    </a:p>
+                  </a:txBody>
+                  <a:tcPr/>
+                </a:tc>
+                <a:tc>
+                  <a:txBody>
+                    <a:bodyPr/>
+                    <a:lstStyle/>
+                    <a:p>
+                      <a:endParaRPr lang="zh-CN" altLang="en-US" sz="1400" dirty="0"/>
+                    </a:p>
+                  </a:txBody>
+                  <a:tcPr/>
+                </a:tc>
+              </a:tr>
+              <a:tr h="372435">
+                <a:tc>
+                  <a:txBody>
+                    <a:bodyPr/>
+                    <a:lstStyle/>
+                    <a:p>
+                      <a:r>
+                        <a:rPr lang="en-US" altLang="zh-CN" sz="1400" dirty="0" smtClean="0"/>
+                        <a:t>Letter-spacing</a:t>
+                      </a:r>
+                      <a:endParaRPr lang="zh-CN" altLang="en-US" sz="1400" dirty="0"/>
+                    </a:p>
+                  </a:txBody>
+                  <a:tcPr/>
+                </a:tc>
+                <a:tc>
+                  <a:txBody>
+                    <a:bodyPr/>
+                    <a:lstStyle/>
+                    <a:p>
+                      <a:endParaRPr lang="zh-CN" altLang="en-US" sz="1400" dirty="0"/>
+                    </a:p>
+                  </a:txBody>
+                  <a:tcPr/>
+                </a:tc>
+              </a:tr>
+              <a:tr h="446922">
+                <a:tc>
+                  <a:txBody>
+                    <a:bodyPr/>
+                    <a:lstStyle/>
+                    <a:p>
+                      <a:endParaRPr lang="zh-CN" altLang="en-US" dirty="0"/>
+                    </a:p>
+                  </a:txBody>
+                  <a:tcPr/>
+                </a:tc>
+                <a:tc>
+                  <a:txBody>
+                    <a:bodyPr/>
+                    <a:lstStyle/>
+                    <a:p>
+                      <a:endParaRPr lang="zh-CN" altLang="en-US" sz="1400" dirty="0"/>
+                    </a:p>
+                  </a:txBody>
+                  <a:tcPr/>
+                </a:tc>
+              </a:tr>
+            </a:tbl>
+          </a:graphicData>
+        </a:graphic>
+      </p:graphicFrame>
+      <p:sp>
+        <p:nvSpPr>
+          <p:cNvPr id="6" name="文本框 5"/>
+          <p:cNvSpPr txBox="1"/>
+          <p:nvPr/>
+        </p:nvSpPr>
+        <p:spPr>
+          <a:xfrm>
+            <a:off x="8880529" y="3285641"/>
+            <a:ext cx="2924070" cy="707886"/>
+          </a:xfrm>
+          <a:prstGeom prst="rect">
+            <a:avLst/>
+          </a:prstGeom>
+          <a:noFill/>
+        </p:spPr>
+        <p:txBody>
+          <a:bodyPr wrap="none" rtlCol="0">
+            <a:spAutoFit/>
+          </a:bodyPr>
+          <a:lstStyle/>
+          <a:p>
+            <a:r>
+              <a:rPr lang="en-US" altLang="zh-CN" sz="4000" dirty="0" smtClean="0">
+                <a:latin typeface="微软雅黑" panose="020B0503020204020204" pitchFamily="34" charset="-122"/>
+                <a:ea typeface="微软雅黑" panose="020B0503020204020204" pitchFamily="34" charset="-122"/>
+              </a:rPr>
+              <a:t>@font-face</a:t>
+            </a:r>
+            <a:endParaRPr lang="zh-CN" altLang="en-US" sz="4000" dirty="0">
+              <a:latin typeface="微软雅黑" panose="020B0503020204020204" pitchFamily="34" charset="-122"/>
+              <a:ea typeface="微软雅黑" panose="020B0503020204020204" pitchFamily="34" charset="-122"/>
+            </a:endParaRPr>
+          </a:p>
+        </p:txBody>
+      </p:sp>
     </p:spTree>
     <p:extLst>
       <p:ext uri="{BB962C8B-B14F-4D97-AF65-F5344CB8AC3E}">
-        <p14:creationId xmlns:p14="http://schemas.microsoft.com/office/powerpoint/2010/main" val="800483779"/>
+        <p14:creationId xmlns:p14="http://schemas.microsoft.com/office/powerpoint/2010/main" val="2365001589"/>
       </p:ext>
     </p:extLst>
   </p:cSld>
@@ -3696,11 +4323,15 @@
           <a:p>
             <a:r>
               <a:rPr lang="zh-CN" altLang="en-US" dirty="0" smtClean="0"/>
-              <a:t>响应式处理 </a:t>
+              <a:t>动画样式  </a:t>
             </a:r>
             <a:r>
               <a:rPr lang="en-US" altLang="zh-CN" dirty="0" smtClean="0"/>
-              <a:t>@media</a:t>
+              <a:t>@</a:t>
+            </a:r>
+            <a:r>
+              <a:rPr lang="en-US" altLang="zh-CN" dirty="0" err="1" smtClean="0"/>
+              <a:t>keyframes</a:t>
             </a:r>
             <a:endParaRPr lang="zh-CN" altLang="en-US" dirty="0"/>
           </a:p>
@@ -3715,14 +4346,14 @@
           <p:nvPr>
             <p:extLst>
               <p:ext uri="{D42A27DB-BD31-4B8C-83A1-F6EECF244321}">
-                <p14:modId xmlns:p14="http://schemas.microsoft.com/office/powerpoint/2010/main" val="1823083289"/>
+                <p14:modId xmlns:p14="http://schemas.microsoft.com/office/powerpoint/2010/main" val="2614527955"/>
               </p:ext>
             </p:extLst>
           </p:nvPr>
         </p:nvGraphicFramePr>
         <p:xfrm>
-          <a:off x="1303580" y="2161008"/>
-          <a:ext cx="8128000" cy="2595880"/>
+          <a:off x="773821" y="1456839"/>
+          <a:ext cx="10043997" cy="4991150"/>
         </p:xfrm>
         <a:graphic>
           <a:graphicData uri="http://schemas.openxmlformats.org/drawingml/2006/table">
@@ -3731,17 +4362,288 @@
                 <a:tableStyleId>{5C22544A-7EE6-4342-B048-85BDC9FD1C3A}</a:tableStyleId>
               </a:tblPr>
               <a:tblGrid>
-                <a:gridCol w="2032000"/>
-                <a:gridCol w="2032000"/>
-                <a:gridCol w="2032000"/>
-                <a:gridCol w="2032000"/>
+                <a:gridCol w="3347999"/>
+                <a:gridCol w="3347999"/>
+                <a:gridCol w="3347999"/>
               </a:tblGrid>
-              <a:tr h="370840">
-                <a:tc>
-                  <a:txBody>
-                    <a:bodyPr/>
-                    <a:lstStyle/>
-                    <a:p>
+              <a:tr h="499115">
+                <a:tc>
+                  <a:txBody>
+                    <a:bodyPr/>
+                    <a:lstStyle/>
+                    <a:p>
+                      <a:r>
+                        <a:rPr lang="zh-CN" altLang="en-US" dirty="0" smtClean="0"/>
+                        <a:t>变化</a:t>
+                      </a:r>
+                      <a:endParaRPr lang="zh-CN" altLang="en-US" dirty="0"/>
+                    </a:p>
+                  </a:txBody>
+                  <a:tcPr/>
+                </a:tc>
+                <a:tc>
+                  <a:txBody>
+                    <a:bodyPr/>
+                    <a:lstStyle/>
+                    <a:p>
+                      <a:r>
+                        <a:rPr lang="zh-CN" altLang="en-US" dirty="0" smtClean="0"/>
+                        <a:t>过渡</a:t>
+                      </a:r>
+                      <a:endParaRPr lang="zh-CN" altLang="en-US" dirty="0"/>
+                    </a:p>
+                  </a:txBody>
+                  <a:tcPr/>
+                </a:tc>
+                <a:tc>
+                  <a:txBody>
+                    <a:bodyPr/>
+                    <a:lstStyle/>
+                    <a:p>
+                      <a:r>
+                        <a:rPr lang="zh-CN" altLang="en-US" dirty="0" smtClean="0"/>
+                        <a:t>动作</a:t>
+                      </a:r>
+                      <a:endParaRPr lang="zh-CN" altLang="en-US" dirty="0"/>
+                    </a:p>
+                  </a:txBody>
+                  <a:tcPr/>
+                </a:tc>
+              </a:tr>
+              <a:tr h="499115">
+                <a:tc>
+                  <a:txBody>
+                    <a:bodyPr/>
+                    <a:lstStyle/>
+                    <a:p>
+                      <a:r>
+                        <a:rPr lang="en-US" altLang="zh-CN" dirty="0" smtClean="0"/>
+                        <a:t>transform</a:t>
+                      </a:r>
+                      <a:endParaRPr lang="zh-CN" altLang="en-US" dirty="0"/>
+                    </a:p>
+                  </a:txBody>
+                  <a:tcPr/>
+                </a:tc>
+                <a:tc>
+                  <a:txBody>
+                    <a:bodyPr/>
+                    <a:lstStyle/>
+                    <a:p>
+                      <a:r>
+                        <a:rPr lang="en-US" altLang="zh-CN" dirty="0" smtClean="0"/>
+                        <a:t>transition</a:t>
+                      </a:r>
+                      <a:endParaRPr lang="zh-CN" altLang="en-US" dirty="0"/>
+                    </a:p>
+                  </a:txBody>
+                  <a:tcPr/>
+                </a:tc>
+                <a:tc>
+                  <a:txBody>
+                    <a:bodyPr/>
+                    <a:lstStyle/>
+                    <a:p>
+                      <a:r>
+                        <a:rPr lang="en-US" altLang="zh-CN" dirty="0" smtClean="0"/>
+                        <a:t>animation</a:t>
+                      </a:r>
+                      <a:endParaRPr lang="zh-CN" altLang="en-US" dirty="0"/>
+                    </a:p>
+                  </a:txBody>
+                  <a:tcPr/>
+                </a:tc>
+              </a:tr>
+              <a:tr h="499115">
+                <a:tc>
+                  <a:txBody>
+                    <a:bodyPr/>
+                    <a:lstStyle/>
+                    <a:p>
+                      <a:r>
+                        <a:rPr lang="en-US" altLang="zh-CN" dirty="0" smtClean="0"/>
+                        <a:t>Transform-origin</a:t>
+                      </a:r>
+                      <a:endParaRPr lang="zh-CN" altLang="en-US" dirty="0"/>
+                    </a:p>
+                  </a:txBody>
+                  <a:tcPr/>
+                </a:tc>
+                <a:tc>
+                  <a:txBody>
+                    <a:bodyPr/>
+                    <a:lstStyle/>
+                    <a:p>
+                      <a:r>
+                        <a:rPr lang="en-US" altLang="zh-CN" dirty="0" smtClean="0"/>
+                        <a:t>Transition-property</a:t>
+                      </a:r>
+                      <a:endParaRPr lang="zh-CN" altLang="en-US" dirty="0"/>
+                    </a:p>
+                  </a:txBody>
+                  <a:tcPr/>
+                </a:tc>
+                <a:tc>
+                  <a:txBody>
+                    <a:bodyPr/>
+                    <a:lstStyle/>
+                    <a:p>
+                      <a:r>
+                        <a:rPr lang="en-US" altLang="zh-CN" dirty="0" smtClean="0"/>
+                        <a:t>Animation-name</a:t>
+                      </a:r>
+                      <a:endParaRPr lang="zh-CN" altLang="en-US" dirty="0"/>
+                    </a:p>
+                  </a:txBody>
+                  <a:tcPr/>
+                </a:tc>
+              </a:tr>
+              <a:tr h="499115">
+                <a:tc>
+                  <a:txBody>
+                    <a:bodyPr/>
+                    <a:lstStyle/>
+                    <a:p>
+                      <a:r>
+                        <a:rPr lang="en-US" altLang="zh-CN" dirty="0" smtClean="0"/>
+                        <a:t>Transform-style</a:t>
+                      </a:r>
+                      <a:endParaRPr lang="zh-CN" altLang="en-US" dirty="0"/>
+                    </a:p>
+                  </a:txBody>
+                  <a:tcPr/>
+                </a:tc>
+                <a:tc>
+                  <a:txBody>
+                    <a:bodyPr/>
+                    <a:lstStyle/>
+                    <a:p>
+                      <a:r>
+                        <a:rPr lang="en-US" altLang="zh-CN" dirty="0" smtClean="0"/>
+                        <a:t>Transition-duration</a:t>
+                      </a:r>
+                      <a:endParaRPr lang="zh-CN" altLang="en-US" dirty="0"/>
+                    </a:p>
+                  </a:txBody>
+                  <a:tcPr/>
+                </a:tc>
+                <a:tc>
+                  <a:txBody>
+                    <a:bodyPr/>
+                    <a:lstStyle/>
+                    <a:p>
+                      <a:r>
+                        <a:rPr lang="en-US" altLang="zh-CN" dirty="0" smtClean="0"/>
+                        <a:t>Animation-duration</a:t>
+                      </a:r>
+                      <a:endParaRPr lang="zh-CN" altLang="en-US" dirty="0"/>
+                    </a:p>
+                  </a:txBody>
+                  <a:tcPr/>
+                </a:tc>
+              </a:tr>
+              <a:tr h="499115">
+                <a:tc>
+                  <a:txBody>
+                    <a:bodyPr/>
+                    <a:lstStyle/>
+                    <a:p>
+                      <a:r>
+                        <a:rPr lang="en-US" altLang="zh-CN" dirty="0" smtClean="0"/>
+                        <a:t>perspective</a:t>
+                      </a:r>
+                      <a:endParaRPr lang="zh-CN" altLang="en-US" dirty="0"/>
+                    </a:p>
+                  </a:txBody>
+                  <a:tcPr/>
+                </a:tc>
+                <a:tc>
+                  <a:txBody>
+                    <a:bodyPr/>
+                    <a:lstStyle/>
+                    <a:p>
+                      <a:r>
+                        <a:rPr lang="en-US" altLang="zh-CN" dirty="0" smtClean="0"/>
+                        <a:t>Transition-timing-function</a:t>
+                      </a:r>
+                      <a:endParaRPr lang="zh-CN" altLang="en-US" dirty="0"/>
+                    </a:p>
+                  </a:txBody>
+                  <a:tcPr/>
+                </a:tc>
+                <a:tc>
+                  <a:txBody>
+                    <a:bodyPr/>
+                    <a:lstStyle/>
+                    <a:p>
+                      <a:r>
+                        <a:rPr lang="en-US" altLang="zh-CN" dirty="0" smtClean="0"/>
+                        <a:t>Animation-timing-function</a:t>
+                      </a:r>
+                      <a:endParaRPr lang="zh-CN" altLang="en-US" dirty="0"/>
+                    </a:p>
+                  </a:txBody>
+                  <a:tcPr/>
+                </a:tc>
+              </a:tr>
+              <a:tr h="499115">
+                <a:tc>
+                  <a:txBody>
+                    <a:bodyPr/>
+                    <a:lstStyle/>
+                    <a:p>
+                      <a:r>
+                        <a:rPr lang="en-US" altLang="zh-CN" dirty="0" smtClean="0"/>
+                        <a:t>Perspective-origin</a:t>
+                      </a:r>
+                      <a:endParaRPr lang="zh-CN" altLang="en-US" dirty="0"/>
+                    </a:p>
+                  </a:txBody>
+                  <a:tcPr/>
+                </a:tc>
+                <a:tc>
+                  <a:txBody>
+                    <a:bodyPr/>
+                    <a:lstStyle/>
+                    <a:p>
+                      <a:r>
+                        <a:rPr lang="en-US" altLang="zh-CN" dirty="0" smtClean="0"/>
+                        <a:t>Transition-delay</a:t>
+                      </a:r>
+                      <a:endParaRPr lang="zh-CN" altLang="en-US" dirty="0"/>
+                    </a:p>
+                  </a:txBody>
+                  <a:tcPr/>
+                </a:tc>
+                <a:tc>
+                  <a:txBody>
+                    <a:bodyPr/>
+                    <a:lstStyle/>
+                    <a:p>
+                      <a:r>
+                        <a:rPr lang="en-US" altLang="zh-CN" dirty="0" smtClean="0"/>
+                        <a:t>Animation-delay</a:t>
+                      </a:r>
+                      <a:endParaRPr lang="zh-CN" altLang="en-US" dirty="0"/>
+                    </a:p>
+                  </a:txBody>
+                  <a:tcPr/>
+                </a:tc>
+              </a:tr>
+              <a:tr h="499115">
+                <a:tc>
+                  <a:txBody>
+                    <a:bodyPr/>
+                    <a:lstStyle/>
+                    <a:p>
+                      <a:r>
+                        <a:rPr lang="en-US" altLang="zh-CN" dirty="0" err="1" smtClean="0"/>
+                        <a:t>Backface</a:t>
+                      </a:r>
+                      <a:r>
+                        <a:rPr lang="en-US" altLang="zh-CN" dirty="0" smtClean="0"/>
+                        <a:t>-visibility</a:t>
+                      </a:r>
                       <a:endParaRPr lang="zh-CN" altLang="en-US" dirty="0"/>
                     </a:p>
                   </a:txBody>
@@ -3762,6 +4664,22 @@
                     <a:bodyPr/>
                     <a:lstStyle/>
                     <a:p>
+                      <a:r>
+                        <a:rPr lang="en-US" altLang="zh-CN" dirty="0" smtClean="0"/>
+                        <a:t>Animation-iteration-count</a:t>
+                      </a:r>
+                      <a:endParaRPr lang="zh-CN" altLang="en-US" dirty="0"/>
+                    </a:p>
+                  </a:txBody>
+                  <a:tcPr/>
+                </a:tc>
+              </a:tr>
+              <a:tr h="499115">
+                <a:tc>
+                  <a:txBody>
+                    <a:bodyPr/>
+                    <a:lstStyle/>
+                    <a:p>
                       <a:endParaRPr lang="zh-CN" altLang="en-US"/>
                     </a:p>
                   </a:txBody>
@@ -3772,13 +4690,47 @@
                     <a:bodyPr/>
                     <a:lstStyle/>
                     <a:p>
+                      <a:endParaRPr lang="zh-CN" altLang="en-US" dirty="0"/>
+                    </a:p>
+                  </a:txBody>
+                  <a:tcPr/>
+                </a:tc>
+                <a:tc>
+                  <a:txBody>
+                    <a:bodyPr/>
+                    <a:lstStyle/>
+                    <a:p>
+                      <a:r>
+                        <a:rPr lang="en-US" altLang="zh-CN" dirty="0" smtClean="0"/>
+                        <a:t>Animation-direction</a:t>
+                      </a:r>
+                      <a:endParaRPr lang="zh-CN" altLang="en-US" dirty="0"/>
+                    </a:p>
+                  </a:txBody>
+                  <a:tcPr/>
+                </a:tc>
+              </a:tr>
+              <a:tr h="499115">
+                <a:tc>
+                  <a:txBody>
+                    <a:bodyPr/>
+                    <a:lstStyle/>
+                    <a:p>
                       <a:endParaRPr lang="zh-CN" altLang="en-US"/>
                     </a:p>
                   </a:txBody>
                   <a:tcPr/>
                 </a:tc>
-              </a:tr>
-              <a:tr h="370840">
+                <a:tc>
+                  <a:txBody>
+                    <a:bodyPr/>
+                    <a:lstStyle/>
+                    <a:p>
+                      <a:endParaRPr lang="zh-CN" altLang="en-US" dirty="0"/>
+                    </a:p>
+                  </a:txBody>
+                  <a:tcPr/>
+                </a:tc>
                 <a:tc>
                   <a:txBody>
                     <a:bodyPr/>
@@ -3786,8 +4738,30 @@
                     <a:p>
                       <a:r>
                         <a:rPr lang="en-US" altLang="zh-CN" dirty="0" smtClean="0"/>
-                        <a:t>width</a:t>
-                      </a:r>
+                        <a:t>Animation-play-state</a:t>
+                      </a:r>
+                      <a:endParaRPr lang="zh-CN" altLang="en-US" dirty="0"/>
+                    </a:p>
+                  </a:txBody>
+                  <a:tcPr/>
+                </a:tc>
+              </a:tr>
+              <a:tr h="499115">
+                <a:tc>
+                  <a:txBody>
+                    <a:bodyPr/>
+                    <a:lstStyle/>
+                    <a:p>
+                      <a:endParaRPr lang="zh-CN" altLang="en-US"/>
+                    </a:p>
+                  </a:txBody>
+                  <a:tcPr/>
+                </a:tc>
+                <a:tc>
+                  <a:txBody>
+                    <a:bodyPr/>
+                    <a:lstStyle/>
+                    <a:p>
                       <a:endParaRPr lang="zh-CN" altLang="en-US" dirty="0"/>
                     </a:p>
                   </a:txBody>
@@ -3800,282 +4774,8 @@
                     <a:p>
                       <a:r>
                         <a:rPr lang="en-US" altLang="zh-CN" dirty="0" smtClean="0"/>
-                        <a:t>Device-aspect-ratio</a:t>
-                      </a:r>
-                      <a:endParaRPr lang="zh-CN" altLang="en-US" dirty="0"/>
-                    </a:p>
-                  </a:txBody>
-                  <a:tcPr/>
-                </a:tc>
-                <a:tc>
-                  <a:txBody>
-                    <a:bodyPr/>
-                    <a:lstStyle/>
-                    <a:p>
-                      <a:r>
-                        <a:rPr lang="en-US" altLang="zh-CN" dirty="0" smtClean="0"/>
-                        <a:t>grid</a:t>
-                      </a:r>
-                      <a:endParaRPr lang="zh-CN" altLang="en-US" dirty="0"/>
-                    </a:p>
-                  </a:txBody>
-                  <a:tcPr/>
-                </a:tc>
-                <a:tc>
-                  <a:txBody>
-                    <a:bodyPr/>
-                    <a:lstStyle/>
-                    <a:p>
-                      <a:endParaRPr lang="zh-CN" altLang="en-US"/>
-                    </a:p>
-                  </a:txBody>
-                  <a:tcPr/>
-                </a:tc>
-              </a:tr>
-              <a:tr h="370840">
-                <a:tc>
-                  <a:txBody>
-                    <a:bodyPr/>
-                    <a:lstStyle/>
-                    <a:p>
-                      <a:r>
-                        <a:rPr lang="en-US" altLang="zh-CN" dirty="0" smtClean="0"/>
-                        <a:t>height</a:t>
-                      </a:r>
-                      <a:endParaRPr lang="zh-CN" altLang="en-US" dirty="0"/>
-                    </a:p>
-                  </a:txBody>
-                  <a:tcPr/>
-                </a:tc>
-                <a:tc>
-                  <a:txBody>
-                    <a:bodyPr/>
-                    <a:lstStyle/>
-                    <a:p>
-                      <a:r>
-                        <a:rPr lang="en-US" altLang="zh-CN" dirty="0" smtClean="0"/>
-                        <a:t>color</a:t>
-                      </a:r>
-                      <a:endParaRPr lang="zh-CN" altLang="en-US" dirty="0"/>
-                    </a:p>
-                  </a:txBody>
-                  <a:tcPr/>
-                </a:tc>
-                <a:tc>
-                  <a:txBody>
-                    <a:bodyPr/>
-                    <a:lstStyle/>
-                    <a:p>
-                      <a:endParaRPr lang="zh-CN" altLang="en-US"/>
-                    </a:p>
-                  </a:txBody>
-                  <a:tcPr/>
-                </a:tc>
-                <a:tc>
-                  <a:txBody>
-                    <a:bodyPr/>
-                    <a:lstStyle/>
-                    <a:p>
-                      <a:endParaRPr lang="zh-CN" altLang="en-US"/>
-                    </a:p>
-                  </a:txBody>
-                  <a:tcPr/>
-                </a:tc>
-              </a:tr>
-              <a:tr h="370840">
-                <a:tc>
-                  <a:txBody>
-                    <a:bodyPr/>
-                    <a:lstStyle/>
-                    <a:p>
-                      <a:r>
-                        <a:rPr lang="en-US" altLang="zh-CN" dirty="0" smtClean="0"/>
-                        <a:t>Device-width</a:t>
-                      </a:r>
-                      <a:endParaRPr lang="zh-CN" altLang="en-US" dirty="0"/>
-                    </a:p>
-                  </a:txBody>
-                  <a:tcPr/>
-                </a:tc>
-                <a:tc>
-                  <a:txBody>
-                    <a:bodyPr/>
-                    <a:lstStyle/>
-                    <a:p>
-                      <a:r>
-                        <a:rPr lang="en-US" altLang="zh-CN" dirty="0" smtClean="0"/>
-                        <a:t>Color-index</a:t>
-                      </a:r>
-                      <a:endParaRPr lang="zh-CN" altLang="en-US" dirty="0"/>
-                    </a:p>
-                  </a:txBody>
-                  <a:tcPr/>
-                </a:tc>
-                <a:tc>
-                  <a:txBody>
-                    <a:bodyPr/>
-                    <a:lstStyle/>
-                    <a:p>
-                      <a:endParaRPr lang="zh-CN" altLang="en-US"/>
-                    </a:p>
-                  </a:txBody>
-                  <a:tcPr/>
-                </a:tc>
-                <a:tc>
-                  <a:txBody>
-                    <a:bodyPr/>
-                    <a:lstStyle/>
-                    <a:p>
-                      <a:endParaRPr lang="zh-CN" altLang="en-US"/>
-                    </a:p>
-                  </a:txBody>
-                  <a:tcPr/>
-                </a:tc>
-              </a:tr>
-              <a:tr h="370840">
-                <a:tc>
-                  <a:txBody>
-                    <a:bodyPr/>
-                    <a:lstStyle/>
-                    <a:p>
-                      <a:r>
-                        <a:rPr lang="en-US" altLang="zh-CN" dirty="0" smtClean="0"/>
-                        <a:t>Device-height</a:t>
-                      </a:r>
-                      <a:endParaRPr lang="zh-CN" altLang="en-US" dirty="0"/>
-                    </a:p>
-                  </a:txBody>
-                  <a:tcPr/>
-                </a:tc>
-                <a:tc>
-                  <a:txBody>
-                    <a:bodyPr/>
-                    <a:lstStyle/>
-                    <a:p>
-                      <a:r>
-                        <a:rPr lang="en-US" altLang="zh-CN" dirty="0" smtClean="0"/>
-                        <a:t>monochrome</a:t>
-                      </a:r>
-                      <a:endParaRPr lang="zh-CN" altLang="en-US" dirty="0"/>
-                    </a:p>
-                  </a:txBody>
-                  <a:tcPr/>
-                </a:tc>
-                <a:tc>
-                  <a:txBody>
-                    <a:bodyPr/>
-                    <a:lstStyle/>
-                    <a:p>
-                      <a:endParaRPr lang="zh-CN" altLang="en-US"/>
-                    </a:p>
-                  </a:txBody>
-                  <a:tcPr/>
-                </a:tc>
-                <a:tc>
-                  <a:txBody>
-                    <a:bodyPr/>
-                    <a:lstStyle/>
-                    <a:p>
-                      <a:endParaRPr lang="zh-CN" altLang="en-US"/>
-                    </a:p>
-                  </a:txBody>
-                  <a:tcPr/>
-                </a:tc>
-              </a:tr>
-              <a:tr h="370840">
-                <a:tc>
-                  <a:txBody>
-                    <a:bodyPr/>
-                    <a:lstStyle/>
-                    <a:p>
-                      <a:r>
-                        <a:rPr lang="en-US" altLang="zh-CN" dirty="0" smtClean="0"/>
-                        <a:t>orientation</a:t>
-                      </a:r>
-                      <a:endParaRPr lang="zh-CN" altLang="en-US" dirty="0"/>
-                    </a:p>
-                  </a:txBody>
-                  <a:tcPr/>
-                </a:tc>
-                <a:tc>
-                  <a:txBody>
-                    <a:bodyPr/>
-                    <a:lstStyle/>
-                    <a:p>
-                      <a:r>
-                        <a:rPr lang="en-US" altLang="zh-CN" dirty="0" smtClean="0"/>
-                        <a:t>resolution</a:t>
-                      </a:r>
-                      <a:endParaRPr lang="zh-CN" altLang="en-US" dirty="0"/>
-                    </a:p>
-                  </a:txBody>
-                  <a:tcPr/>
-                </a:tc>
-                <a:tc>
-                  <a:txBody>
-                    <a:bodyPr/>
-                    <a:lstStyle/>
-                    <a:p>
-                      <a:endParaRPr lang="zh-CN" altLang="en-US"/>
-                    </a:p>
-                  </a:txBody>
-                  <a:tcPr/>
-                </a:tc>
-                <a:tc>
-                  <a:txBody>
-                    <a:bodyPr/>
-                    <a:lstStyle/>
-                    <a:p>
-                      <a:endParaRPr lang="zh-CN" altLang="en-US"/>
-                    </a:p>
-                  </a:txBody>
-                  <a:tcPr/>
-                </a:tc>
-              </a:tr>
-              <a:tr h="370840">
-                <a:tc>
-                  <a:txBody>
-                    <a:bodyPr/>
-                    <a:lstStyle/>
-                    <a:p>
-                      <a:r>
-                        <a:rPr lang="en-US" altLang="zh-CN" dirty="0" smtClean="0"/>
-                        <a:t>Aspect-ratio</a:t>
-                      </a:r>
-                      <a:endParaRPr lang="zh-CN" altLang="en-US" dirty="0"/>
-                    </a:p>
-                  </a:txBody>
-                  <a:tcPr/>
-                </a:tc>
-                <a:tc>
-                  <a:txBody>
-                    <a:bodyPr/>
-                    <a:lstStyle/>
-                    <a:p>
-                      <a:r>
-                        <a:rPr lang="en-US" altLang="zh-CN" dirty="0" smtClean="0"/>
-                        <a:t>scan</a:t>
-                      </a:r>
-                      <a:endParaRPr lang="zh-CN" altLang="en-US" dirty="0"/>
-                    </a:p>
-                  </a:txBody>
-                  <a:tcPr/>
-                </a:tc>
-                <a:tc>
-                  <a:txBody>
-                    <a:bodyPr/>
-                    <a:lstStyle/>
-                    <a:p>
-                      <a:endParaRPr lang="zh-CN" altLang="en-US"/>
-                    </a:p>
-                  </a:txBody>
-                  <a:tcPr/>
-                </a:tc>
-                <a:tc>
-                  <a:txBody>
-                    <a:bodyPr/>
-                    <a:lstStyle/>
-                    <a:p>
+                        <a:t>Animation-fill-mode</a:t>
+                      </a:r>
                       <a:endParaRPr lang="zh-CN" altLang="en-US" dirty="0"/>
                     </a:p>
                   </a:txBody>
@@ -4089,7 +4789,7 @@
     </p:spTree>
     <p:extLst>
       <p:ext uri="{BB962C8B-B14F-4D97-AF65-F5344CB8AC3E}">
-        <p14:creationId xmlns:p14="http://schemas.microsoft.com/office/powerpoint/2010/main" val="56872554"/>
+        <p14:creationId xmlns:p14="http://schemas.microsoft.com/office/powerpoint/2010/main" val="353744298"/>
       </p:ext>
     </p:extLst>
   </p:cSld>
@@ -4140,7 +4840,7 @@
           <a:p>
             <a:r>
               <a:rPr lang="zh-CN" altLang="en-US" dirty="0" smtClean="0"/>
-              <a:t>表格样式</a:t>
+              <a:t>列表样式</a:t>
             </a:r>
             <a:endParaRPr lang="zh-CN" altLang="en-US" dirty="0"/>
           </a:p>
@@ -4155,14 +4855,14 @@
           <p:nvPr>
             <p:extLst>
               <p:ext uri="{D42A27DB-BD31-4B8C-83A1-F6EECF244321}">
-                <p14:modId xmlns:p14="http://schemas.microsoft.com/office/powerpoint/2010/main" val="1972960347"/>
+                <p14:modId xmlns:p14="http://schemas.microsoft.com/office/powerpoint/2010/main" val="2052559158"/>
               </p:ext>
             </p:extLst>
           </p:nvPr>
         </p:nvGraphicFramePr>
         <p:xfrm>
-          <a:off x="2837911" y="2244527"/>
-          <a:ext cx="5825641" cy="2219960"/>
+          <a:off x="4183448" y="1417089"/>
+          <a:ext cx="3643196" cy="5118480"/>
         </p:xfrm>
         <a:graphic>
           <a:graphicData uri="http://schemas.openxmlformats.org/drawingml/2006/table">
@@ -4171,9 +4871,9 @@
                 <a:tableStyleId>{5C22544A-7EE6-4342-B048-85BDC9FD1C3A}</a:tableStyleId>
               </a:tblPr>
               <a:tblGrid>
-                <a:gridCol w="5825641"/>
+                <a:gridCol w="3643196"/>
               </a:tblGrid>
-              <a:tr h="0">
+              <a:tr h="568720">
                 <a:tc>
                   <a:txBody>
                     <a:bodyPr/>
@@ -4181,15 +4881,15 @@
                     <a:p>
                       <a:r>
                         <a:rPr lang="zh-CN" altLang="en-US" dirty="0" smtClean="0"/>
-                        <a:t>表格</a:t>
-                      </a:r>
-                      <a:endParaRPr lang="zh-CN" altLang="en-US" dirty="0"/>
-                    </a:p>
-                  </a:txBody>
-                  <a:tcPr/>
-                </a:tc>
-              </a:tr>
-              <a:tr h="370840">
+                        <a:t>列表</a:t>
+                      </a:r>
+                      <a:endParaRPr lang="zh-CN" altLang="en-US" dirty="0"/>
+                    </a:p>
+                  </a:txBody>
+                  <a:tcPr/>
+                </a:tc>
+              </a:tr>
+              <a:tr h="568720">
                 <a:tc>
                   <a:txBody>
                     <a:bodyPr/>
@@ -4197,15 +4897,15 @@
                     <a:p>
                       <a:r>
                         <a:rPr lang="en-US" altLang="zh-CN" dirty="0" smtClean="0"/>
-                        <a:t>Table-layout</a:t>
-                      </a:r>
-                      <a:endParaRPr lang="zh-CN" altLang="en-US" dirty="0"/>
-                    </a:p>
-                  </a:txBody>
-                  <a:tcPr/>
-                </a:tc>
-              </a:tr>
-              <a:tr h="370840">
+                        <a:t>List-style</a:t>
+                      </a:r>
+                      <a:endParaRPr lang="zh-CN" altLang="en-US" dirty="0"/>
+                    </a:p>
+                  </a:txBody>
+                  <a:tcPr/>
+                </a:tc>
+              </a:tr>
+              <a:tr h="568720">
                 <a:tc>
                   <a:txBody>
                     <a:bodyPr/>
@@ -4213,15 +4913,15 @@
                     <a:p>
                       <a:r>
                         <a:rPr lang="en-US" altLang="zh-CN" dirty="0" smtClean="0"/>
-                        <a:t>Border-collapse</a:t>
-                      </a:r>
-                      <a:endParaRPr lang="zh-CN" altLang="en-US" dirty="0"/>
-                    </a:p>
-                  </a:txBody>
-                  <a:tcPr/>
-                </a:tc>
-              </a:tr>
-              <a:tr h="370840">
+                        <a:t>List-style-image</a:t>
+                      </a:r>
+                      <a:endParaRPr lang="zh-CN" altLang="en-US" dirty="0"/>
+                    </a:p>
+                  </a:txBody>
+                  <a:tcPr/>
+                </a:tc>
+              </a:tr>
+              <a:tr h="568720">
                 <a:tc>
                   <a:txBody>
                     <a:bodyPr/>
@@ -4229,15 +4929,15 @@
                     <a:p>
                       <a:r>
                         <a:rPr lang="en-US" altLang="zh-CN" dirty="0" smtClean="0"/>
-                        <a:t>Border-spacing</a:t>
-                      </a:r>
-                      <a:endParaRPr lang="zh-CN" altLang="en-US" dirty="0"/>
-                    </a:p>
-                  </a:txBody>
-                  <a:tcPr/>
-                </a:tc>
-              </a:tr>
-              <a:tr h="370840">
+                        <a:t>List-style-position</a:t>
+                      </a:r>
+                      <a:endParaRPr lang="zh-CN" altLang="en-US" dirty="0"/>
+                    </a:p>
+                  </a:txBody>
+                  <a:tcPr/>
+                </a:tc>
+              </a:tr>
+              <a:tr h="568720">
                 <a:tc>
                   <a:txBody>
                     <a:bodyPr/>
@@ -4245,15 +4945,15 @@
                     <a:p>
                       <a:r>
                         <a:rPr lang="en-US" altLang="zh-CN" dirty="0" smtClean="0"/>
-                        <a:t>Caption-side</a:t>
-                      </a:r>
-                      <a:endParaRPr lang="zh-CN" altLang="en-US" dirty="0"/>
-                    </a:p>
-                  </a:txBody>
-                  <a:tcPr/>
-                </a:tc>
-              </a:tr>
-              <a:tr h="370840">
+                        <a:t>List-style-type</a:t>
+                      </a:r>
+                      <a:endParaRPr lang="zh-CN" altLang="en-US" dirty="0"/>
+                    </a:p>
+                  </a:txBody>
+                  <a:tcPr/>
+                </a:tc>
+              </a:tr>
+              <a:tr h="568720">
                 <a:tc>
                   <a:txBody>
                     <a:bodyPr/>
@@ -4261,8 +4961,52 @@
                     <a:p>
                       <a:r>
                         <a:rPr lang="en-US" altLang="zh-CN" dirty="0" smtClean="0"/>
-                        <a:t>Empty-cells</a:t>
-                      </a:r>
+                        <a:t>counter</a:t>
+                      </a:r>
+                      <a:endParaRPr lang="zh-CN" altLang="en-US" dirty="0"/>
+                    </a:p>
+                  </a:txBody>
+                  <a:tcPr/>
+                </a:tc>
+              </a:tr>
+              <a:tr h="568720">
+                <a:tc>
+                  <a:txBody>
+                    <a:bodyPr/>
+                    <a:lstStyle/>
+                    <a:p>
+                      <a:r>
+                        <a:rPr lang="en-US" altLang="zh-CN" dirty="0" smtClean="0"/>
+                        <a:t>Counter-increment</a:t>
+                      </a:r>
+                      <a:endParaRPr lang="zh-CN" altLang="en-US" dirty="0"/>
+                    </a:p>
+                  </a:txBody>
+                  <a:tcPr/>
+                </a:tc>
+              </a:tr>
+              <a:tr h="568720">
+                <a:tc>
+                  <a:txBody>
+                    <a:bodyPr/>
+                    <a:lstStyle/>
+                    <a:p>
+                      <a:r>
+                        <a:rPr lang="en-US" altLang="zh-CN" dirty="0" smtClean="0"/>
+                        <a:t>Counter-reset</a:t>
+                      </a:r>
+                      <a:endParaRPr lang="zh-CN" altLang="en-US" dirty="0"/>
+                    </a:p>
+                  </a:txBody>
+                  <a:tcPr/>
+                </a:tc>
+              </a:tr>
+              <a:tr h="568720">
+                <a:tc>
+                  <a:txBody>
+                    <a:bodyPr/>
+                    <a:lstStyle/>
+                    <a:p>
                       <a:endParaRPr lang="zh-CN" altLang="en-US" dirty="0"/>
                     </a:p>
                   </a:txBody>
@@ -4273,10 +5017,38 @@
           </a:graphicData>
         </a:graphic>
       </p:graphicFrame>
+      <p:sp>
+        <p:nvSpPr>
+          <p:cNvPr id="4" name="矩形 3"/>
+          <p:cNvSpPr/>
+          <p:nvPr/>
+        </p:nvSpPr>
+        <p:spPr>
+          <a:xfrm>
+            <a:off x="5734360" y="433679"/>
+            <a:ext cx="6073201" cy="369332"/>
+          </a:xfrm>
+          <a:prstGeom prst="rect">
+            <a:avLst/>
+          </a:prstGeom>
+        </p:spPr>
+        <p:txBody>
+          <a:bodyPr wrap="none">
+            <a:spAutoFit/>
+          </a:bodyPr>
+          <a:lstStyle/>
+          <a:p>
+            <a:r>
+              <a:rPr lang="zh-CN" altLang="en-US" dirty="0"/>
+              <a:t>https://developer.mozilla.org/en-US/docs/Web/CSS/Reference</a:t>
+            </a:r>
+          </a:p>
+        </p:txBody>
+      </p:sp>
     </p:spTree>
     <p:extLst>
       <p:ext uri="{BB962C8B-B14F-4D97-AF65-F5344CB8AC3E}">
-        <p14:creationId xmlns:p14="http://schemas.microsoft.com/office/powerpoint/2010/main" val="1101834969"/>
+        <p14:creationId xmlns:p14="http://schemas.microsoft.com/office/powerpoint/2010/main" val="800483779"/>
       </p:ext>
     </p:extLst>
   </p:cSld>
@@ -4326,6 +5098,722 @@
           <a:lstStyle/>
           <a:p>
             <a:r>
+              <a:rPr lang="zh-CN" altLang="en-US" dirty="0" smtClean="0"/>
+              <a:t>响应式处理 </a:t>
+            </a:r>
+            <a:r>
+              <a:rPr lang="en-US" altLang="zh-CN" dirty="0" smtClean="0"/>
+              <a:t>@media</a:t>
+            </a:r>
+            <a:endParaRPr lang="zh-CN" altLang="en-US" dirty="0"/>
+          </a:p>
+        </p:txBody>
+      </p:sp>
+      <p:graphicFrame>
+        <p:nvGraphicFramePr>
+          <p:cNvPr id="3" name="表格 2"/>
+          <p:cNvGraphicFramePr>
+            <a:graphicFrameLocks noGrp="1"/>
+          </p:cNvGraphicFramePr>
+          <p:nvPr>
+            <p:extLst>
+              <p:ext uri="{D42A27DB-BD31-4B8C-83A1-F6EECF244321}">
+                <p14:modId xmlns:p14="http://schemas.microsoft.com/office/powerpoint/2010/main" val="1823083289"/>
+              </p:ext>
+            </p:extLst>
+          </p:nvPr>
+        </p:nvGraphicFramePr>
+        <p:xfrm>
+          <a:off x="1303580" y="2161008"/>
+          <a:ext cx="8128000" cy="2595880"/>
+        </p:xfrm>
+        <a:graphic>
+          <a:graphicData uri="http://schemas.openxmlformats.org/drawingml/2006/table">
+            <a:tbl>
+              <a:tblPr firstRow="1" bandRow="1">
+                <a:tableStyleId>{5C22544A-7EE6-4342-B048-85BDC9FD1C3A}</a:tableStyleId>
+              </a:tblPr>
+              <a:tblGrid>
+                <a:gridCol w="2032000"/>
+                <a:gridCol w="2032000"/>
+                <a:gridCol w="2032000"/>
+                <a:gridCol w="2032000"/>
+              </a:tblGrid>
+              <a:tr h="370840">
+                <a:tc>
+                  <a:txBody>
+                    <a:bodyPr/>
+                    <a:lstStyle/>
+                    <a:p>
+                      <a:endParaRPr lang="zh-CN" altLang="en-US" dirty="0"/>
+                    </a:p>
+                  </a:txBody>
+                  <a:tcPr/>
+                </a:tc>
+                <a:tc>
+                  <a:txBody>
+                    <a:bodyPr/>
+                    <a:lstStyle/>
+                    <a:p>
+                      <a:endParaRPr lang="zh-CN" altLang="en-US"/>
+                    </a:p>
+                  </a:txBody>
+                  <a:tcPr/>
+                </a:tc>
+                <a:tc>
+                  <a:txBody>
+                    <a:bodyPr/>
+                    <a:lstStyle/>
+                    <a:p>
+                      <a:endParaRPr lang="zh-CN" altLang="en-US"/>
+                    </a:p>
+                  </a:txBody>
+                  <a:tcPr/>
+                </a:tc>
+                <a:tc>
+                  <a:txBody>
+                    <a:bodyPr/>
+                    <a:lstStyle/>
+                    <a:p>
+                      <a:endParaRPr lang="zh-CN" altLang="en-US"/>
+                    </a:p>
+                  </a:txBody>
+                  <a:tcPr/>
+                </a:tc>
+              </a:tr>
+              <a:tr h="370840">
+                <a:tc>
+                  <a:txBody>
+                    <a:bodyPr/>
+                    <a:lstStyle/>
+                    <a:p>
+                      <a:r>
+                        <a:rPr lang="en-US" altLang="zh-CN" dirty="0" smtClean="0"/>
+                        <a:t>width</a:t>
+                      </a:r>
+                      <a:endParaRPr lang="zh-CN" altLang="en-US" dirty="0"/>
+                    </a:p>
+                  </a:txBody>
+                  <a:tcPr/>
+                </a:tc>
+                <a:tc>
+                  <a:txBody>
+                    <a:bodyPr/>
+                    <a:lstStyle/>
+                    <a:p>
+                      <a:r>
+                        <a:rPr lang="en-US" altLang="zh-CN" dirty="0" smtClean="0"/>
+                        <a:t>Device-aspect-ratio</a:t>
+                      </a:r>
+                      <a:endParaRPr lang="zh-CN" altLang="en-US" dirty="0"/>
+                    </a:p>
+                  </a:txBody>
+                  <a:tcPr/>
+                </a:tc>
+                <a:tc>
+                  <a:txBody>
+                    <a:bodyPr/>
+                    <a:lstStyle/>
+                    <a:p>
+                      <a:r>
+                        <a:rPr lang="en-US" altLang="zh-CN" dirty="0" smtClean="0"/>
+                        <a:t>grid</a:t>
+                      </a:r>
+                      <a:endParaRPr lang="zh-CN" altLang="en-US" dirty="0"/>
+                    </a:p>
+                  </a:txBody>
+                  <a:tcPr/>
+                </a:tc>
+                <a:tc>
+                  <a:txBody>
+                    <a:bodyPr/>
+                    <a:lstStyle/>
+                    <a:p>
+                      <a:endParaRPr lang="zh-CN" altLang="en-US"/>
+                    </a:p>
+                  </a:txBody>
+                  <a:tcPr/>
+                </a:tc>
+              </a:tr>
+              <a:tr h="370840">
+                <a:tc>
+                  <a:txBody>
+                    <a:bodyPr/>
+                    <a:lstStyle/>
+                    <a:p>
+                      <a:r>
+                        <a:rPr lang="en-US" altLang="zh-CN" dirty="0" smtClean="0"/>
+                        <a:t>height</a:t>
+                      </a:r>
+                      <a:endParaRPr lang="zh-CN" altLang="en-US" dirty="0"/>
+                    </a:p>
+                  </a:txBody>
+                  <a:tcPr/>
+                </a:tc>
+                <a:tc>
+                  <a:txBody>
+                    <a:bodyPr/>
+                    <a:lstStyle/>
+                    <a:p>
+                      <a:r>
+                        <a:rPr lang="en-US" altLang="zh-CN" dirty="0" smtClean="0"/>
+                        <a:t>color</a:t>
+                      </a:r>
+                      <a:endParaRPr lang="zh-CN" altLang="en-US" dirty="0"/>
+                    </a:p>
+                  </a:txBody>
+                  <a:tcPr/>
+                </a:tc>
+                <a:tc>
+                  <a:txBody>
+                    <a:bodyPr/>
+                    <a:lstStyle/>
+                    <a:p>
+                      <a:endParaRPr lang="zh-CN" altLang="en-US"/>
+                    </a:p>
+                  </a:txBody>
+                  <a:tcPr/>
+                </a:tc>
+                <a:tc>
+                  <a:txBody>
+                    <a:bodyPr/>
+                    <a:lstStyle/>
+                    <a:p>
+                      <a:endParaRPr lang="zh-CN" altLang="en-US"/>
+                    </a:p>
+                  </a:txBody>
+                  <a:tcPr/>
+                </a:tc>
+              </a:tr>
+              <a:tr h="370840">
+                <a:tc>
+                  <a:txBody>
+                    <a:bodyPr/>
+                    <a:lstStyle/>
+                    <a:p>
+                      <a:r>
+                        <a:rPr lang="en-US" altLang="zh-CN" dirty="0" smtClean="0"/>
+                        <a:t>Device-width</a:t>
+                      </a:r>
+                      <a:endParaRPr lang="zh-CN" altLang="en-US" dirty="0"/>
+                    </a:p>
+                  </a:txBody>
+                  <a:tcPr/>
+                </a:tc>
+                <a:tc>
+                  <a:txBody>
+                    <a:bodyPr/>
+                    <a:lstStyle/>
+                    <a:p>
+                      <a:r>
+                        <a:rPr lang="en-US" altLang="zh-CN" dirty="0" smtClean="0"/>
+                        <a:t>Color-index</a:t>
+                      </a:r>
+                      <a:endParaRPr lang="zh-CN" altLang="en-US" dirty="0"/>
+                    </a:p>
+                  </a:txBody>
+                  <a:tcPr/>
+                </a:tc>
+                <a:tc>
+                  <a:txBody>
+                    <a:bodyPr/>
+                    <a:lstStyle/>
+                    <a:p>
+                      <a:endParaRPr lang="zh-CN" altLang="en-US"/>
+                    </a:p>
+                  </a:txBody>
+                  <a:tcPr/>
+                </a:tc>
+                <a:tc>
+                  <a:txBody>
+                    <a:bodyPr/>
+                    <a:lstStyle/>
+                    <a:p>
+                      <a:endParaRPr lang="zh-CN" altLang="en-US"/>
+                    </a:p>
+                  </a:txBody>
+                  <a:tcPr/>
+                </a:tc>
+              </a:tr>
+              <a:tr h="370840">
+                <a:tc>
+                  <a:txBody>
+                    <a:bodyPr/>
+                    <a:lstStyle/>
+                    <a:p>
+                      <a:r>
+                        <a:rPr lang="en-US" altLang="zh-CN" dirty="0" smtClean="0"/>
+                        <a:t>Device-height</a:t>
+                      </a:r>
+                      <a:endParaRPr lang="zh-CN" altLang="en-US" dirty="0"/>
+                    </a:p>
+                  </a:txBody>
+                  <a:tcPr/>
+                </a:tc>
+                <a:tc>
+                  <a:txBody>
+                    <a:bodyPr/>
+                    <a:lstStyle/>
+                    <a:p>
+                      <a:r>
+                        <a:rPr lang="en-US" altLang="zh-CN" dirty="0" smtClean="0"/>
+                        <a:t>monochrome</a:t>
+                      </a:r>
+                      <a:endParaRPr lang="zh-CN" altLang="en-US" dirty="0"/>
+                    </a:p>
+                  </a:txBody>
+                  <a:tcPr/>
+                </a:tc>
+                <a:tc>
+                  <a:txBody>
+                    <a:bodyPr/>
+                    <a:lstStyle/>
+                    <a:p>
+                      <a:endParaRPr lang="zh-CN" altLang="en-US"/>
+                    </a:p>
+                  </a:txBody>
+                  <a:tcPr/>
+                </a:tc>
+                <a:tc>
+                  <a:txBody>
+                    <a:bodyPr/>
+                    <a:lstStyle/>
+                    <a:p>
+                      <a:endParaRPr lang="zh-CN" altLang="en-US"/>
+                    </a:p>
+                  </a:txBody>
+                  <a:tcPr/>
+                </a:tc>
+              </a:tr>
+              <a:tr h="370840">
+                <a:tc>
+                  <a:txBody>
+                    <a:bodyPr/>
+                    <a:lstStyle/>
+                    <a:p>
+                      <a:r>
+                        <a:rPr lang="en-US" altLang="zh-CN" dirty="0" smtClean="0"/>
+                        <a:t>orientation</a:t>
+                      </a:r>
+                      <a:endParaRPr lang="zh-CN" altLang="en-US" dirty="0"/>
+                    </a:p>
+                  </a:txBody>
+                  <a:tcPr/>
+                </a:tc>
+                <a:tc>
+                  <a:txBody>
+                    <a:bodyPr/>
+                    <a:lstStyle/>
+                    <a:p>
+                      <a:r>
+                        <a:rPr lang="en-US" altLang="zh-CN" dirty="0" smtClean="0"/>
+                        <a:t>resolution</a:t>
+                      </a:r>
+                      <a:endParaRPr lang="zh-CN" altLang="en-US" dirty="0"/>
+                    </a:p>
+                  </a:txBody>
+                  <a:tcPr/>
+                </a:tc>
+                <a:tc>
+                  <a:txBody>
+                    <a:bodyPr/>
+                    <a:lstStyle/>
+                    <a:p>
+                      <a:endParaRPr lang="zh-CN" altLang="en-US"/>
+                    </a:p>
+                  </a:txBody>
+                  <a:tcPr/>
+                </a:tc>
+                <a:tc>
+                  <a:txBody>
+                    <a:bodyPr/>
+                    <a:lstStyle/>
+                    <a:p>
+                      <a:endParaRPr lang="zh-CN" altLang="en-US"/>
+                    </a:p>
+                  </a:txBody>
+                  <a:tcPr/>
+                </a:tc>
+              </a:tr>
+              <a:tr h="370840">
+                <a:tc>
+                  <a:txBody>
+                    <a:bodyPr/>
+                    <a:lstStyle/>
+                    <a:p>
+                      <a:r>
+                        <a:rPr lang="en-US" altLang="zh-CN" dirty="0" smtClean="0"/>
+                        <a:t>Aspect-ratio</a:t>
+                      </a:r>
+                      <a:endParaRPr lang="zh-CN" altLang="en-US" dirty="0"/>
+                    </a:p>
+                  </a:txBody>
+                  <a:tcPr/>
+                </a:tc>
+                <a:tc>
+                  <a:txBody>
+                    <a:bodyPr/>
+                    <a:lstStyle/>
+                    <a:p>
+                      <a:r>
+                        <a:rPr lang="en-US" altLang="zh-CN" dirty="0" smtClean="0"/>
+                        <a:t>scan</a:t>
+                      </a:r>
+                      <a:endParaRPr lang="zh-CN" altLang="en-US" dirty="0"/>
+                    </a:p>
+                  </a:txBody>
+                  <a:tcPr/>
+                </a:tc>
+                <a:tc>
+                  <a:txBody>
+                    <a:bodyPr/>
+                    <a:lstStyle/>
+                    <a:p>
+                      <a:endParaRPr lang="zh-CN" altLang="en-US"/>
+                    </a:p>
+                  </a:txBody>
+                  <a:tcPr/>
+                </a:tc>
+                <a:tc>
+                  <a:txBody>
+                    <a:bodyPr/>
+                    <a:lstStyle/>
+                    <a:p>
+                      <a:endParaRPr lang="zh-CN" altLang="en-US" dirty="0"/>
+                    </a:p>
+                  </a:txBody>
+                  <a:tcPr/>
+                </a:tc>
+              </a:tr>
+            </a:tbl>
+          </a:graphicData>
+        </a:graphic>
+      </p:graphicFrame>
+    </p:spTree>
+    <p:extLst>
+      <p:ext uri="{BB962C8B-B14F-4D97-AF65-F5344CB8AC3E}">
+        <p14:creationId xmlns:p14="http://schemas.microsoft.com/office/powerpoint/2010/main" val="56872554"/>
+      </p:ext>
+    </p:extLst>
+  </p:cSld>
+  <p:clrMapOvr>
+    <a:masterClrMapping/>
+  </p:clrMapOvr>
+  <p:timing>
+    <p:tnLst>
+      <p:par>
+        <p:cTn id="1" dur="indefinite" restart="never" nodeType="tmRoot"/>
+      </p:par>
+    </p:tnLst>
+  </p:timing>
+</p:sld>
+</file>
+
+<file path=ppt/slides/slide16.xml><?xml version="1.0" encoding="utf-8"?>
+<p:sld xmlns:a="http://schemas.openxmlformats.org/drawingml/2006/main" xmlns:r="http://schemas.openxmlformats.org/officeDocument/2006/relationships" xmlns:p="http://schemas.openxmlformats.org/presentationml/2006/main">
+  <p:cSld>
+    <p:spTree>
+      <p:nvGrpSpPr>
+        <p:cNvPr id="1" name=""/>
+        <p:cNvGrpSpPr/>
+        <p:nvPr/>
+      </p:nvGrpSpPr>
+      <p:grpSpPr>
+        <a:xfrm>
+          <a:off x="0" y="0"/>
+          <a:ext cx="0" cy="0"/>
+          <a:chOff x="0" y="0"/>
+          <a:chExt cx="0" cy="0"/>
+        </a:xfrm>
+      </p:grpSpPr>
+      <p:sp>
+        <p:nvSpPr>
+          <p:cNvPr id="2" name="标题 1"/>
+          <p:cNvSpPr>
+            <a:spLocks noGrp="1"/>
+          </p:cNvSpPr>
+          <p:nvPr>
+            <p:ph type="title"/>
+          </p:nvPr>
+        </p:nvSpPr>
+        <p:spPr/>
+        <p:txBody>
+          <a:bodyPr/>
+          <a:lstStyle/>
+          <a:p>
+            <a:r>
+              <a:rPr lang="zh-CN" altLang="en-US" dirty="0" smtClean="0"/>
+              <a:t>表格样式</a:t>
+            </a:r>
+            <a:endParaRPr lang="zh-CN" altLang="en-US" dirty="0"/>
+          </a:p>
+        </p:txBody>
+      </p:sp>
+      <p:graphicFrame>
+        <p:nvGraphicFramePr>
+          <p:cNvPr id="3" name="表格 2"/>
+          <p:cNvGraphicFramePr>
+            <a:graphicFrameLocks noGrp="1"/>
+          </p:cNvGraphicFramePr>
+          <p:nvPr>
+            <p:extLst>
+              <p:ext uri="{D42A27DB-BD31-4B8C-83A1-F6EECF244321}">
+                <p14:modId xmlns:p14="http://schemas.microsoft.com/office/powerpoint/2010/main" val="2187352355"/>
+              </p:ext>
+            </p:extLst>
+          </p:nvPr>
+        </p:nvGraphicFramePr>
+        <p:xfrm>
+          <a:off x="2837911" y="2244527"/>
+          <a:ext cx="5825642" cy="2219960"/>
+        </p:xfrm>
+        <a:graphic>
+          <a:graphicData uri="http://schemas.openxmlformats.org/drawingml/2006/table">
+            <a:tbl>
+              <a:tblPr firstRow="1" bandRow="1">
+                <a:tableStyleId>{5C22544A-7EE6-4342-B048-85BDC9FD1C3A}</a:tableStyleId>
+              </a:tblPr>
+              <a:tblGrid>
+                <a:gridCol w="2912821"/>
+                <a:gridCol w="2912821"/>
+              </a:tblGrid>
+              <a:tr h="0">
+                <a:tc>
+                  <a:txBody>
+                    <a:bodyPr/>
+                    <a:lstStyle/>
+                    <a:p>
+                      <a:r>
+                        <a:rPr lang="zh-CN" altLang="en-US" dirty="0" smtClean="0"/>
+                        <a:t>表格</a:t>
+                      </a:r>
+                      <a:endParaRPr lang="zh-CN" altLang="en-US" dirty="0"/>
+                    </a:p>
+                  </a:txBody>
+                  <a:tcPr/>
+                </a:tc>
+                <a:tc>
+                  <a:txBody>
+                    <a:bodyPr/>
+                    <a:lstStyle/>
+                    <a:p>
+                      <a:r>
+                        <a:rPr lang="zh-CN" altLang="en-US" smtClean="0"/>
+                        <a:t>值</a:t>
+                      </a:r>
+                      <a:endParaRPr lang="zh-CN" altLang="en-US" dirty="0"/>
+                    </a:p>
+                  </a:txBody>
+                  <a:tcPr/>
+                </a:tc>
+              </a:tr>
+              <a:tr h="370840">
+                <a:tc>
+                  <a:txBody>
+                    <a:bodyPr/>
+                    <a:lstStyle/>
+                    <a:p>
+                      <a:r>
+                        <a:rPr lang="en-US" altLang="zh-CN" dirty="0" smtClean="0"/>
+                        <a:t>Table-layout</a:t>
+                      </a:r>
+                      <a:endParaRPr lang="zh-CN" altLang="en-US" dirty="0"/>
+                    </a:p>
+                  </a:txBody>
+                  <a:tcPr/>
+                </a:tc>
+                <a:tc>
+                  <a:txBody>
+                    <a:bodyPr/>
+                    <a:lstStyle/>
+                    <a:p>
+                      <a:r>
+                        <a:rPr lang="en-US" altLang="zh-CN" dirty="0" smtClean="0"/>
+                        <a:t>Fixed, automatic</a:t>
+                      </a:r>
+                      <a:endParaRPr lang="zh-CN" altLang="en-US" dirty="0"/>
+                    </a:p>
+                  </a:txBody>
+                  <a:tcPr/>
+                </a:tc>
+              </a:tr>
+              <a:tr h="370840">
+                <a:tc>
+                  <a:txBody>
+                    <a:bodyPr/>
+                    <a:lstStyle/>
+                    <a:p>
+                      <a:r>
+                        <a:rPr lang="en-US" altLang="zh-CN" dirty="0" smtClean="0"/>
+                        <a:t>Border-collapse</a:t>
+                      </a:r>
+                      <a:endParaRPr lang="zh-CN" altLang="en-US" dirty="0"/>
+                    </a:p>
+                  </a:txBody>
+                  <a:tcPr/>
+                </a:tc>
+                <a:tc>
+                  <a:txBody>
+                    <a:bodyPr/>
+                    <a:lstStyle/>
+                    <a:p>
+                      <a:r>
+                        <a:rPr lang="en-US" altLang="zh-CN" dirty="0" smtClean="0"/>
+                        <a:t>Separate, collapse</a:t>
+                      </a:r>
+                      <a:endParaRPr lang="zh-CN" altLang="en-US" dirty="0"/>
+                    </a:p>
+                  </a:txBody>
+                  <a:tcPr/>
+                </a:tc>
+              </a:tr>
+              <a:tr h="370840">
+                <a:tc>
+                  <a:txBody>
+                    <a:bodyPr/>
+                    <a:lstStyle/>
+                    <a:p>
+                      <a:r>
+                        <a:rPr lang="en-US" altLang="zh-CN" dirty="0" smtClean="0"/>
+                        <a:t>Border-spacing</a:t>
+                      </a:r>
+                      <a:endParaRPr lang="zh-CN" altLang="en-US" dirty="0"/>
+                    </a:p>
+                  </a:txBody>
+                  <a:tcPr/>
+                </a:tc>
+                <a:tc>
+                  <a:txBody>
+                    <a:bodyPr/>
+                    <a:lstStyle/>
+                    <a:p>
+                      <a:r>
+                        <a:rPr lang="en-US" altLang="zh-CN" dirty="0" smtClean="0"/>
+                        <a:t>size</a:t>
+                      </a:r>
+                      <a:endParaRPr lang="zh-CN" altLang="en-US" dirty="0"/>
+                    </a:p>
+                  </a:txBody>
+                  <a:tcPr/>
+                </a:tc>
+              </a:tr>
+              <a:tr h="370840">
+                <a:tc>
+                  <a:txBody>
+                    <a:bodyPr/>
+                    <a:lstStyle/>
+                    <a:p>
+                      <a:r>
+                        <a:rPr lang="en-US" altLang="zh-CN" dirty="0" smtClean="0"/>
+                        <a:t>Caption-side</a:t>
+                      </a:r>
+                      <a:endParaRPr lang="zh-CN" altLang="en-US" dirty="0"/>
+                    </a:p>
+                  </a:txBody>
+                  <a:tcPr/>
+                </a:tc>
+                <a:tc>
+                  <a:txBody>
+                    <a:bodyPr/>
+                    <a:lstStyle/>
+                    <a:p>
+                      <a:r>
+                        <a:rPr lang="en-US" altLang="zh-CN" dirty="0" smtClean="0"/>
+                        <a:t>Top, bottom</a:t>
+                      </a:r>
+                      <a:endParaRPr lang="zh-CN" altLang="en-US" dirty="0"/>
+                    </a:p>
+                  </a:txBody>
+                  <a:tcPr/>
+                </a:tc>
+              </a:tr>
+              <a:tr h="370840">
+                <a:tc>
+                  <a:txBody>
+                    <a:bodyPr/>
+                    <a:lstStyle/>
+                    <a:p>
+                      <a:r>
+                        <a:rPr lang="en-US" altLang="zh-CN" dirty="0" smtClean="0"/>
+                        <a:t>Empty-cells</a:t>
+                      </a:r>
+                      <a:endParaRPr lang="zh-CN" altLang="en-US" dirty="0"/>
+                    </a:p>
+                  </a:txBody>
+                  <a:tcPr/>
+                </a:tc>
+                <a:tc>
+                  <a:txBody>
+                    <a:bodyPr/>
+                    <a:lstStyle/>
+                    <a:p>
+                      <a:r>
+                        <a:rPr lang="en-US" altLang="zh-CN" dirty="0" smtClean="0"/>
+                        <a:t>Hide, show</a:t>
+                      </a:r>
+                      <a:endParaRPr lang="zh-CN" altLang="en-US" dirty="0"/>
+                    </a:p>
+                  </a:txBody>
+                  <a:tcPr/>
+                </a:tc>
+              </a:tr>
+            </a:tbl>
+          </a:graphicData>
+        </a:graphic>
+      </p:graphicFrame>
+    </p:spTree>
+    <p:extLst>
+      <p:ext uri="{BB962C8B-B14F-4D97-AF65-F5344CB8AC3E}">
+        <p14:creationId xmlns:p14="http://schemas.microsoft.com/office/powerpoint/2010/main" val="1101834969"/>
+      </p:ext>
+    </p:extLst>
+  </p:cSld>
+  <p:clrMapOvr>
+    <a:masterClrMapping/>
+  </p:clrMapOvr>
+  <p:timing>
+    <p:tnLst>
+      <p:par>
+        <p:cTn id="1" dur="indefinite" restart="never" nodeType="tmRoot"/>
+      </p:par>
+    </p:tnLst>
+  </p:timing>
+</p:sld>
+</file>
+
+<file path=ppt/slides/slide17.xml><?xml version="1.0" encoding="utf-8"?>
+<p:sld xmlns:a="http://schemas.openxmlformats.org/drawingml/2006/main" xmlns:r="http://schemas.openxmlformats.org/officeDocument/2006/relationships" xmlns:p="http://schemas.openxmlformats.org/presentationml/2006/main">
+  <p:cSld>
+    <p:spTree>
+      <p:nvGrpSpPr>
+        <p:cNvPr id="1" name=""/>
+        <p:cNvGrpSpPr/>
+        <p:nvPr/>
+      </p:nvGrpSpPr>
+      <p:grpSpPr>
+        <a:xfrm>
+          <a:off x="0" y="0"/>
+          <a:ext cx="0" cy="0"/>
+          <a:chOff x="0" y="0"/>
+          <a:chExt cx="0" cy="0"/>
+        </a:xfrm>
+      </p:grpSpPr>
+      <p:sp>
+        <p:nvSpPr>
+          <p:cNvPr id="2" name="标题 1"/>
+          <p:cNvSpPr>
+            <a:spLocks noGrp="1"/>
+          </p:cNvSpPr>
+          <p:nvPr>
+            <p:ph type="title"/>
+          </p:nvPr>
+        </p:nvSpPr>
+        <p:spPr/>
+        <p:txBody>
+          <a:bodyPr/>
+          <a:lstStyle/>
+          <a:p>
+            <a:r>
               <a:rPr lang="zh-CN" altLang="en-US" dirty="0"/>
               <a:t>继承</a:t>
             </a:r>
@@ -4706,7 +6194,7 @@
 </p:sld>
 </file>
 
-<file path=ppt/slides/slide16.xml><?xml version="1.0" encoding="utf-8"?>
+<file path=ppt/slides/slide18.xml><?xml version="1.0" encoding="utf-8"?>
 <p:sld xmlns:a="http://schemas.openxmlformats.org/drawingml/2006/main" xmlns:r="http://schemas.openxmlformats.org/officeDocument/2006/relationships" xmlns:p="http://schemas.openxmlformats.org/presentationml/2006/main">
   <p:cSld>
     <p:spTree>
@@ -6175,6 +7663,95 @@
           <a:lstStyle/>
           <a:p>
             <a:r>
+              <a:rPr lang="zh-CN" altLang="en-US" dirty="0"/>
+              <a:t>语法</a:t>
+            </a:r>
+          </a:p>
+        </p:txBody>
+      </p:sp>
+      <p:pic>
+        <p:nvPicPr>
+          <p:cNvPr id="3" name="图片 2"/>
+          <p:cNvPicPr>
+            <a:picLocks noChangeAspect="1"/>
+          </p:cNvPicPr>
+          <p:nvPr/>
+        </p:nvPicPr>
+        <p:blipFill>
+          <a:blip r:embed="rId2">
+            <a:extLst>
+              <a:ext uri="{28A0092B-C50C-407E-A947-70E740481C1C}">
+                <a14:useLocalDpi xmlns:a14="http://schemas.microsoft.com/office/drawing/2010/main" val="0"/>
+              </a:ext>
+            </a:extLst>
+          </a:blip>
+          <a:stretch>
+            <a:fillRect/>
+          </a:stretch>
+        </p:blipFill>
+        <p:spPr>
+          <a:xfrm>
+            <a:off x="2409550" y="2712136"/>
+            <a:ext cx="7653079" cy="1600556"/>
+          </a:xfrm>
+          <a:prstGeom prst="rect">
+            <a:avLst/>
+          </a:prstGeom>
+        </p:spPr>
+      </p:pic>
+    </p:spTree>
+    <p:extLst>
+      <p:ext uri="{BB962C8B-B14F-4D97-AF65-F5344CB8AC3E}">
+        <p14:creationId xmlns:p14="http://schemas.microsoft.com/office/powerpoint/2010/main" val="1222654598"/>
+      </p:ext>
+    </p:extLst>
+  </p:cSld>
+  <p:clrMapOvr>
+    <a:masterClrMapping/>
+  </p:clrMapOvr>
+  <p:timing>
+    <p:tnLst>
+      <p:par>
+        <p:cTn id="1" dur="indefinite" restart="never" nodeType="tmRoot"/>
+      </p:par>
+    </p:tnLst>
+  </p:timing>
+</p:sld>
+</file>
+
+<file path=ppt/slides/slide5.xml><?xml version="1.0" encoding="utf-8"?>
+<p:sld xmlns:a="http://schemas.openxmlformats.org/drawingml/2006/main" xmlns:r="http://schemas.openxmlformats.org/officeDocument/2006/relationships" xmlns:p="http://schemas.openxmlformats.org/presentationml/2006/main">
+  <p:cSld>
+    <p:spTree>
+      <p:nvGrpSpPr>
+        <p:cNvPr id="1" name=""/>
+        <p:cNvGrpSpPr/>
+        <p:nvPr/>
+      </p:nvGrpSpPr>
+      <p:grpSpPr>
+        <a:xfrm>
+          <a:off x="0" y="0"/>
+          <a:ext cx="0" cy="0"/>
+          <a:chOff x="0" y="0"/>
+          <a:chExt cx="0" cy="0"/>
+        </a:xfrm>
+      </p:grpSpPr>
+      <p:sp>
+        <p:nvSpPr>
+          <p:cNvPr id="2" name="标题 1"/>
+          <p:cNvSpPr>
+            <a:spLocks noGrp="1"/>
+          </p:cNvSpPr>
+          <p:nvPr>
+            <p:ph type="title"/>
+          </p:nvPr>
+        </p:nvSpPr>
+        <p:spPr/>
+        <p:txBody>
+          <a:bodyPr/>
+          <a:lstStyle/>
+          <a:p>
+            <a:r>
               <a:rPr lang="zh-CN" altLang="en-US" dirty="0" smtClean="0"/>
               <a:t>盒子模型</a:t>
             </a:r>
@@ -6205,8 +7782,8 @@
         </p:blipFill>
         <p:spPr bwMode="auto">
           <a:xfrm>
-            <a:off x="5259838" y="1514924"/>
-            <a:ext cx="5238750" cy="3667126"/>
+            <a:off x="4802722" y="1167618"/>
+            <a:ext cx="6730476" cy="4711335"/>
           </a:xfrm>
           <a:prstGeom prst="rect">
             <a:avLst/>
@@ -6559,830 +8136,6 @@
 </p:sld>
 </file>
 
-<file path=ppt/slides/slide5.xml><?xml version="1.0" encoding="utf-8"?>
-<p:sld xmlns:a="http://schemas.openxmlformats.org/drawingml/2006/main" xmlns:r="http://schemas.openxmlformats.org/officeDocument/2006/relationships" xmlns:p="http://schemas.openxmlformats.org/presentationml/2006/main">
-  <p:cSld>
-    <p:spTree>
-      <p:nvGrpSpPr>
-        <p:cNvPr id="1" name=""/>
-        <p:cNvGrpSpPr/>
-        <p:nvPr/>
-      </p:nvGrpSpPr>
-      <p:grpSpPr>
-        <a:xfrm>
-          <a:off x="0" y="0"/>
-          <a:ext cx="0" cy="0"/>
-          <a:chOff x="0" y="0"/>
-          <a:chExt cx="0" cy="0"/>
-        </a:xfrm>
-      </p:grpSpPr>
-      <p:sp>
-        <p:nvSpPr>
-          <p:cNvPr id="2" name="标题 1"/>
-          <p:cNvSpPr>
-            <a:spLocks noGrp="1"/>
-          </p:cNvSpPr>
-          <p:nvPr>
-            <p:ph type="title"/>
-          </p:nvPr>
-        </p:nvSpPr>
-        <p:spPr/>
-        <p:txBody>
-          <a:bodyPr/>
-          <a:lstStyle/>
-          <a:p>
-            <a:r>
-              <a:rPr lang="zh-CN" altLang="en-US" dirty="0" smtClean="0"/>
-              <a:t>选择器</a:t>
-            </a:r>
-            <a:endParaRPr lang="zh-CN" altLang="en-US" dirty="0"/>
-          </a:p>
-        </p:txBody>
-      </p:sp>
-      <p:sp>
-        <p:nvSpPr>
-          <p:cNvPr id="3" name="矩形 2"/>
-          <p:cNvSpPr/>
-          <p:nvPr/>
-        </p:nvSpPr>
-        <p:spPr>
-          <a:xfrm>
-            <a:off x="760311" y="1757570"/>
-            <a:ext cx="1338828" cy="369332"/>
-          </a:xfrm>
-          <a:prstGeom prst="rect">
-            <a:avLst/>
-          </a:prstGeom>
-        </p:spPr>
-        <p:txBody>
-          <a:bodyPr wrap="none">
-            <a:spAutoFit/>
-          </a:bodyPr>
-          <a:lstStyle/>
-          <a:p>
-            <a:r>
-              <a:rPr lang="zh-CN" altLang="en-US" dirty="0" smtClean="0">
-                <a:solidFill>
-                  <a:srgbClr val="4D4E53"/>
-                </a:solidFill>
-                <a:latin typeface="Open Sans"/>
-              </a:rPr>
-              <a:t>基本选择器</a:t>
-            </a:r>
-            <a:endParaRPr lang="zh-CN" altLang="en-US" dirty="0"/>
-          </a:p>
-        </p:txBody>
-      </p:sp>
-      <p:sp>
-        <p:nvSpPr>
-          <p:cNvPr id="4" name="矩形 3"/>
-          <p:cNvSpPr/>
-          <p:nvPr/>
-        </p:nvSpPr>
-        <p:spPr>
-          <a:xfrm>
-            <a:off x="3981209" y="1727283"/>
-            <a:ext cx="1338828" cy="369332"/>
-          </a:xfrm>
-          <a:prstGeom prst="rect">
-            <a:avLst/>
-          </a:prstGeom>
-        </p:spPr>
-        <p:txBody>
-          <a:bodyPr wrap="none">
-            <a:spAutoFit/>
-          </a:bodyPr>
-          <a:lstStyle/>
-          <a:p>
-            <a:r>
-              <a:rPr lang="zh-CN" altLang="en-US" dirty="0" smtClean="0">
-                <a:solidFill>
-                  <a:srgbClr val="4D4E53"/>
-                </a:solidFill>
-                <a:latin typeface="Open Sans"/>
-              </a:rPr>
-              <a:t>组合选择器</a:t>
-            </a:r>
-            <a:endParaRPr lang="zh-CN" altLang="en-US" dirty="0"/>
-          </a:p>
-        </p:txBody>
-      </p:sp>
-      <p:sp>
-        <p:nvSpPr>
-          <p:cNvPr id="5" name="矩形 4"/>
-          <p:cNvSpPr/>
-          <p:nvPr/>
-        </p:nvSpPr>
-        <p:spPr>
-          <a:xfrm>
-            <a:off x="7381461" y="1757570"/>
-            <a:ext cx="877163" cy="369332"/>
-          </a:xfrm>
-          <a:prstGeom prst="rect">
-            <a:avLst/>
-          </a:prstGeom>
-        </p:spPr>
-        <p:txBody>
-          <a:bodyPr wrap="none">
-            <a:spAutoFit/>
-          </a:bodyPr>
-          <a:lstStyle/>
-          <a:p>
-            <a:r>
-              <a:rPr lang="zh-CN" altLang="en-US" dirty="0">
-                <a:solidFill>
-                  <a:srgbClr val="4D4E53"/>
-                </a:solidFill>
-                <a:latin typeface="Open Sans"/>
-              </a:rPr>
-              <a:t>伪元素</a:t>
-            </a:r>
-          </a:p>
-        </p:txBody>
-      </p:sp>
-      <p:sp>
-        <p:nvSpPr>
-          <p:cNvPr id="6" name="矩形 5"/>
-          <p:cNvSpPr/>
-          <p:nvPr/>
-        </p:nvSpPr>
-        <p:spPr>
-          <a:xfrm>
-            <a:off x="10547367" y="249013"/>
-            <a:ext cx="646331" cy="369332"/>
-          </a:xfrm>
-          <a:prstGeom prst="rect">
-            <a:avLst/>
-          </a:prstGeom>
-        </p:spPr>
-        <p:txBody>
-          <a:bodyPr wrap="none">
-            <a:spAutoFit/>
-          </a:bodyPr>
-          <a:lstStyle/>
-          <a:p>
-            <a:r>
-              <a:rPr lang="zh-CN" altLang="en-US" dirty="0">
-                <a:solidFill>
-                  <a:srgbClr val="4D4E53"/>
-                </a:solidFill>
-                <a:latin typeface="Open Sans"/>
-              </a:rPr>
-              <a:t>伪类</a:t>
-            </a:r>
-          </a:p>
-        </p:txBody>
-      </p:sp>
-      <p:sp>
-        <p:nvSpPr>
-          <p:cNvPr id="7" name="矩形 6"/>
-          <p:cNvSpPr/>
-          <p:nvPr/>
-        </p:nvSpPr>
-        <p:spPr>
-          <a:xfrm>
-            <a:off x="170841" y="2716854"/>
-            <a:ext cx="2517768" cy="1938992"/>
-          </a:xfrm>
-          <a:prstGeom prst="rect">
-            <a:avLst/>
-          </a:prstGeom>
-        </p:spPr>
-        <p:style>
-          <a:lnRef idx="2">
-            <a:schemeClr val="dk1">
-              <a:shade val="50000"/>
-            </a:schemeClr>
-          </a:lnRef>
-          <a:fillRef idx="1">
-            <a:schemeClr val="dk1"/>
-          </a:fillRef>
-          <a:effectRef idx="0">
-            <a:schemeClr val="dk1"/>
-          </a:effectRef>
-          <a:fontRef idx="minor">
-            <a:schemeClr val="lt1"/>
-          </a:fontRef>
-        </p:style>
-        <p:txBody>
-          <a:bodyPr wrap="square">
-            <a:spAutoFit/>
-          </a:bodyPr>
-          <a:lstStyle/>
-          <a:p>
-            <a:pPr>
-              <a:lnSpc>
-                <a:spcPct val="150000"/>
-              </a:lnSpc>
-            </a:pPr>
-            <a:r>
-              <a:rPr lang="zh-CN" altLang="en-US" sz="1600" dirty="0"/>
-              <a:t>元素选择器 </a:t>
-            </a:r>
-            <a:r>
-              <a:rPr lang="en-US" altLang="zh-CN" sz="1600" dirty="0" smtClean="0"/>
-              <a:t>: </a:t>
-            </a:r>
-            <a:r>
-              <a:rPr lang="zh-CN" altLang="en-US" sz="1600" dirty="0" smtClean="0"/>
-              <a:t>标签名称</a:t>
-            </a:r>
-            <a:endParaRPr lang="zh-CN" altLang="en-US" sz="1600" dirty="0"/>
-          </a:p>
-          <a:p>
-            <a:pPr>
-              <a:lnSpc>
-                <a:spcPct val="150000"/>
-              </a:lnSpc>
-            </a:pPr>
-            <a:r>
-              <a:rPr lang="zh-CN" altLang="en-US" sz="1600" dirty="0"/>
-              <a:t>类选择</a:t>
-            </a:r>
-            <a:r>
-              <a:rPr lang="zh-CN" altLang="en-US" sz="1600" dirty="0" smtClean="0"/>
-              <a:t>器</a:t>
-            </a:r>
-            <a:r>
-              <a:rPr lang="en-US" altLang="zh-CN" sz="1600" dirty="0" smtClean="0"/>
-              <a:t>: </a:t>
-            </a:r>
-            <a:r>
-              <a:rPr lang="zh-CN" altLang="en-US" sz="1600" dirty="0" smtClean="0"/>
-              <a:t> </a:t>
-            </a:r>
-            <a:r>
-              <a:rPr lang="zh-CN" altLang="en-US" sz="1600" dirty="0"/>
-              <a:t>.classname</a:t>
-            </a:r>
-          </a:p>
-          <a:p>
-            <a:pPr>
-              <a:lnSpc>
-                <a:spcPct val="150000"/>
-              </a:lnSpc>
-            </a:pPr>
-            <a:r>
-              <a:rPr lang="zh-CN" altLang="en-US" sz="1600" dirty="0"/>
-              <a:t>ID选择</a:t>
-            </a:r>
-            <a:r>
-              <a:rPr lang="zh-CN" altLang="en-US" sz="1600" dirty="0" smtClean="0"/>
-              <a:t>器</a:t>
-            </a:r>
-            <a:r>
-              <a:rPr lang="en-US" altLang="zh-CN" sz="1600" dirty="0" smtClean="0"/>
-              <a:t>: </a:t>
-            </a:r>
-            <a:r>
-              <a:rPr lang="zh-CN" altLang="en-US" sz="1600" dirty="0" smtClean="0"/>
-              <a:t> </a:t>
-            </a:r>
-            <a:r>
-              <a:rPr lang="zh-CN" altLang="en-US" sz="1600" dirty="0"/>
-              <a:t>#idname</a:t>
-            </a:r>
-          </a:p>
-          <a:p>
-            <a:pPr>
-              <a:lnSpc>
-                <a:spcPct val="150000"/>
-              </a:lnSpc>
-            </a:pPr>
-            <a:r>
-              <a:rPr lang="zh-CN" altLang="en-US" sz="1600" dirty="0"/>
-              <a:t>通配选择</a:t>
-            </a:r>
-            <a:r>
-              <a:rPr lang="zh-CN" altLang="en-US" sz="1600" dirty="0" smtClean="0"/>
-              <a:t>器</a:t>
-            </a:r>
-            <a:r>
-              <a:rPr lang="en-US" altLang="zh-CN" sz="1600" dirty="0" smtClean="0"/>
-              <a:t>: </a:t>
-            </a:r>
-            <a:r>
-              <a:rPr lang="zh-CN" altLang="en-US" sz="1600" dirty="0" smtClean="0"/>
-              <a:t> </a:t>
-            </a:r>
-            <a:r>
-              <a:rPr lang="zh-CN" altLang="en-US" sz="1600" dirty="0"/>
-              <a:t>* ns|* *|*</a:t>
-            </a:r>
-          </a:p>
-          <a:p>
-            <a:pPr>
-              <a:lnSpc>
-                <a:spcPct val="150000"/>
-              </a:lnSpc>
-            </a:pPr>
-            <a:r>
-              <a:rPr lang="zh-CN" altLang="en-US" sz="1600" dirty="0"/>
-              <a:t>属性选择</a:t>
-            </a:r>
-            <a:r>
-              <a:rPr lang="zh-CN" altLang="en-US" sz="1600" dirty="0" smtClean="0"/>
-              <a:t>器</a:t>
-            </a:r>
-            <a:r>
-              <a:rPr lang="en-US" altLang="zh-CN" sz="1600" dirty="0" smtClean="0"/>
-              <a:t>: </a:t>
-            </a:r>
-            <a:r>
-              <a:rPr lang="zh-CN" altLang="en-US" sz="1600" dirty="0" smtClean="0"/>
-              <a:t> </a:t>
-            </a:r>
-            <a:r>
-              <a:rPr lang="zh-CN" altLang="en-US" sz="1600" dirty="0"/>
-              <a:t>[attr=value]</a:t>
-            </a:r>
-          </a:p>
-        </p:txBody>
-      </p:sp>
-      <p:sp>
-        <p:nvSpPr>
-          <p:cNvPr id="8" name="矩形 7"/>
-          <p:cNvSpPr/>
-          <p:nvPr/>
-        </p:nvSpPr>
-        <p:spPr>
-          <a:xfrm>
-            <a:off x="3432349" y="2716854"/>
-            <a:ext cx="2561230" cy="1569660"/>
-          </a:xfrm>
-          <a:prstGeom prst="rect">
-            <a:avLst/>
-          </a:prstGeom>
-        </p:spPr>
-        <p:style>
-          <a:lnRef idx="2">
-            <a:schemeClr val="dk1">
-              <a:shade val="50000"/>
-            </a:schemeClr>
-          </a:lnRef>
-          <a:fillRef idx="1">
-            <a:schemeClr val="dk1"/>
-          </a:fillRef>
-          <a:effectRef idx="0">
-            <a:schemeClr val="dk1"/>
-          </a:effectRef>
-          <a:fontRef idx="minor">
-            <a:schemeClr val="lt1"/>
-          </a:fontRef>
-        </p:style>
-        <p:txBody>
-          <a:bodyPr wrap="square">
-            <a:spAutoFit/>
-          </a:bodyPr>
-          <a:lstStyle/>
-          <a:p>
-            <a:pPr>
-              <a:lnSpc>
-                <a:spcPct val="150000"/>
-              </a:lnSpc>
-            </a:pPr>
-            <a:r>
-              <a:rPr lang="zh-CN" altLang="en-US" sz="1600" dirty="0"/>
-              <a:t>相邻兄弟选择</a:t>
-            </a:r>
-            <a:r>
-              <a:rPr lang="zh-CN" altLang="en-US" sz="1600" dirty="0" smtClean="0"/>
-              <a:t>器</a:t>
-            </a:r>
-            <a:r>
-              <a:rPr lang="en-US" altLang="zh-CN" sz="1600" dirty="0" smtClean="0"/>
-              <a:t>:</a:t>
-            </a:r>
-            <a:r>
-              <a:rPr lang="zh-CN" altLang="en-US" sz="1600" dirty="0" smtClean="0"/>
-              <a:t> </a:t>
-            </a:r>
-            <a:r>
-              <a:rPr lang="zh-CN" altLang="en-US" sz="1600" dirty="0"/>
-              <a:t>A + B</a:t>
-            </a:r>
-          </a:p>
-          <a:p>
-            <a:pPr>
-              <a:lnSpc>
-                <a:spcPct val="150000"/>
-              </a:lnSpc>
-            </a:pPr>
-            <a:r>
-              <a:rPr lang="zh-CN" altLang="en-US" sz="1600" dirty="0"/>
-              <a:t>通用兄弟选择</a:t>
-            </a:r>
-            <a:r>
-              <a:rPr lang="zh-CN" altLang="en-US" sz="1600" dirty="0" smtClean="0"/>
-              <a:t>器</a:t>
-            </a:r>
-            <a:r>
-              <a:rPr lang="en-US" altLang="zh-CN" sz="1600" dirty="0" smtClean="0"/>
-              <a:t>:</a:t>
-            </a:r>
-            <a:r>
-              <a:rPr lang="zh-CN" altLang="en-US" sz="1600" dirty="0" smtClean="0"/>
-              <a:t> </a:t>
-            </a:r>
-            <a:r>
-              <a:rPr lang="zh-CN" altLang="en-US" sz="1600" dirty="0"/>
-              <a:t>A ~ B</a:t>
-            </a:r>
-          </a:p>
-          <a:p>
-            <a:pPr>
-              <a:lnSpc>
-                <a:spcPct val="150000"/>
-              </a:lnSpc>
-            </a:pPr>
-            <a:r>
-              <a:rPr lang="zh-CN" altLang="en-US" sz="1600" dirty="0"/>
-              <a:t>子选择</a:t>
-            </a:r>
-            <a:r>
-              <a:rPr lang="zh-CN" altLang="en-US" sz="1600" dirty="0" smtClean="0"/>
-              <a:t>器</a:t>
-            </a:r>
-            <a:r>
-              <a:rPr lang="en-US" altLang="zh-CN" sz="1600" dirty="0" smtClean="0"/>
-              <a:t>: </a:t>
-            </a:r>
-            <a:r>
-              <a:rPr lang="zh-CN" altLang="en-US" sz="1600" dirty="0" smtClean="0"/>
-              <a:t> </a:t>
-            </a:r>
-            <a:r>
-              <a:rPr lang="zh-CN" altLang="en-US" sz="1600" dirty="0"/>
-              <a:t>A &gt; B</a:t>
-            </a:r>
-          </a:p>
-          <a:p>
-            <a:pPr>
-              <a:lnSpc>
-                <a:spcPct val="150000"/>
-              </a:lnSpc>
-            </a:pPr>
-            <a:r>
-              <a:rPr lang="zh-CN" altLang="en-US" sz="1600" dirty="0"/>
-              <a:t>后代选择</a:t>
-            </a:r>
-            <a:r>
-              <a:rPr lang="zh-CN" altLang="en-US" sz="1600" dirty="0" smtClean="0"/>
-              <a:t>器</a:t>
-            </a:r>
-            <a:r>
-              <a:rPr lang="en-US" altLang="zh-CN" sz="1600" dirty="0" smtClean="0"/>
-              <a:t>: </a:t>
-            </a:r>
-            <a:r>
-              <a:rPr lang="zh-CN" altLang="en-US" sz="1600" dirty="0" smtClean="0"/>
-              <a:t> </a:t>
-            </a:r>
-            <a:r>
-              <a:rPr lang="zh-CN" altLang="en-US" sz="1600" dirty="0"/>
-              <a:t>A B</a:t>
-            </a:r>
-          </a:p>
-        </p:txBody>
-      </p:sp>
-      <p:sp>
-        <p:nvSpPr>
-          <p:cNvPr id="9" name="矩形 8"/>
-          <p:cNvSpPr/>
-          <p:nvPr/>
-        </p:nvSpPr>
-        <p:spPr>
-          <a:xfrm>
-            <a:off x="6737320" y="2717804"/>
-            <a:ext cx="2165446" cy="2585323"/>
-          </a:xfrm>
-          <a:prstGeom prst="rect">
-            <a:avLst/>
-          </a:prstGeom>
-        </p:spPr>
-        <p:style>
-          <a:lnRef idx="2">
-            <a:schemeClr val="dk1">
-              <a:shade val="50000"/>
-            </a:schemeClr>
-          </a:lnRef>
-          <a:fillRef idx="1">
-            <a:schemeClr val="dk1"/>
-          </a:fillRef>
-          <a:effectRef idx="0">
-            <a:schemeClr val="dk1"/>
-          </a:effectRef>
-          <a:fontRef idx="minor">
-            <a:schemeClr val="lt1"/>
-          </a:fontRef>
-        </p:style>
-        <p:txBody>
-          <a:bodyPr wrap="square">
-            <a:spAutoFit/>
-          </a:bodyPr>
-          <a:lstStyle/>
-          <a:p>
-            <a:pPr>
-              <a:lnSpc>
-                <a:spcPct val="150000"/>
-              </a:lnSpc>
-            </a:pPr>
-            <a:r>
-              <a:rPr lang="zh-CN" altLang="en-US" dirty="0"/>
-              <a:t>::after</a:t>
-            </a:r>
-          </a:p>
-          <a:p>
-            <a:pPr>
-              <a:lnSpc>
-                <a:spcPct val="150000"/>
-              </a:lnSpc>
-            </a:pPr>
-            <a:r>
-              <a:rPr lang="zh-CN" altLang="en-US" dirty="0"/>
-              <a:t>::before</a:t>
-            </a:r>
-          </a:p>
-          <a:p>
-            <a:pPr>
-              <a:lnSpc>
-                <a:spcPct val="150000"/>
-              </a:lnSpc>
-            </a:pPr>
-            <a:r>
-              <a:rPr lang="zh-CN" altLang="en-US" dirty="0"/>
-              <a:t>::first-letter</a:t>
-            </a:r>
-          </a:p>
-          <a:p>
-            <a:pPr>
-              <a:lnSpc>
-                <a:spcPct val="150000"/>
-              </a:lnSpc>
-            </a:pPr>
-            <a:r>
-              <a:rPr lang="zh-CN" altLang="en-US" dirty="0"/>
-              <a:t>::first-line</a:t>
-            </a:r>
-          </a:p>
-          <a:p>
-            <a:pPr>
-              <a:lnSpc>
-                <a:spcPct val="150000"/>
-              </a:lnSpc>
-            </a:pPr>
-            <a:r>
-              <a:rPr lang="zh-CN" altLang="en-US" dirty="0"/>
-              <a:t>::selection</a:t>
-            </a:r>
-          </a:p>
-          <a:p>
-            <a:pPr>
-              <a:lnSpc>
-                <a:spcPct val="150000"/>
-              </a:lnSpc>
-            </a:pPr>
-            <a:r>
-              <a:rPr lang="zh-CN" altLang="en-US" dirty="0"/>
-              <a:t>::backdrop</a:t>
-            </a:r>
-          </a:p>
-        </p:txBody>
-      </p:sp>
-      <p:sp>
-        <p:nvSpPr>
-          <p:cNvPr id="10" name="文本框 9"/>
-          <p:cNvSpPr txBox="1"/>
-          <p:nvPr/>
-        </p:nvSpPr>
-        <p:spPr>
-          <a:xfrm>
-            <a:off x="9982822" y="892981"/>
-            <a:ext cx="1775422" cy="5509200"/>
-          </a:xfrm>
-          <a:prstGeom prst="rect">
-            <a:avLst/>
-          </a:prstGeom>
-        </p:spPr>
-        <p:style>
-          <a:lnRef idx="2">
-            <a:schemeClr val="dk1">
-              <a:shade val="50000"/>
-            </a:schemeClr>
-          </a:lnRef>
-          <a:fillRef idx="1">
-            <a:schemeClr val="dk1"/>
-          </a:fillRef>
-          <a:effectRef idx="0">
-            <a:schemeClr val="dk1"/>
-          </a:effectRef>
-          <a:fontRef idx="minor">
-            <a:schemeClr val="lt1"/>
-          </a:fontRef>
-        </p:style>
-        <p:txBody>
-          <a:bodyPr wrap="none" rtlCol="0">
-            <a:spAutoFit/>
-          </a:bodyPr>
-          <a:lstStyle/>
-          <a:p>
-            <a:r>
-              <a:rPr lang="en-US" altLang="zh-CN" sz="1600" dirty="0" smtClean="0"/>
-              <a:t>:root</a:t>
-            </a:r>
-          </a:p>
-          <a:p>
-            <a:r>
-              <a:rPr lang="en-US" altLang="zh-CN" sz="1600" dirty="0" smtClean="0"/>
-              <a:t>:nth-child(n)</a:t>
-            </a:r>
-          </a:p>
-          <a:p>
-            <a:r>
-              <a:rPr lang="en-US" altLang="zh-CN" sz="1600" dirty="0" smtClean="0"/>
-              <a:t>:nth-last-child(n)</a:t>
-            </a:r>
-          </a:p>
-          <a:p>
-            <a:r>
-              <a:rPr lang="en-US" altLang="zh-CN" sz="1600" dirty="0" smtClean="0"/>
-              <a:t>:nth-of-type(n)</a:t>
-            </a:r>
-          </a:p>
-          <a:p>
-            <a:r>
-              <a:rPr lang="en-US" altLang="zh-CN" sz="1600" dirty="0" smtClean="0"/>
-              <a:t>:nth-last-of-type(n)</a:t>
-            </a:r>
-          </a:p>
-          <a:p>
-            <a:r>
-              <a:rPr lang="en-US" altLang="zh-CN" sz="1600" dirty="0" smtClean="0"/>
-              <a:t>:first-child</a:t>
-            </a:r>
-          </a:p>
-          <a:p>
-            <a:r>
-              <a:rPr lang="en-US" altLang="zh-CN" sz="1600" dirty="0" smtClean="0"/>
-              <a:t>:last-child</a:t>
-            </a:r>
-          </a:p>
-          <a:p>
-            <a:r>
-              <a:rPr lang="en-US" altLang="zh-CN" sz="1600" dirty="0" smtClean="0"/>
-              <a:t>:first-of-type</a:t>
-            </a:r>
-          </a:p>
-          <a:p>
-            <a:r>
-              <a:rPr lang="en-US" altLang="zh-CN" sz="1600" dirty="0" smtClean="0"/>
-              <a:t>:last-of-type</a:t>
-            </a:r>
-          </a:p>
-          <a:p>
-            <a:r>
-              <a:rPr lang="en-US" altLang="zh-CN" sz="1600" dirty="0" smtClean="0"/>
-              <a:t>:only-child</a:t>
-            </a:r>
-          </a:p>
-          <a:p>
-            <a:r>
-              <a:rPr lang="en-US" altLang="zh-CN" sz="1600" dirty="0" smtClean="0"/>
-              <a:t>:only-of-type</a:t>
-            </a:r>
-          </a:p>
-          <a:p>
-            <a:r>
-              <a:rPr lang="en-US" altLang="zh-CN" sz="1600" dirty="0" smtClean="0"/>
-              <a:t>:empty</a:t>
-            </a:r>
-          </a:p>
-          <a:p>
-            <a:r>
-              <a:rPr lang="en-US" altLang="zh-CN" sz="1600" dirty="0" smtClean="0"/>
-              <a:t>:link</a:t>
-            </a:r>
-          </a:p>
-          <a:p>
-            <a:r>
-              <a:rPr lang="en-US" altLang="zh-CN" sz="1600" dirty="0" smtClean="0"/>
-              <a:t>:visited</a:t>
-            </a:r>
-          </a:p>
-          <a:p>
-            <a:r>
-              <a:rPr lang="en-US" altLang="zh-CN" sz="1600" dirty="0" smtClean="0"/>
-              <a:t>:active</a:t>
-            </a:r>
-          </a:p>
-          <a:p>
-            <a:r>
-              <a:rPr lang="en-US" altLang="zh-CN" sz="1600" dirty="0" smtClean="0"/>
-              <a:t>:hover</a:t>
-            </a:r>
-          </a:p>
-          <a:p>
-            <a:r>
-              <a:rPr lang="en-US" altLang="zh-CN" sz="1600" dirty="0" smtClean="0"/>
-              <a:t>:focus</a:t>
-            </a:r>
-          </a:p>
-          <a:p>
-            <a:r>
-              <a:rPr lang="en-US" altLang="zh-CN" sz="1600" dirty="0" smtClean="0"/>
-              <a:t>:target</a:t>
-            </a:r>
-          </a:p>
-          <a:p>
-            <a:r>
-              <a:rPr lang="en-US" altLang="zh-CN" sz="1600" dirty="0" smtClean="0"/>
-              <a:t>:</a:t>
-            </a:r>
-            <a:r>
-              <a:rPr lang="en-US" altLang="zh-CN" sz="1600" dirty="0" err="1" smtClean="0"/>
-              <a:t>lang</a:t>
-            </a:r>
-            <a:r>
-              <a:rPr lang="en-US" altLang="zh-CN" sz="1600" dirty="0" smtClean="0"/>
-              <a:t>(</a:t>
-            </a:r>
-            <a:r>
-              <a:rPr lang="en-US" altLang="zh-CN" sz="1600" dirty="0" err="1" smtClean="0"/>
-              <a:t>fr</a:t>
-            </a:r>
-            <a:r>
-              <a:rPr lang="en-US" altLang="zh-CN" sz="1600" dirty="0" smtClean="0"/>
-              <a:t>)</a:t>
-            </a:r>
-          </a:p>
-          <a:p>
-            <a:r>
-              <a:rPr lang="en-US" altLang="zh-CN" sz="1600" dirty="0" smtClean="0"/>
-              <a:t>:enabled</a:t>
-            </a:r>
-          </a:p>
-          <a:p>
-            <a:r>
-              <a:rPr lang="en-US" altLang="zh-CN" sz="1600" dirty="0" smtClean="0"/>
-              <a:t>:disabled</a:t>
-            </a:r>
-          </a:p>
-          <a:p>
-            <a:r>
-              <a:rPr lang="en-US" altLang="zh-CN" sz="1600" dirty="0" smtClean="0"/>
-              <a:t>:checked</a:t>
-            </a:r>
-          </a:p>
-        </p:txBody>
-      </p:sp>
-      <p:sp>
-        <p:nvSpPr>
-          <p:cNvPr id="11" name="矩形 10"/>
-          <p:cNvSpPr/>
-          <p:nvPr/>
-        </p:nvSpPr>
-        <p:spPr>
-          <a:xfrm>
-            <a:off x="109363" y="5245798"/>
-            <a:ext cx="3343031" cy="369332"/>
-          </a:xfrm>
-          <a:prstGeom prst="rect">
-            <a:avLst/>
-          </a:prstGeom>
-        </p:spPr>
-        <p:txBody>
-          <a:bodyPr wrap="none">
-            <a:spAutoFit/>
-          </a:bodyPr>
-          <a:lstStyle/>
-          <a:p>
-            <a:r>
-              <a:rPr lang="zh-CN" altLang="en-US" dirty="0"/>
-              <a:t>http://www.w3.org/TR/selectors/</a:t>
-            </a:r>
-          </a:p>
-        </p:txBody>
-      </p:sp>
-    </p:spTree>
-    <p:extLst>
-      <p:ext uri="{BB962C8B-B14F-4D97-AF65-F5344CB8AC3E}">
-        <p14:creationId xmlns:p14="http://schemas.microsoft.com/office/powerpoint/2010/main" val="113629843"/>
-      </p:ext>
-    </p:extLst>
-  </p:cSld>
-  <p:clrMapOvr>
-    <a:masterClrMapping/>
-  </p:clrMapOvr>
-  <p:timing>
-    <p:tnLst>
-      <p:par>
-        <p:cTn id="1" dur="indefinite" restart="never" nodeType="tmRoot"/>
-      </p:par>
-    </p:tnLst>
-  </p:timing>
-</p:sld>
-</file>
-
 <file path=ppt/slides/slide6.xml><?xml version="1.0" encoding="utf-8"?>
 <p:sld xmlns:a="http://schemas.openxmlformats.org/drawingml/2006/main" xmlns:r="http://schemas.openxmlformats.org/officeDocument/2006/relationships" xmlns:p="http://schemas.openxmlformats.org/presentationml/2006/main">
   <p:cSld>
@@ -7417,37 +8170,76 @@
           <a:p>
             <a:r>
               <a:rPr lang="zh-CN" altLang="en-US" dirty="0" smtClean="0"/>
-              <a:t>注释</a:t>
+              <a:t>盒子模型的高宽度计算</a:t>
             </a:r>
             <a:endParaRPr lang="zh-CN" altLang="en-US" dirty="0"/>
           </a:p>
         </p:txBody>
       </p:sp>
+      <p:pic>
+        <p:nvPicPr>
+          <p:cNvPr id="3" name="Picture 2" descr="https://developer.mozilla.org/files/72/boxmodel%20(1).png"/>
+          <p:cNvPicPr>
+            <a:picLocks noChangeAspect="1" noChangeArrowheads="1"/>
+          </p:cNvPicPr>
+          <p:nvPr/>
+        </p:nvPicPr>
+        <p:blipFill>
+          <a:blip r:embed="rId2">
+            <a:extLst>
+              <a:ext uri="{28A0092B-C50C-407E-A947-70E740481C1C}">
+                <a14:useLocalDpi xmlns:a14="http://schemas.microsoft.com/office/drawing/2010/main" val="0"/>
+              </a:ext>
+            </a:extLst>
+          </a:blip>
+          <a:srcRect/>
+          <a:stretch>
+            <a:fillRect/>
+          </a:stretch>
+        </p:blipFill>
+        <p:spPr bwMode="auto">
+          <a:xfrm>
+            <a:off x="556845" y="1724287"/>
+            <a:ext cx="5448170" cy="3813720"/>
+          </a:xfrm>
+          <a:prstGeom prst="rect">
+            <a:avLst/>
+          </a:prstGeom>
+          <a:noFill/>
+          <a:extLst>
+            <a:ext uri="{909E8E84-426E-40DD-AFC4-6F175D3DCCD1}">
+              <a14:hiddenFill xmlns:a14="http://schemas.microsoft.com/office/drawing/2010/main">
+                <a:solidFill>
+                  <a:srgbClr val="FFFFFF"/>
+                </a:solidFill>
+              </a14:hiddenFill>
+            </a:ext>
+          </a:extLst>
+        </p:spPr>
+      </p:pic>
       <p:sp>
         <p:nvSpPr>
-          <p:cNvPr id="3" name="文本框 2"/>
+          <p:cNvPr id="4" name="文本框 3"/>
           <p:cNvSpPr txBox="1"/>
           <p:nvPr/>
         </p:nvSpPr>
         <p:spPr>
           <a:xfrm>
-            <a:off x="3502617" y="3006671"/>
-            <a:ext cx="5668539" cy="461665"/>
+            <a:off x="6473781" y="2221119"/>
+            <a:ext cx="5428217" cy="369332"/>
           </a:xfrm>
           <a:prstGeom prst="rect">
             <a:avLst/>
           </a:prstGeom>
         </p:spPr>
         <p:style>
-          <a:lnRef idx="2">
-            <a:schemeClr val="dk1">
-              <a:shade val="50000"/>
-            </a:schemeClr>
+          <a:lnRef idx="3">
+            <a:schemeClr val="lt1"/>
           </a:lnRef>
           <a:fillRef idx="1">
             <a:schemeClr val="dk1"/>
           </a:fillRef>
-          <a:effectRef idx="0">
+          <a:effectRef idx="1">
             <a:schemeClr val="dk1"/>
           </a:effectRef>
           <a:fontRef idx="minor">
@@ -7461,25 +8253,152 @@
           <a:lstStyle/>
           <a:p>
             <a:r>
-              <a:rPr lang="en-US" altLang="zh-CN" sz="2400" dirty="0" smtClean="0"/>
-              <a:t>{          /*             </a:t>
-            </a:r>
-            <a:r>
-              <a:rPr lang="zh-CN" altLang="en-US" sz="2400" dirty="0" smtClean="0"/>
-              <a:t>注释内容                  </a:t>
-            </a:r>
-            <a:r>
-              <a:rPr lang="en-US" altLang="zh-CN" sz="2400" dirty="0" smtClean="0"/>
-              <a:t>*/          }</a:t>
-            </a:r>
-            <a:endParaRPr lang="zh-CN" altLang="en-US" sz="2400" dirty="0"/>
+              <a:rPr lang="en-US" altLang="zh-CN" dirty="0" smtClean="0"/>
+              <a:t>Width + margin + padding + (border-width)  = </a:t>
+            </a:r>
+            <a:r>
+              <a:rPr lang="zh-CN" altLang="en-US" dirty="0" smtClean="0"/>
+              <a:t>实际宽度</a:t>
+            </a:r>
+            <a:endParaRPr lang="zh-CN" altLang="en-US" dirty="0"/>
           </a:p>
         </p:txBody>
       </p:sp>
+      <p:sp>
+        <p:nvSpPr>
+          <p:cNvPr id="5" name="文本框 4"/>
+          <p:cNvSpPr txBox="1"/>
+          <p:nvPr/>
+        </p:nvSpPr>
+        <p:spPr>
+          <a:xfrm>
+            <a:off x="6500455" y="3206407"/>
+            <a:ext cx="5414880" cy="369332"/>
+          </a:xfrm>
+          <a:prstGeom prst="rect">
+            <a:avLst/>
+          </a:prstGeom>
+        </p:spPr>
+        <p:style>
+          <a:lnRef idx="3">
+            <a:schemeClr val="lt1"/>
+          </a:lnRef>
+          <a:fillRef idx="1">
+            <a:schemeClr val="dk1"/>
+          </a:fillRef>
+          <a:effectRef idx="1">
+            <a:schemeClr val="dk1"/>
+          </a:effectRef>
+          <a:fontRef idx="minor">
+            <a:schemeClr val="lt1"/>
+          </a:fontRef>
+        </p:style>
+        <p:txBody>
+          <a:bodyPr wrap="none" rtlCol="0">
+            <a:spAutoFit/>
+          </a:bodyPr>
+          <a:lstStyle/>
+          <a:p>
+            <a:r>
+              <a:rPr lang="en-US" altLang="zh-CN" dirty="0" smtClean="0"/>
+              <a:t>Height + margin + padding + (border-width) = </a:t>
+            </a:r>
+            <a:r>
+              <a:rPr lang="zh-CN" altLang="en-US" dirty="0" smtClean="0"/>
+              <a:t>实际高度</a:t>
+            </a:r>
+            <a:endParaRPr lang="zh-CN" altLang="en-US" dirty="0"/>
+          </a:p>
+        </p:txBody>
+      </p:sp>
+      <p:sp>
+        <p:nvSpPr>
+          <p:cNvPr id="7" name="文本框 6"/>
+          <p:cNvSpPr txBox="1"/>
+          <p:nvPr/>
+        </p:nvSpPr>
+        <p:spPr>
+          <a:xfrm>
+            <a:off x="8202305" y="4577476"/>
+            <a:ext cx="1957652" cy="523220"/>
+          </a:xfrm>
+          <a:prstGeom prst="rect">
+            <a:avLst/>
+          </a:prstGeom>
+        </p:spPr>
+        <p:style>
+          <a:lnRef idx="3">
+            <a:schemeClr val="lt1"/>
+          </a:lnRef>
+          <a:fillRef idx="1">
+            <a:schemeClr val="accent5"/>
+          </a:fillRef>
+          <a:effectRef idx="1">
+            <a:schemeClr val="accent5"/>
+          </a:effectRef>
+          <a:fontRef idx="minor">
+            <a:schemeClr val="lt1"/>
+          </a:fontRef>
+        </p:style>
+        <p:txBody>
+          <a:bodyPr wrap="none" rtlCol="0">
+            <a:spAutoFit/>
+          </a:bodyPr>
+          <a:lstStyle/>
+          <a:p>
+            <a:r>
+              <a:rPr lang="en-US" altLang="zh-CN" sz="2800" dirty="0" smtClean="0">
+                <a:latin typeface="微软雅黑" panose="020B0503020204020204" pitchFamily="34" charset="-122"/>
+                <a:ea typeface="微软雅黑" panose="020B0503020204020204" pitchFamily="34" charset="-122"/>
+              </a:rPr>
+              <a:t>Box-sizing</a:t>
+            </a:r>
+            <a:endParaRPr lang="zh-CN" altLang="en-US" sz="2800" dirty="0">
+              <a:latin typeface="微软雅黑" panose="020B0503020204020204" pitchFamily="34" charset="-122"/>
+              <a:ea typeface="微软雅黑" panose="020B0503020204020204" pitchFamily="34" charset="-122"/>
+            </a:endParaRPr>
+          </a:p>
+        </p:txBody>
+      </p:sp>
+      <p:cxnSp>
+        <p:nvCxnSpPr>
+          <p:cNvPr id="9" name="直接箭头连接符 8"/>
+          <p:cNvCxnSpPr>
+            <a:endCxn id="7" idx="0"/>
+          </p:cNvCxnSpPr>
+          <p:nvPr/>
+        </p:nvCxnSpPr>
+        <p:spPr>
+          <a:xfrm>
+            <a:off x="8759669" y="3578477"/>
+            <a:ext cx="421462" cy="998999"/>
+          </a:xfrm>
+          <a:prstGeom prst="straightConnector1">
+            <a:avLst/>
+          </a:prstGeom>
+          <a:ln>
+            <a:tailEnd type="triangle"/>
+          </a:ln>
+        </p:spPr>
+        <p:style>
+          <a:lnRef idx="1">
+            <a:schemeClr val="accent1"/>
+          </a:lnRef>
+          <a:fillRef idx="0">
+            <a:schemeClr val="accent1"/>
+          </a:fillRef>
+          <a:effectRef idx="0">
+            <a:schemeClr val="accent1"/>
+          </a:effectRef>
+          <a:fontRef idx="minor">
+            <a:schemeClr val="tx1"/>
+          </a:fontRef>
+        </p:style>
+      </p:cxnSp>
     </p:spTree>
     <p:extLst>
       <p:ext uri="{BB962C8B-B14F-4D97-AF65-F5344CB8AC3E}">
-        <p14:creationId xmlns:p14="http://schemas.microsoft.com/office/powerpoint/2010/main" val="200013936"/>
+        <p14:creationId xmlns:p14="http://schemas.microsoft.com/office/powerpoint/2010/main" val="3763166596"/>
       </p:ext>
     </p:extLst>
   </p:cSld>
@@ -7530,658 +8449,780 @@
           <a:p>
             <a:r>
               <a:rPr lang="zh-CN" altLang="en-US" dirty="0" smtClean="0"/>
-              <a:t>布局样式</a:t>
+              <a:t>选择器</a:t>
             </a:r>
             <a:endParaRPr lang="zh-CN" altLang="en-US" dirty="0"/>
           </a:p>
         </p:txBody>
       </p:sp>
-      <p:graphicFrame>
-        <p:nvGraphicFramePr>
-          <p:cNvPr id="3" name="表格 2"/>
-          <p:cNvGraphicFramePr>
-            <a:graphicFrameLocks noGrp="1"/>
-          </p:cNvGraphicFramePr>
-          <p:nvPr>
-            <p:extLst>
-              <p:ext uri="{D42A27DB-BD31-4B8C-83A1-F6EECF244321}">
-                <p14:modId xmlns:p14="http://schemas.microsoft.com/office/powerpoint/2010/main" val="3478636592"/>
-              </p:ext>
-            </p:extLst>
-          </p:nvPr>
-        </p:nvGraphicFramePr>
-        <p:xfrm>
-          <a:off x="728980" y="1634066"/>
-          <a:ext cx="2379980" cy="3708400"/>
-        </p:xfrm>
-        <a:graphic>
-          <a:graphicData uri="http://schemas.openxmlformats.org/drawingml/2006/table">
-            <a:tbl>
-              <a:tblPr firstRow="1" bandRow="1">
-                <a:tableStyleId>{5C22544A-7EE6-4342-B048-85BDC9FD1C3A}</a:tableStyleId>
-              </a:tblPr>
-              <a:tblGrid>
-                <a:gridCol w="2379980"/>
-              </a:tblGrid>
-              <a:tr h="370840">
-                <a:tc>
-                  <a:txBody>
-                    <a:bodyPr/>
-                    <a:lstStyle/>
-                    <a:p>
-                      <a:r>
-                        <a:rPr lang="zh-CN" altLang="en-US" dirty="0" smtClean="0"/>
-                        <a:t>定位</a:t>
-                      </a:r>
-                      <a:endParaRPr lang="zh-CN" altLang="en-US" dirty="0"/>
-                    </a:p>
-                  </a:txBody>
-                  <a:tcPr/>
-                </a:tc>
-              </a:tr>
-              <a:tr h="370840">
-                <a:tc>
-                  <a:txBody>
-                    <a:bodyPr/>
-                    <a:lstStyle/>
-                    <a:p>
-                      <a:r>
-                        <a:rPr lang="en-US" altLang="zh-CN" dirty="0" smtClean="0"/>
-                        <a:t>position</a:t>
-                      </a:r>
-                      <a:endParaRPr lang="zh-CN" altLang="en-US" dirty="0"/>
-                    </a:p>
-                  </a:txBody>
-                  <a:tcPr/>
-                </a:tc>
-              </a:tr>
-              <a:tr h="370840">
-                <a:tc>
-                  <a:txBody>
-                    <a:bodyPr/>
-                    <a:lstStyle/>
-                    <a:p>
-                      <a:r>
-                        <a:rPr lang="en-US" altLang="zh-CN" dirty="0" smtClean="0"/>
-                        <a:t>Top</a:t>
-                      </a:r>
-                      <a:endParaRPr lang="zh-CN" altLang="en-US" dirty="0"/>
-                    </a:p>
-                  </a:txBody>
-                  <a:tcPr/>
-                </a:tc>
-              </a:tr>
-              <a:tr h="370840">
-                <a:tc>
-                  <a:txBody>
-                    <a:bodyPr/>
-                    <a:lstStyle/>
-                    <a:p>
-                      <a:r>
-                        <a:rPr lang="en-US" altLang="zh-CN" dirty="0" smtClean="0"/>
-                        <a:t>Right</a:t>
-                      </a:r>
-                      <a:endParaRPr lang="zh-CN" altLang="en-US" dirty="0"/>
-                    </a:p>
-                  </a:txBody>
-                  <a:tcPr/>
-                </a:tc>
-              </a:tr>
-              <a:tr h="370840">
-                <a:tc>
-                  <a:txBody>
-                    <a:bodyPr/>
-                    <a:lstStyle/>
-                    <a:p>
-                      <a:r>
-                        <a:rPr lang="en-US" altLang="zh-CN" dirty="0" smtClean="0"/>
-                        <a:t>Bottom</a:t>
-                      </a:r>
-                      <a:endParaRPr lang="zh-CN" altLang="en-US" dirty="0"/>
-                    </a:p>
-                  </a:txBody>
-                  <a:tcPr/>
-                </a:tc>
-              </a:tr>
-              <a:tr h="370840">
-                <a:tc>
-                  <a:txBody>
-                    <a:bodyPr/>
-                    <a:lstStyle/>
-                    <a:p>
-                      <a:r>
-                        <a:rPr lang="en-US" altLang="zh-CN" dirty="0" smtClean="0"/>
-                        <a:t>Left</a:t>
-                      </a:r>
-                      <a:endParaRPr lang="zh-CN" altLang="en-US" dirty="0"/>
-                    </a:p>
-                  </a:txBody>
-                  <a:tcPr/>
-                </a:tc>
-              </a:tr>
-              <a:tr h="370840">
-                <a:tc>
-                  <a:txBody>
-                    <a:bodyPr/>
-                    <a:lstStyle/>
-                    <a:p>
-                      <a:r>
-                        <a:rPr lang="en-US" altLang="zh-CN" dirty="0" smtClean="0"/>
-                        <a:t>Z-index</a:t>
-                      </a:r>
-                      <a:endParaRPr lang="zh-CN" altLang="en-US" dirty="0"/>
-                    </a:p>
-                  </a:txBody>
-                  <a:tcPr/>
-                </a:tc>
-              </a:tr>
-              <a:tr h="370840">
-                <a:tc>
-                  <a:txBody>
-                    <a:bodyPr/>
-                    <a:lstStyle/>
-                    <a:p>
-                      <a:r>
-                        <a:rPr lang="en-US" altLang="zh-CN" dirty="0" smtClean="0"/>
-                        <a:t>clip</a:t>
-                      </a:r>
-                      <a:endParaRPr lang="zh-CN" altLang="en-US" dirty="0"/>
-                    </a:p>
-                  </a:txBody>
-                  <a:tcPr/>
-                </a:tc>
-              </a:tr>
-              <a:tr h="370840">
-                <a:tc>
-                  <a:txBody>
-                    <a:bodyPr/>
-                    <a:lstStyle/>
-                    <a:p>
-                      <a:endParaRPr lang="zh-CN" altLang="en-US" dirty="0"/>
-                    </a:p>
-                  </a:txBody>
-                  <a:tcPr/>
-                </a:tc>
-              </a:tr>
-              <a:tr h="370840">
-                <a:tc>
-                  <a:txBody>
-                    <a:bodyPr/>
-                    <a:lstStyle/>
-                    <a:p>
-                      <a:endParaRPr lang="zh-CN" altLang="en-US" dirty="0"/>
-                    </a:p>
-                  </a:txBody>
-                  <a:tcPr/>
-                </a:tc>
-              </a:tr>
-            </a:tbl>
-          </a:graphicData>
-        </a:graphic>
-      </p:graphicFrame>
-      <p:graphicFrame>
-        <p:nvGraphicFramePr>
-          <p:cNvPr id="4" name="表格 3"/>
-          <p:cNvGraphicFramePr>
-            <a:graphicFrameLocks noGrp="1"/>
-          </p:cNvGraphicFramePr>
-          <p:nvPr>
-            <p:extLst>
-              <p:ext uri="{D42A27DB-BD31-4B8C-83A1-F6EECF244321}">
-                <p14:modId xmlns:p14="http://schemas.microsoft.com/office/powerpoint/2010/main" val="2755983662"/>
-              </p:ext>
-            </p:extLst>
-          </p:nvPr>
-        </p:nvGraphicFramePr>
-        <p:xfrm>
-          <a:off x="4145671" y="1676269"/>
-          <a:ext cx="2517140" cy="4615390"/>
-        </p:xfrm>
-        <a:graphic>
-          <a:graphicData uri="http://schemas.openxmlformats.org/drawingml/2006/table">
-            <a:tbl>
-              <a:tblPr firstRow="1" bandRow="1">
-                <a:tableStyleId>{5C22544A-7EE6-4342-B048-85BDC9FD1C3A}</a:tableStyleId>
-              </a:tblPr>
-              <a:tblGrid>
-                <a:gridCol w="2517140"/>
-              </a:tblGrid>
-              <a:tr h="461539">
-                <a:tc>
-                  <a:txBody>
-                    <a:bodyPr/>
-                    <a:lstStyle/>
-                    <a:p>
-                      <a:r>
-                        <a:rPr lang="zh-CN" altLang="en-US" dirty="0" smtClean="0"/>
-                        <a:t>显示模式</a:t>
-                      </a:r>
-                      <a:endParaRPr lang="zh-CN" altLang="en-US" dirty="0"/>
-                    </a:p>
-                  </a:txBody>
-                  <a:tcPr/>
-                </a:tc>
-              </a:tr>
-              <a:tr h="461539">
-                <a:tc>
-                  <a:txBody>
-                    <a:bodyPr/>
-                    <a:lstStyle/>
-                    <a:p>
-                      <a:r>
-                        <a:rPr lang="en-US" altLang="zh-CN" dirty="0" smtClean="0"/>
-                        <a:t>Display</a:t>
-                      </a:r>
-                      <a:endParaRPr lang="zh-CN" altLang="en-US" dirty="0"/>
-                    </a:p>
-                  </a:txBody>
-                  <a:tcPr/>
-                </a:tc>
-              </a:tr>
-              <a:tr h="461539">
-                <a:tc>
-                  <a:txBody>
-                    <a:bodyPr/>
-                    <a:lstStyle/>
-                    <a:p>
-                      <a:r>
-                        <a:rPr lang="en-US" altLang="zh-CN" dirty="0" smtClean="0"/>
-                        <a:t>Float</a:t>
-                      </a:r>
-                      <a:endParaRPr lang="zh-CN" altLang="en-US" dirty="0"/>
-                    </a:p>
-                  </a:txBody>
-                  <a:tcPr/>
-                </a:tc>
-              </a:tr>
-              <a:tr h="461539">
-                <a:tc>
-                  <a:txBody>
-                    <a:bodyPr/>
-                    <a:lstStyle/>
-                    <a:p>
-                      <a:r>
-                        <a:rPr lang="en-US" altLang="zh-CN" dirty="0" smtClean="0"/>
-                        <a:t>Clear</a:t>
-                      </a:r>
-                      <a:endParaRPr lang="zh-CN" altLang="en-US" dirty="0"/>
-                    </a:p>
-                  </a:txBody>
-                  <a:tcPr/>
-                </a:tc>
-              </a:tr>
-              <a:tr h="461539">
-                <a:tc>
-                  <a:txBody>
-                    <a:bodyPr/>
-                    <a:lstStyle/>
-                    <a:p>
-                      <a:r>
-                        <a:rPr lang="en-US" altLang="zh-CN" dirty="0" smtClean="0"/>
-                        <a:t>Overflow</a:t>
-                      </a:r>
-                      <a:endParaRPr lang="zh-CN" altLang="en-US" dirty="0"/>
-                    </a:p>
-                  </a:txBody>
-                  <a:tcPr/>
-                </a:tc>
-              </a:tr>
-              <a:tr h="461539">
-                <a:tc>
-                  <a:txBody>
-                    <a:bodyPr/>
-                    <a:lstStyle/>
-                    <a:p>
-                      <a:r>
-                        <a:rPr lang="en-US" altLang="zh-CN" dirty="0" smtClean="0"/>
-                        <a:t>Overflow-x</a:t>
-                      </a:r>
-                      <a:endParaRPr lang="zh-CN" altLang="en-US" dirty="0"/>
-                    </a:p>
-                  </a:txBody>
-                  <a:tcPr/>
-                </a:tc>
-              </a:tr>
-              <a:tr h="461539">
-                <a:tc>
-                  <a:txBody>
-                    <a:bodyPr/>
-                    <a:lstStyle/>
-                    <a:p>
-                      <a:r>
-                        <a:rPr lang="en-US" altLang="zh-CN" dirty="0" smtClean="0"/>
-                        <a:t>Overflow-y</a:t>
-                      </a:r>
-                      <a:endParaRPr lang="zh-CN" altLang="en-US" dirty="0"/>
-                    </a:p>
-                  </a:txBody>
-                  <a:tcPr/>
-                </a:tc>
-              </a:tr>
-              <a:tr h="461539">
-                <a:tc>
-                  <a:txBody>
-                    <a:bodyPr/>
-                    <a:lstStyle/>
-                    <a:p>
-                      <a:r>
-                        <a:rPr lang="en-US" altLang="zh-CN" dirty="0" smtClean="0"/>
-                        <a:t>visibility</a:t>
-                      </a:r>
-                      <a:endParaRPr lang="zh-CN" altLang="en-US" dirty="0"/>
-                    </a:p>
-                  </a:txBody>
-                  <a:tcPr/>
-                </a:tc>
-              </a:tr>
-              <a:tr h="461539">
-                <a:tc>
-                  <a:txBody>
-                    <a:bodyPr/>
-                    <a:lstStyle/>
-                    <a:p>
-                      <a:r>
-                        <a:rPr lang="en-US" altLang="zh-CN" dirty="0" smtClean="0"/>
-                        <a:t>Box-sizing</a:t>
-                      </a:r>
-                      <a:endParaRPr lang="zh-CN" altLang="en-US" dirty="0"/>
-                    </a:p>
-                  </a:txBody>
-                  <a:tcPr/>
-                </a:tc>
-              </a:tr>
-              <a:tr h="461539">
-                <a:tc>
-                  <a:txBody>
-                    <a:bodyPr/>
-                    <a:lstStyle/>
-                    <a:p>
-                      <a:r>
-                        <a:rPr lang="en-US" altLang="zh-CN" dirty="0" smtClean="0"/>
-                        <a:t>cursor</a:t>
-                      </a:r>
-                      <a:endParaRPr lang="zh-CN" altLang="en-US" dirty="0"/>
-                    </a:p>
-                  </a:txBody>
-                  <a:tcPr/>
-                </a:tc>
-              </a:tr>
-            </a:tbl>
-          </a:graphicData>
-        </a:graphic>
-      </p:graphicFrame>
-      <p:graphicFrame>
-        <p:nvGraphicFramePr>
-          <p:cNvPr id="5" name="表格 4"/>
-          <p:cNvGraphicFramePr>
-            <a:graphicFrameLocks noGrp="1"/>
-          </p:cNvGraphicFramePr>
-          <p:nvPr>
-            <p:extLst>
-              <p:ext uri="{D42A27DB-BD31-4B8C-83A1-F6EECF244321}">
-                <p14:modId xmlns:p14="http://schemas.microsoft.com/office/powerpoint/2010/main" val="3316476735"/>
-              </p:ext>
-            </p:extLst>
-          </p:nvPr>
-        </p:nvGraphicFramePr>
-        <p:xfrm>
-          <a:off x="7620390" y="1641099"/>
-          <a:ext cx="3735754" cy="3697592"/>
-        </p:xfrm>
-        <a:graphic>
-          <a:graphicData uri="http://schemas.openxmlformats.org/drawingml/2006/table">
-            <a:tbl>
-              <a:tblPr firstRow="1" bandRow="1">
-                <a:tableStyleId>{5C22544A-7EE6-4342-B048-85BDC9FD1C3A}</a:tableStyleId>
-              </a:tblPr>
-              <a:tblGrid>
-                <a:gridCol w="1867877"/>
-                <a:gridCol w="1867877"/>
-              </a:tblGrid>
-              <a:tr h="462199">
-                <a:tc>
-                  <a:txBody>
-                    <a:bodyPr/>
-                    <a:lstStyle/>
-                    <a:p>
-                      <a:r>
-                        <a:rPr lang="en-US" altLang="zh-CN" dirty="0" smtClean="0"/>
-                        <a:t>Flex</a:t>
-                      </a:r>
-                      <a:r>
-                        <a:rPr lang="zh-CN" altLang="en-US" dirty="0" smtClean="0"/>
-                        <a:t>布局</a:t>
-                      </a:r>
-                      <a:endParaRPr lang="zh-CN" altLang="en-US" dirty="0"/>
-                    </a:p>
-                  </a:txBody>
-                  <a:tcPr/>
-                </a:tc>
-                <a:tc>
-                  <a:txBody>
-                    <a:bodyPr/>
-                    <a:lstStyle/>
-                    <a:p>
-                      <a:r>
-                        <a:rPr lang="zh-CN" altLang="en-US" dirty="0" smtClean="0"/>
-                        <a:t>子属性</a:t>
-                      </a:r>
-                      <a:endParaRPr lang="zh-CN" altLang="en-US" dirty="0"/>
-                    </a:p>
-                  </a:txBody>
-                  <a:tcPr/>
-                </a:tc>
-              </a:tr>
-              <a:tr h="462199">
-                <a:tc>
-                  <a:txBody>
-                    <a:bodyPr/>
-                    <a:lstStyle/>
-                    <a:p>
-                      <a:r>
-                        <a:rPr lang="en-US" altLang="zh-CN" dirty="0" smtClean="0"/>
-                        <a:t>Flex-direction</a:t>
-                      </a:r>
-                      <a:endParaRPr lang="zh-CN" altLang="en-US" dirty="0"/>
-                    </a:p>
-                  </a:txBody>
-                  <a:tcPr/>
-                </a:tc>
-                <a:tc>
-                  <a:txBody>
-                    <a:bodyPr/>
-                    <a:lstStyle/>
-                    <a:p>
-                      <a:r>
-                        <a:rPr lang="en-US" altLang="zh-CN" dirty="0" smtClean="0"/>
-                        <a:t>order</a:t>
-                      </a:r>
-                      <a:endParaRPr lang="zh-CN" altLang="en-US" dirty="0"/>
-                    </a:p>
-                  </a:txBody>
-                  <a:tcPr/>
-                </a:tc>
-              </a:tr>
-              <a:tr h="462199">
-                <a:tc>
-                  <a:txBody>
-                    <a:bodyPr/>
-                    <a:lstStyle/>
-                    <a:p>
-                      <a:r>
-                        <a:rPr lang="en-US" altLang="zh-CN" dirty="0" smtClean="0"/>
-                        <a:t>Flex-wrap</a:t>
-                      </a:r>
-                      <a:endParaRPr lang="zh-CN" altLang="en-US" dirty="0"/>
-                    </a:p>
-                  </a:txBody>
-                  <a:tcPr/>
-                </a:tc>
-                <a:tc>
-                  <a:txBody>
-                    <a:bodyPr/>
-                    <a:lstStyle/>
-                    <a:p>
-                      <a:r>
-                        <a:rPr lang="en-US" altLang="zh-CN" dirty="0" smtClean="0"/>
-                        <a:t>Flex-grow</a:t>
-                      </a:r>
-                      <a:endParaRPr lang="zh-CN" altLang="en-US" dirty="0"/>
-                    </a:p>
-                  </a:txBody>
-                  <a:tcPr/>
-                </a:tc>
-              </a:tr>
-              <a:tr h="462199">
-                <a:tc>
-                  <a:txBody>
-                    <a:bodyPr/>
-                    <a:lstStyle/>
-                    <a:p>
-                      <a:r>
-                        <a:rPr lang="en-US" altLang="zh-CN" dirty="0" smtClean="0"/>
-                        <a:t>Flex-flow</a:t>
-                      </a:r>
-                      <a:endParaRPr lang="zh-CN" altLang="en-US" dirty="0"/>
-                    </a:p>
-                  </a:txBody>
-                  <a:tcPr/>
-                </a:tc>
-                <a:tc>
-                  <a:txBody>
-                    <a:bodyPr/>
-                    <a:lstStyle/>
-                    <a:p>
-                      <a:r>
-                        <a:rPr lang="en-US" altLang="zh-CN" dirty="0" smtClean="0"/>
-                        <a:t>Flex-shrink</a:t>
-                      </a:r>
-                      <a:endParaRPr lang="zh-CN" altLang="en-US" dirty="0"/>
-                    </a:p>
-                  </a:txBody>
-                  <a:tcPr/>
-                </a:tc>
-              </a:tr>
-              <a:tr h="462199">
-                <a:tc>
-                  <a:txBody>
-                    <a:bodyPr/>
-                    <a:lstStyle/>
-                    <a:p>
-                      <a:r>
-                        <a:rPr lang="en-US" altLang="zh-CN" dirty="0" smtClean="0"/>
-                        <a:t>Justify-content</a:t>
-                      </a:r>
-                      <a:endParaRPr lang="zh-CN" altLang="en-US" dirty="0"/>
-                    </a:p>
-                  </a:txBody>
-                  <a:tcPr/>
-                </a:tc>
-                <a:tc>
-                  <a:txBody>
-                    <a:bodyPr/>
-                    <a:lstStyle/>
-                    <a:p>
-                      <a:r>
-                        <a:rPr lang="en-US" altLang="zh-CN" dirty="0" smtClean="0"/>
-                        <a:t>Flex-basis</a:t>
-                      </a:r>
-                      <a:endParaRPr lang="zh-CN" altLang="en-US" dirty="0"/>
-                    </a:p>
-                  </a:txBody>
-                  <a:tcPr/>
-                </a:tc>
-              </a:tr>
-              <a:tr h="462199">
-                <a:tc>
-                  <a:txBody>
-                    <a:bodyPr/>
-                    <a:lstStyle/>
-                    <a:p>
-                      <a:r>
-                        <a:rPr lang="en-US" altLang="zh-CN" dirty="0" smtClean="0"/>
-                        <a:t>Align-items</a:t>
-                      </a:r>
-                      <a:endParaRPr lang="zh-CN" altLang="en-US" dirty="0"/>
-                    </a:p>
-                  </a:txBody>
-                  <a:tcPr/>
-                </a:tc>
-                <a:tc>
-                  <a:txBody>
-                    <a:bodyPr/>
-                    <a:lstStyle/>
-                    <a:p>
-                      <a:r>
-                        <a:rPr lang="en-US" altLang="zh-CN" dirty="0" smtClean="0"/>
-                        <a:t>flex</a:t>
-                      </a:r>
-                      <a:endParaRPr lang="zh-CN" altLang="en-US" dirty="0"/>
-                    </a:p>
-                  </a:txBody>
-                  <a:tcPr/>
-                </a:tc>
-              </a:tr>
-              <a:tr h="462199">
-                <a:tc>
-                  <a:txBody>
-                    <a:bodyPr/>
-                    <a:lstStyle/>
-                    <a:p>
-                      <a:r>
-                        <a:rPr lang="en-US" altLang="zh-CN" dirty="0" smtClean="0"/>
-                        <a:t>Align-content</a:t>
-                      </a:r>
-                      <a:endParaRPr lang="zh-CN" altLang="en-US" dirty="0"/>
-                    </a:p>
-                  </a:txBody>
-                  <a:tcPr/>
-                </a:tc>
-                <a:tc>
-                  <a:txBody>
-                    <a:bodyPr/>
-                    <a:lstStyle/>
-                    <a:p>
-                      <a:r>
-                        <a:rPr lang="en-US" altLang="zh-CN" dirty="0" smtClean="0"/>
-                        <a:t>Align-self</a:t>
-                      </a:r>
-                      <a:endParaRPr lang="zh-CN" altLang="en-US" dirty="0"/>
-                    </a:p>
-                  </a:txBody>
-                  <a:tcPr/>
-                </a:tc>
-              </a:tr>
-              <a:tr h="462199">
-                <a:tc>
-                  <a:txBody>
-                    <a:bodyPr/>
-                    <a:lstStyle/>
-                    <a:p>
-                      <a:endParaRPr lang="zh-CN" altLang="en-US" dirty="0"/>
-                    </a:p>
-                  </a:txBody>
-                  <a:tcPr/>
-                </a:tc>
-                <a:tc>
-                  <a:txBody>
-                    <a:bodyPr/>
-                    <a:lstStyle/>
-                    <a:p>
-                      <a:endParaRPr lang="zh-CN" altLang="en-US" dirty="0"/>
-                    </a:p>
-                  </a:txBody>
-                  <a:tcPr/>
-                </a:tc>
-              </a:tr>
-            </a:tbl>
-          </a:graphicData>
-        </a:graphic>
-      </p:graphicFrame>
+      <p:sp>
+        <p:nvSpPr>
+          <p:cNvPr id="3" name="矩形 2"/>
+          <p:cNvSpPr/>
+          <p:nvPr/>
+        </p:nvSpPr>
+        <p:spPr>
+          <a:xfrm>
+            <a:off x="760311" y="1757570"/>
+            <a:ext cx="1338828" cy="369332"/>
+          </a:xfrm>
+          <a:prstGeom prst="rect">
+            <a:avLst/>
+          </a:prstGeom>
+        </p:spPr>
+        <p:txBody>
+          <a:bodyPr wrap="none">
+            <a:spAutoFit/>
+          </a:bodyPr>
+          <a:lstStyle/>
+          <a:p>
+            <a:r>
+              <a:rPr lang="zh-CN" altLang="en-US" dirty="0" smtClean="0">
+                <a:solidFill>
+                  <a:srgbClr val="4D4E53"/>
+                </a:solidFill>
+                <a:latin typeface="Open Sans"/>
+              </a:rPr>
+              <a:t>基本选择器</a:t>
+            </a:r>
+            <a:endParaRPr lang="zh-CN" altLang="en-US" dirty="0"/>
+          </a:p>
+        </p:txBody>
+      </p:sp>
+      <p:sp>
+        <p:nvSpPr>
+          <p:cNvPr id="4" name="矩形 3"/>
+          <p:cNvSpPr/>
+          <p:nvPr/>
+        </p:nvSpPr>
+        <p:spPr>
+          <a:xfrm>
+            <a:off x="3981209" y="1727283"/>
+            <a:ext cx="1338828" cy="369332"/>
+          </a:xfrm>
+          <a:prstGeom prst="rect">
+            <a:avLst/>
+          </a:prstGeom>
+        </p:spPr>
+        <p:txBody>
+          <a:bodyPr wrap="none">
+            <a:spAutoFit/>
+          </a:bodyPr>
+          <a:lstStyle/>
+          <a:p>
+            <a:r>
+              <a:rPr lang="zh-CN" altLang="en-US" dirty="0" smtClean="0">
+                <a:solidFill>
+                  <a:srgbClr val="4D4E53"/>
+                </a:solidFill>
+                <a:latin typeface="Open Sans"/>
+              </a:rPr>
+              <a:t>组合选择器</a:t>
+            </a:r>
+            <a:endParaRPr lang="zh-CN" altLang="en-US" dirty="0"/>
+          </a:p>
+        </p:txBody>
+      </p:sp>
+      <p:sp>
+        <p:nvSpPr>
+          <p:cNvPr id="5" name="矩形 4"/>
+          <p:cNvSpPr/>
+          <p:nvPr/>
+        </p:nvSpPr>
+        <p:spPr>
+          <a:xfrm>
+            <a:off x="7381461" y="1757570"/>
+            <a:ext cx="877163" cy="369332"/>
+          </a:xfrm>
+          <a:prstGeom prst="rect">
+            <a:avLst/>
+          </a:prstGeom>
+        </p:spPr>
+        <p:txBody>
+          <a:bodyPr wrap="none">
+            <a:spAutoFit/>
+          </a:bodyPr>
+          <a:lstStyle/>
+          <a:p>
+            <a:r>
+              <a:rPr lang="zh-CN" altLang="en-US" dirty="0">
+                <a:solidFill>
+                  <a:srgbClr val="4D4E53"/>
+                </a:solidFill>
+                <a:latin typeface="Open Sans"/>
+              </a:rPr>
+              <a:t>伪元素</a:t>
+            </a:r>
+          </a:p>
+        </p:txBody>
+      </p:sp>
+      <p:sp>
+        <p:nvSpPr>
+          <p:cNvPr id="6" name="矩形 5"/>
+          <p:cNvSpPr/>
+          <p:nvPr/>
+        </p:nvSpPr>
+        <p:spPr>
+          <a:xfrm>
+            <a:off x="10547367" y="249013"/>
+            <a:ext cx="646331" cy="369332"/>
+          </a:xfrm>
+          <a:prstGeom prst="rect">
+            <a:avLst/>
+          </a:prstGeom>
+        </p:spPr>
+        <p:txBody>
+          <a:bodyPr wrap="none">
+            <a:spAutoFit/>
+          </a:bodyPr>
+          <a:lstStyle/>
+          <a:p>
+            <a:r>
+              <a:rPr lang="zh-CN" altLang="en-US" dirty="0">
+                <a:solidFill>
+                  <a:srgbClr val="4D4E53"/>
+                </a:solidFill>
+                <a:latin typeface="Open Sans"/>
+              </a:rPr>
+              <a:t>伪类</a:t>
+            </a:r>
+          </a:p>
+        </p:txBody>
+      </p:sp>
+      <p:sp>
+        <p:nvSpPr>
+          <p:cNvPr id="7" name="矩形 6"/>
+          <p:cNvSpPr/>
+          <p:nvPr/>
+        </p:nvSpPr>
+        <p:spPr>
+          <a:xfrm>
+            <a:off x="170841" y="2716854"/>
+            <a:ext cx="2517768" cy="1938992"/>
+          </a:xfrm>
+          <a:prstGeom prst="rect">
+            <a:avLst/>
+          </a:prstGeom>
+        </p:spPr>
+        <p:style>
+          <a:lnRef idx="2">
+            <a:schemeClr val="dk1">
+              <a:shade val="50000"/>
+            </a:schemeClr>
+          </a:lnRef>
+          <a:fillRef idx="1">
+            <a:schemeClr val="dk1"/>
+          </a:fillRef>
+          <a:effectRef idx="0">
+            <a:schemeClr val="dk1"/>
+          </a:effectRef>
+          <a:fontRef idx="minor">
+            <a:schemeClr val="lt1"/>
+          </a:fontRef>
+        </p:style>
+        <p:txBody>
+          <a:bodyPr wrap="square">
+            <a:spAutoFit/>
+          </a:bodyPr>
+          <a:lstStyle/>
+          <a:p>
+            <a:pPr>
+              <a:lnSpc>
+                <a:spcPct val="150000"/>
+              </a:lnSpc>
+            </a:pPr>
+            <a:r>
+              <a:rPr lang="zh-CN" altLang="en-US" sz="1600" dirty="0"/>
+              <a:t>元素选择器 </a:t>
+            </a:r>
+            <a:r>
+              <a:rPr lang="en-US" altLang="zh-CN" sz="1600" dirty="0" smtClean="0"/>
+              <a:t>: </a:t>
+            </a:r>
+            <a:r>
+              <a:rPr lang="zh-CN" altLang="en-US" sz="1600" dirty="0" smtClean="0"/>
+              <a:t>标签名称</a:t>
+            </a:r>
+            <a:endParaRPr lang="zh-CN" altLang="en-US" sz="1600" dirty="0"/>
+          </a:p>
+          <a:p>
+            <a:pPr>
+              <a:lnSpc>
+                <a:spcPct val="150000"/>
+              </a:lnSpc>
+            </a:pPr>
+            <a:r>
+              <a:rPr lang="zh-CN" altLang="en-US" sz="1600" dirty="0"/>
+              <a:t>类选择</a:t>
+            </a:r>
+            <a:r>
+              <a:rPr lang="zh-CN" altLang="en-US" sz="1600" dirty="0" smtClean="0"/>
+              <a:t>器</a:t>
+            </a:r>
+            <a:r>
+              <a:rPr lang="en-US" altLang="zh-CN" sz="1600" dirty="0" smtClean="0"/>
+              <a:t>: </a:t>
+            </a:r>
+            <a:r>
+              <a:rPr lang="zh-CN" altLang="en-US" sz="1600" dirty="0" smtClean="0"/>
+              <a:t> </a:t>
+            </a:r>
+            <a:r>
+              <a:rPr lang="zh-CN" altLang="en-US" sz="1600" dirty="0"/>
+              <a:t>.classname</a:t>
+            </a:r>
+          </a:p>
+          <a:p>
+            <a:pPr>
+              <a:lnSpc>
+                <a:spcPct val="150000"/>
+              </a:lnSpc>
+            </a:pPr>
+            <a:r>
+              <a:rPr lang="zh-CN" altLang="en-US" sz="1600" dirty="0"/>
+              <a:t>ID选择</a:t>
+            </a:r>
+            <a:r>
+              <a:rPr lang="zh-CN" altLang="en-US" sz="1600" dirty="0" smtClean="0"/>
+              <a:t>器</a:t>
+            </a:r>
+            <a:r>
+              <a:rPr lang="en-US" altLang="zh-CN" sz="1600" dirty="0" smtClean="0"/>
+              <a:t>: </a:t>
+            </a:r>
+            <a:r>
+              <a:rPr lang="zh-CN" altLang="en-US" sz="1600" dirty="0" smtClean="0"/>
+              <a:t> </a:t>
+            </a:r>
+            <a:r>
+              <a:rPr lang="zh-CN" altLang="en-US" sz="1600" dirty="0"/>
+              <a:t>#idname</a:t>
+            </a:r>
+          </a:p>
+          <a:p>
+            <a:pPr>
+              <a:lnSpc>
+                <a:spcPct val="150000"/>
+              </a:lnSpc>
+            </a:pPr>
+            <a:r>
+              <a:rPr lang="zh-CN" altLang="en-US" sz="1600" dirty="0"/>
+              <a:t>通配选择</a:t>
+            </a:r>
+            <a:r>
+              <a:rPr lang="zh-CN" altLang="en-US" sz="1600" dirty="0" smtClean="0"/>
+              <a:t>器</a:t>
+            </a:r>
+            <a:r>
+              <a:rPr lang="en-US" altLang="zh-CN" sz="1600" dirty="0" smtClean="0"/>
+              <a:t>: </a:t>
+            </a:r>
+            <a:r>
+              <a:rPr lang="zh-CN" altLang="en-US" sz="1600" dirty="0" smtClean="0"/>
+              <a:t> </a:t>
+            </a:r>
+            <a:r>
+              <a:rPr lang="zh-CN" altLang="en-US" sz="1600" dirty="0"/>
+              <a:t>* ns|* *|*</a:t>
+            </a:r>
+          </a:p>
+          <a:p>
+            <a:pPr>
+              <a:lnSpc>
+                <a:spcPct val="150000"/>
+              </a:lnSpc>
+            </a:pPr>
+            <a:r>
+              <a:rPr lang="zh-CN" altLang="en-US" sz="1600" dirty="0"/>
+              <a:t>属性选择</a:t>
+            </a:r>
+            <a:r>
+              <a:rPr lang="zh-CN" altLang="en-US" sz="1600" dirty="0" smtClean="0"/>
+              <a:t>器</a:t>
+            </a:r>
+            <a:r>
+              <a:rPr lang="en-US" altLang="zh-CN" sz="1600" dirty="0" smtClean="0"/>
+              <a:t>: </a:t>
+            </a:r>
+            <a:r>
+              <a:rPr lang="zh-CN" altLang="en-US" sz="1600" dirty="0" smtClean="0"/>
+              <a:t> </a:t>
+            </a:r>
+            <a:r>
+              <a:rPr lang="zh-CN" altLang="en-US" sz="1600" dirty="0"/>
+              <a:t>[attr=value]</a:t>
+            </a:r>
+          </a:p>
+        </p:txBody>
+      </p:sp>
+      <p:sp>
+        <p:nvSpPr>
+          <p:cNvPr id="8" name="矩形 7"/>
+          <p:cNvSpPr/>
+          <p:nvPr/>
+        </p:nvSpPr>
+        <p:spPr>
+          <a:xfrm>
+            <a:off x="3432349" y="2716854"/>
+            <a:ext cx="2561230" cy="1569660"/>
+          </a:xfrm>
+          <a:prstGeom prst="rect">
+            <a:avLst/>
+          </a:prstGeom>
+        </p:spPr>
+        <p:style>
+          <a:lnRef idx="2">
+            <a:schemeClr val="dk1">
+              <a:shade val="50000"/>
+            </a:schemeClr>
+          </a:lnRef>
+          <a:fillRef idx="1">
+            <a:schemeClr val="dk1"/>
+          </a:fillRef>
+          <a:effectRef idx="0">
+            <a:schemeClr val="dk1"/>
+          </a:effectRef>
+          <a:fontRef idx="minor">
+            <a:schemeClr val="lt1"/>
+          </a:fontRef>
+        </p:style>
+        <p:txBody>
+          <a:bodyPr wrap="square">
+            <a:spAutoFit/>
+          </a:bodyPr>
+          <a:lstStyle/>
+          <a:p>
+            <a:pPr>
+              <a:lnSpc>
+                <a:spcPct val="150000"/>
+              </a:lnSpc>
+            </a:pPr>
+            <a:r>
+              <a:rPr lang="zh-CN" altLang="en-US" sz="1600" dirty="0"/>
+              <a:t>相邻兄弟选择</a:t>
+            </a:r>
+            <a:r>
+              <a:rPr lang="zh-CN" altLang="en-US" sz="1600" dirty="0" smtClean="0"/>
+              <a:t>器</a:t>
+            </a:r>
+            <a:r>
+              <a:rPr lang="en-US" altLang="zh-CN" sz="1600" dirty="0" smtClean="0"/>
+              <a:t>:</a:t>
+            </a:r>
+            <a:r>
+              <a:rPr lang="zh-CN" altLang="en-US" sz="1600" dirty="0" smtClean="0"/>
+              <a:t> </a:t>
+            </a:r>
+            <a:r>
+              <a:rPr lang="zh-CN" altLang="en-US" sz="1600" dirty="0"/>
+              <a:t>A + B</a:t>
+            </a:r>
+          </a:p>
+          <a:p>
+            <a:pPr>
+              <a:lnSpc>
+                <a:spcPct val="150000"/>
+              </a:lnSpc>
+            </a:pPr>
+            <a:r>
+              <a:rPr lang="zh-CN" altLang="en-US" sz="1600" dirty="0"/>
+              <a:t>通用兄弟选择</a:t>
+            </a:r>
+            <a:r>
+              <a:rPr lang="zh-CN" altLang="en-US" sz="1600" dirty="0" smtClean="0"/>
+              <a:t>器</a:t>
+            </a:r>
+            <a:r>
+              <a:rPr lang="en-US" altLang="zh-CN" sz="1600" dirty="0" smtClean="0"/>
+              <a:t>:</a:t>
+            </a:r>
+            <a:r>
+              <a:rPr lang="zh-CN" altLang="en-US" sz="1600" dirty="0" smtClean="0"/>
+              <a:t> </a:t>
+            </a:r>
+            <a:r>
+              <a:rPr lang="zh-CN" altLang="en-US" sz="1600" dirty="0"/>
+              <a:t>A ~ B</a:t>
+            </a:r>
+          </a:p>
+          <a:p>
+            <a:pPr>
+              <a:lnSpc>
+                <a:spcPct val="150000"/>
+              </a:lnSpc>
+            </a:pPr>
+            <a:r>
+              <a:rPr lang="zh-CN" altLang="en-US" sz="1600" dirty="0"/>
+              <a:t>子选择</a:t>
+            </a:r>
+            <a:r>
+              <a:rPr lang="zh-CN" altLang="en-US" sz="1600" dirty="0" smtClean="0"/>
+              <a:t>器</a:t>
+            </a:r>
+            <a:r>
+              <a:rPr lang="en-US" altLang="zh-CN" sz="1600" dirty="0" smtClean="0"/>
+              <a:t>: </a:t>
+            </a:r>
+            <a:r>
+              <a:rPr lang="zh-CN" altLang="en-US" sz="1600" dirty="0" smtClean="0"/>
+              <a:t> </a:t>
+            </a:r>
+            <a:r>
+              <a:rPr lang="zh-CN" altLang="en-US" sz="1600" dirty="0"/>
+              <a:t>A &gt; B</a:t>
+            </a:r>
+          </a:p>
+          <a:p>
+            <a:pPr>
+              <a:lnSpc>
+                <a:spcPct val="150000"/>
+              </a:lnSpc>
+            </a:pPr>
+            <a:r>
+              <a:rPr lang="zh-CN" altLang="en-US" sz="1600" dirty="0"/>
+              <a:t>后代选择</a:t>
+            </a:r>
+            <a:r>
+              <a:rPr lang="zh-CN" altLang="en-US" sz="1600" dirty="0" smtClean="0"/>
+              <a:t>器</a:t>
+            </a:r>
+            <a:r>
+              <a:rPr lang="en-US" altLang="zh-CN" sz="1600" dirty="0" smtClean="0"/>
+              <a:t>: </a:t>
+            </a:r>
+            <a:r>
+              <a:rPr lang="zh-CN" altLang="en-US" sz="1600" dirty="0" smtClean="0"/>
+              <a:t> </a:t>
+            </a:r>
+            <a:r>
+              <a:rPr lang="zh-CN" altLang="en-US" sz="1600" dirty="0"/>
+              <a:t>A B</a:t>
+            </a:r>
+          </a:p>
+        </p:txBody>
+      </p:sp>
+      <p:sp>
+        <p:nvSpPr>
+          <p:cNvPr id="9" name="矩形 8"/>
+          <p:cNvSpPr/>
+          <p:nvPr/>
+        </p:nvSpPr>
+        <p:spPr>
+          <a:xfrm>
+            <a:off x="6737320" y="2717804"/>
+            <a:ext cx="2165446" cy="2585323"/>
+          </a:xfrm>
+          <a:prstGeom prst="rect">
+            <a:avLst/>
+          </a:prstGeom>
+        </p:spPr>
+        <p:style>
+          <a:lnRef idx="2">
+            <a:schemeClr val="dk1">
+              <a:shade val="50000"/>
+            </a:schemeClr>
+          </a:lnRef>
+          <a:fillRef idx="1">
+            <a:schemeClr val="dk1"/>
+          </a:fillRef>
+          <a:effectRef idx="0">
+            <a:schemeClr val="dk1"/>
+          </a:effectRef>
+          <a:fontRef idx="minor">
+            <a:schemeClr val="lt1"/>
+          </a:fontRef>
+        </p:style>
+        <p:txBody>
+          <a:bodyPr wrap="square">
+            <a:spAutoFit/>
+          </a:bodyPr>
+          <a:lstStyle/>
+          <a:p>
+            <a:pPr>
+              <a:lnSpc>
+                <a:spcPct val="150000"/>
+              </a:lnSpc>
+            </a:pPr>
+            <a:r>
+              <a:rPr lang="zh-CN" altLang="en-US" dirty="0"/>
+              <a:t>::after</a:t>
+            </a:r>
+          </a:p>
+          <a:p>
+            <a:pPr>
+              <a:lnSpc>
+                <a:spcPct val="150000"/>
+              </a:lnSpc>
+            </a:pPr>
+            <a:r>
+              <a:rPr lang="zh-CN" altLang="en-US" dirty="0"/>
+              <a:t>::before</a:t>
+            </a:r>
+          </a:p>
+          <a:p>
+            <a:pPr>
+              <a:lnSpc>
+                <a:spcPct val="150000"/>
+              </a:lnSpc>
+            </a:pPr>
+            <a:r>
+              <a:rPr lang="zh-CN" altLang="en-US" dirty="0"/>
+              <a:t>::first-letter</a:t>
+            </a:r>
+          </a:p>
+          <a:p>
+            <a:pPr>
+              <a:lnSpc>
+                <a:spcPct val="150000"/>
+              </a:lnSpc>
+            </a:pPr>
+            <a:r>
+              <a:rPr lang="zh-CN" altLang="en-US" dirty="0"/>
+              <a:t>::first-line</a:t>
+            </a:r>
+          </a:p>
+          <a:p>
+            <a:pPr>
+              <a:lnSpc>
+                <a:spcPct val="150000"/>
+              </a:lnSpc>
+            </a:pPr>
+            <a:r>
+              <a:rPr lang="zh-CN" altLang="en-US" dirty="0"/>
+              <a:t>::selection</a:t>
+            </a:r>
+          </a:p>
+          <a:p>
+            <a:pPr>
+              <a:lnSpc>
+                <a:spcPct val="150000"/>
+              </a:lnSpc>
+            </a:pPr>
+            <a:r>
+              <a:rPr lang="zh-CN" altLang="en-US" dirty="0"/>
+              <a:t>::backdrop</a:t>
+            </a:r>
+          </a:p>
+        </p:txBody>
+      </p:sp>
+      <p:sp>
+        <p:nvSpPr>
+          <p:cNvPr id="10" name="文本框 9"/>
+          <p:cNvSpPr txBox="1"/>
+          <p:nvPr/>
+        </p:nvSpPr>
+        <p:spPr>
+          <a:xfrm>
+            <a:off x="9982822" y="892981"/>
+            <a:ext cx="1775422" cy="5509200"/>
+          </a:xfrm>
+          <a:prstGeom prst="rect">
+            <a:avLst/>
+          </a:prstGeom>
+        </p:spPr>
+        <p:style>
+          <a:lnRef idx="2">
+            <a:schemeClr val="dk1">
+              <a:shade val="50000"/>
+            </a:schemeClr>
+          </a:lnRef>
+          <a:fillRef idx="1">
+            <a:schemeClr val="dk1"/>
+          </a:fillRef>
+          <a:effectRef idx="0">
+            <a:schemeClr val="dk1"/>
+          </a:effectRef>
+          <a:fontRef idx="minor">
+            <a:schemeClr val="lt1"/>
+          </a:fontRef>
+        </p:style>
+        <p:txBody>
+          <a:bodyPr wrap="none" rtlCol="0">
+            <a:spAutoFit/>
+          </a:bodyPr>
+          <a:lstStyle/>
+          <a:p>
+            <a:r>
+              <a:rPr lang="en-US" altLang="zh-CN" sz="1600" dirty="0" smtClean="0"/>
+              <a:t>:root</a:t>
+            </a:r>
+          </a:p>
+          <a:p>
+            <a:r>
+              <a:rPr lang="en-US" altLang="zh-CN" sz="1600" dirty="0" smtClean="0"/>
+              <a:t>:nth-child(n)</a:t>
+            </a:r>
+          </a:p>
+          <a:p>
+            <a:r>
+              <a:rPr lang="en-US" altLang="zh-CN" sz="1600" dirty="0" smtClean="0"/>
+              <a:t>:nth-last-child(n)</a:t>
+            </a:r>
+          </a:p>
+          <a:p>
+            <a:r>
+              <a:rPr lang="en-US" altLang="zh-CN" sz="1600" dirty="0" smtClean="0"/>
+              <a:t>:nth-of-type(n)</a:t>
+            </a:r>
+          </a:p>
+          <a:p>
+            <a:r>
+              <a:rPr lang="en-US" altLang="zh-CN" sz="1600" dirty="0" smtClean="0"/>
+              <a:t>:nth-last-of-type(n)</a:t>
+            </a:r>
+          </a:p>
+          <a:p>
+            <a:r>
+              <a:rPr lang="en-US" altLang="zh-CN" sz="1600" dirty="0" smtClean="0"/>
+              <a:t>:first-child</a:t>
+            </a:r>
+          </a:p>
+          <a:p>
+            <a:r>
+              <a:rPr lang="en-US" altLang="zh-CN" sz="1600" dirty="0" smtClean="0"/>
+              <a:t>:last-child</a:t>
+            </a:r>
+          </a:p>
+          <a:p>
+            <a:r>
+              <a:rPr lang="en-US" altLang="zh-CN" sz="1600" dirty="0" smtClean="0"/>
+              <a:t>:first-of-type</a:t>
+            </a:r>
+          </a:p>
+          <a:p>
+            <a:r>
+              <a:rPr lang="en-US" altLang="zh-CN" sz="1600" dirty="0" smtClean="0"/>
+              <a:t>:last-of-type</a:t>
+            </a:r>
+          </a:p>
+          <a:p>
+            <a:r>
+              <a:rPr lang="en-US" altLang="zh-CN" sz="1600" dirty="0" smtClean="0"/>
+              <a:t>:only-child</a:t>
+            </a:r>
+          </a:p>
+          <a:p>
+            <a:r>
+              <a:rPr lang="en-US" altLang="zh-CN" sz="1600" dirty="0" smtClean="0"/>
+              <a:t>:only-of-type</a:t>
+            </a:r>
+          </a:p>
+          <a:p>
+            <a:r>
+              <a:rPr lang="en-US" altLang="zh-CN" sz="1600" dirty="0" smtClean="0"/>
+              <a:t>:empty</a:t>
+            </a:r>
+          </a:p>
+          <a:p>
+            <a:r>
+              <a:rPr lang="en-US" altLang="zh-CN" sz="1600" dirty="0" smtClean="0"/>
+              <a:t>:link</a:t>
+            </a:r>
+          </a:p>
+          <a:p>
+            <a:r>
+              <a:rPr lang="en-US" altLang="zh-CN" sz="1600" dirty="0" smtClean="0"/>
+              <a:t>:visited</a:t>
+            </a:r>
+          </a:p>
+          <a:p>
+            <a:r>
+              <a:rPr lang="en-US" altLang="zh-CN" sz="1600" dirty="0" smtClean="0"/>
+              <a:t>:active</a:t>
+            </a:r>
+          </a:p>
+          <a:p>
+            <a:r>
+              <a:rPr lang="en-US" altLang="zh-CN" sz="1600" dirty="0" smtClean="0"/>
+              <a:t>:hover</a:t>
+            </a:r>
+          </a:p>
+          <a:p>
+            <a:r>
+              <a:rPr lang="en-US" altLang="zh-CN" sz="1600" dirty="0" smtClean="0"/>
+              <a:t>:focus</a:t>
+            </a:r>
+          </a:p>
+          <a:p>
+            <a:r>
+              <a:rPr lang="en-US" altLang="zh-CN" sz="1600" dirty="0" smtClean="0"/>
+              <a:t>:target</a:t>
+            </a:r>
+          </a:p>
+          <a:p>
+            <a:r>
+              <a:rPr lang="en-US" altLang="zh-CN" sz="1600" dirty="0" smtClean="0"/>
+              <a:t>:</a:t>
+            </a:r>
+            <a:r>
+              <a:rPr lang="en-US" altLang="zh-CN" sz="1600" dirty="0" err="1" smtClean="0"/>
+              <a:t>lang</a:t>
+            </a:r>
+            <a:r>
+              <a:rPr lang="en-US" altLang="zh-CN" sz="1600" dirty="0" smtClean="0"/>
+              <a:t>(</a:t>
+            </a:r>
+            <a:r>
+              <a:rPr lang="en-US" altLang="zh-CN" sz="1600" dirty="0" err="1" smtClean="0"/>
+              <a:t>fr</a:t>
+            </a:r>
+            <a:r>
+              <a:rPr lang="en-US" altLang="zh-CN" sz="1600" dirty="0" smtClean="0"/>
+              <a:t>)</a:t>
+            </a:r>
+          </a:p>
+          <a:p>
+            <a:r>
+              <a:rPr lang="en-US" altLang="zh-CN" sz="1600" dirty="0" smtClean="0"/>
+              <a:t>:enabled</a:t>
+            </a:r>
+          </a:p>
+          <a:p>
+            <a:r>
+              <a:rPr lang="en-US" altLang="zh-CN" sz="1600" dirty="0" smtClean="0"/>
+              <a:t>:disabled</a:t>
+            </a:r>
+          </a:p>
+          <a:p>
+            <a:r>
+              <a:rPr lang="en-US" altLang="zh-CN" sz="1600" dirty="0" smtClean="0"/>
+              <a:t>:checked</a:t>
+            </a:r>
+          </a:p>
+        </p:txBody>
+      </p:sp>
+      <p:sp>
+        <p:nvSpPr>
+          <p:cNvPr id="11" name="矩形 10"/>
+          <p:cNvSpPr/>
+          <p:nvPr/>
+        </p:nvSpPr>
+        <p:spPr>
+          <a:xfrm>
+            <a:off x="109363" y="5245798"/>
+            <a:ext cx="3343031" cy="369332"/>
+          </a:xfrm>
+          <a:prstGeom prst="rect">
+            <a:avLst/>
+          </a:prstGeom>
+        </p:spPr>
+        <p:txBody>
+          <a:bodyPr wrap="none">
+            <a:spAutoFit/>
+          </a:bodyPr>
+          <a:lstStyle/>
+          <a:p>
+            <a:r>
+              <a:rPr lang="zh-CN" altLang="en-US" dirty="0"/>
+              <a:t>http://www.w3.org/TR/selectors/</a:t>
+            </a:r>
+          </a:p>
+        </p:txBody>
+      </p:sp>
     </p:spTree>
     <p:extLst>
       <p:ext uri="{BB962C8B-B14F-4D97-AF65-F5344CB8AC3E}">
-        <p14:creationId xmlns:p14="http://schemas.microsoft.com/office/powerpoint/2010/main" val="3282055433"/>
+        <p14:creationId xmlns:p14="http://schemas.microsoft.com/office/powerpoint/2010/main" val="113629843"/>
       </p:ext>
     </p:extLst>
   </p:cSld>
@@ -8232,280 +9273,69 @@
           <a:p>
             <a:r>
               <a:rPr lang="zh-CN" altLang="en-US" dirty="0" smtClean="0"/>
-              <a:t>布局样式</a:t>
+              <a:t>注释</a:t>
             </a:r>
             <a:endParaRPr lang="zh-CN" altLang="en-US" dirty="0"/>
           </a:p>
         </p:txBody>
       </p:sp>
-      <p:graphicFrame>
-        <p:nvGraphicFramePr>
-          <p:cNvPr id="3" name="表格 2"/>
-          <p:cNvGraphicFramePr>
-            <a:graphicFrameLocks noGrp="1"/>
-          </p:cNvGraphicFramePr>
-          <p:nvPr>
-            <p:extLst>
-              <p:ext uri="{D42A27DB-BD31-4B8C-83A1-F6EECF244321}">
-                <p14:modId xmlns:p14="http://schemas.microsoft.com/office/powerpoint/2010/main" val="2611126344"/>
-              </p:ext>
-            </p:extLst>
-          </p:nvPr>
-        </p:nvGraphicFramePr>
-        <p:xfrm>
-          <a:off x="1412068" y="1649564"/>
-          <a:ext cx="8128000" cy="2966720"/>
-        </p:xfrm>
-        <a:graphic>
-          <a:graphicData uri="http://schemas.openxmlformats.org/drawingml/2006/table">
-            <a:tbl>
-              <a:tblPr firstRow="1" bandRow="1">
-                <a:tableStyleId>{5C22544A-7EE6-4342-B048-85BDC9FD1C3A}</a:tableStyleId>
-              </a:tblPr>
-              <a:tblGrid>
-                <a:gridCol w="4064000"/>
-                <a:gridCol w="4064000"/>
-              </a:tblGrid>
-              <a:tr h="370840">
-                <a:tc>
-                  <a:txBody>
-                    <a:bodyPr/>
-                    <a:lstStyle/>
-                    <a:p>
-                      <a:r>
-                        <a:rPr lang="zh-CN" altLang="en-US" dirty="0" smtClean="0"/>
-                        <a:t>文字布局</a:t>
-                      </a:r>
-                      <a:endParaRPr lang="zh-CN" altLang="en-US" dirty="0"/>
-                    </a:p>
-                  </a:txBody>
-                  <a:tcPr/>
-                </a:tc>
-                <a:tc>
-                  <a:txBody>
-                    <a:bodyPr/>
-                    <a:lstStyle/>
-                    <a:p>
-                      <a:endParaRPr lang="zh-CN" altLang="en-US"/>
-                    </a:p>
-                  </a:txBody>
-                  <a:tcPr/>
-                </a:tc>
-              </a:tr>
-              <a:tr h="370840">
-                <a:tc>
-                  <a:txBody>
-                    <a:bodyPr/>
-                    <a:lstStyle/>
-                    <a:p>
-                      <a:r>
-                        <a:rPr lang="en-US" altLang="zh-CN" dirty="0" smtClean="0"/>
-                        <a:t>columns</a:t>
-                      </a:r>
-                      <a:endParaRPr lang="zh-CN" altLang="en-US" dirty="0"/>
-                    </a:p>
-                  </a:txBody>
-                  <a:tcPr/>
-                </a:tc>
-                <a:tc>
-                  <a:txBody>
-                    <a:bodyPr/>
-                    <a:lstStyle/>
-                    <a:p>
-                      <a:r>
-                        <a:rPr lang="en-US" altLang="zh-CN" dirty="0" smtClean="0"/>
-                        <a:t>Column-rule-color</a:t>
-                      </a:r>
-                      <a:endParaRPr lang="zh-CN" altLang="en-US" dirty="0"/>
-                    </a:p>
-                  </a:txBody>
-                  <a:tcPr/>
-                </a:tc>
-              </a:tr>
-              <a:tr h="370840">
-                <a:tc>
-                  <a:txBody>
-                    <a:bodyPr/>
-                    <a:lstStyle/>
-                    <a:p>
-                      <a:r>
-                        <a:rPr lang="en-US" altLang="zh-CN" dirty="0" smtClean="0"/>
-                        <a:t>Column-width</a:t>
-                      </a:r>
-                      <a:endParaRPr lang="zh-CN" altLang="en-US" dirty="0"/>
-                    </a:p>
-                  </a:txBody>
-                  <a:tcPr/>
-                </a:tc>
-                <a:tc>
-                  <a:txBody>
-                    <a:bodyPr/>
-                    <a:lstStyle/>
-                    <a:p>
-                      <a:r>
-                        <a:rPr lang="en-US" altLang="zh-CN" dirty="0" smtClean="0"/>
-                        <a:t>Column-span</a:t>
-                      </a:r>
-                      <a:endParaRPr lang="zh-CN" altLang="en-US" dirty="0"/>
-                    </a:p>
-                  </a:txBody>
-                  <a:tcPr/>
-                </a:tc>
-              </a:tr>
-              <a:tr h="370840">
-                <a:tc>
-                  <a:txBody>
-                    <a:bodyPr/>
-                    <a:lstStyle/>
-                    <a:p>
-                      <a:r>
-                        <a:rPr lang="en-US" altLang="zh-CN" dirty="0" smtClean="0"/>
-                        <a:t>Column-count</a:t>
-                      </a:r>
-                      <a:endParaRPr lang="zh-CN" altLang="en-US" dirty="0"/>
-                    </a:p>
-                  </a:txBody>
-                  <a:tcPr/>
-                </a:tc>
-                <a:tc>
-                  <a:txBody>
-                    <a:bodyPr/>
-                    <a:lstStyle/>
-                    <a:p>
-                      <a:r>
-                        <a:rPr lang="en-US" altLang="zh-CN" dirty="0" smtClean="0"/>
-                        <a:t>Column-fill</a:t>
-                      </a:r>
-                      <a:endParaRPr lang="zh-CN" altLang="en-US" dirty="0"/>
-                    </a:p>
-                  </a:txBody>
-                  <a:tcPr/>
-                </a:tc>
-              </a:tr>
-              <a:tr h="370840">
-                <a:tc>
-                  <a:txBody>
-                    <a:bodyPr/>
-                    <a:lstStyle/>
-                    <a:p>
-                      <a:r>
-                        <a:rPr lang="en-US" altLang="zh-CN" dirty="0" smtClean="0"/>
-                        <a:t>Column-gap</a:t>
-                      </a:r>
-                      <a:endParaRPr lang="zh-CN" altLang="en-US" dirty="0"/>
-                    </a:p>
-                  </a:txBody>
-                  <a:tcPr/>
-                </a:tc>
-                <a:tc>
-                  <a:txBody>
-                    <a:bodyPr/>
-                    <a:lstStyle/>
-                    <a:p>
-                      <a:r>
-                        <a:rPr lang="en-US" altLang="zh-CN" dirty="0" smtClean="0"/>
-                        <a:t>Column-break-before</a:t>
-                      </a:r>
-                      <a:endParaRPr lang="zh-CN" altLang="en-US" dirty="0"/>
-                    </a:p>
-                  </a:txBody>
-                  <a:tcPr/>
-                </a:tc>
-              </a:tr>
-              <a:tr h="370840">
-                <a:tc>
-                  <a:txBody>
-                    <a:bodyPr/>
-                    <a:lstStyle/>
-                    <a:p>
-                      <a:r>
-                        <a:rPr lang="en-US" altLang="zh-CN" dirty="0" smtClean="0"/>
-                        <a:t>Column-rule</a:t>
-                      </a:r>
-                      <a:endParaRPr lang="zh-CN" altLang="en-US" dirty="0"/>
-                    </a:p>
-                  </a:txBody>
-                  <a:tcPr/>
-                </a:tc>
-                <a:tc>
-                  <a:txBody>
-                    <a:bodyPr/>
-                    <a:lstStyle/>
-                    <a:p>
-                      <a:r>
-                        <a:rPr lang="en-US" altLang="zh-CN" dirty="0" smtClean="0"/>
-                        <a:t>Column-break-after</a:t>
-                      </a:r>
-                      <a:endParaRPr lang="zh-CN" altLang="en-US" dirty="0"/>
-                    </a:p>
-                  </a:txBody>
-                  <a:tcPr/>
-                </a:tc>
-              </a:tr>
-              <a:tr h="370840">
-                <a:tc>
-                  <a:txBody>
-                    <a:bodyPr/>
-                    <a:lstStyle/>
-                    <a:p>
-                      <a:r>
-                        <a:rPr lang="en-US" altLang="zh-CN" dirty="0" smtClean="0"/>
-                        <a:t>Column-rule-width</a:t>
-                      </a:r>
-                      <a:endParaRPr lang="zh-CN" altLang="en-US" dirty="0"/>
-                    </a:p>
-                  </a:txBody>
-                  <a:tcPr/>
-                </a:tc>
-                <a:tc>
-                  <a:txBody>
-                    <a:bodyPr/>
-                    <a:lstStyle/>
-                    <a:p>
-                      <a:r>
-                        <a:rPr lang="en-US" altLang="zh-CN" dirty="0" smtClean="0"/>
-                        <a:t>Column-break-inside</a:t>
-                      </a:r>
-                      <a:endParaRPr lang="zh-CN" altLang="en-US" dirty="0"/>
-                    </a:p>
-                  </a:txBody>
-                  <a:tcPr/>
-                </a:tc>
-              </a:tr>
-              <a:tr h="370840">
-                <a:tc>
-                  <a:txBody>
-                    <a:bodyPr/>
-                    <a:lstStyle/>
-                    <a:p>
-                      <a:r>
-                        <a:rPr lang="en-US" altLang="zh-CN" dirty="0" smtClean="0"/>
-                        <a:t>column-rule-style</a:t>
-                      </a:r>
-                      <a:endParaRPr lang="zh-CN" altLang="en-US" dirty="0"/>
-                    </a:p>
-                  </a:txBody>
-                  <a:tcPr/>
-                </a:tc>
-                <a:tc>
-                  <a:txBody>
-                    <a:bodyPr/>
-                    <a:lstStyle/>
-                    <a:p>
-                      <a:endParaRPr lang="zh-CN" altLang="en-US" dirty="0"/>
-                    </a:p>
-                  </a:txBody>
-                  <a:tcPr/>
-                </a:tc>
-              </a:tr>
-            </a:tbl>
-          </a:graphicData>
-        </a:graphic>
-      </p:graphicFrame>
+      <p:sp>
+        <p:nvSpPr>
+          <p:cNvPr id="3" name="文本框 2"/>
+          <p:cNvSpPr txBox="1"/>
+          <p:nvPr/>
+        </p:nvSpPr>
+        <p:spPr>
+          <a:xfrm>
+            <a:off x="3502617" y="3006671"/>
+            <a:ext cx="5668539" cy="461665"/>
+          </a:xfrm>
+          <a:prstGeom prst="rect">
+            <a:avLst/>
+          </a:prstGeom>
+        </p:spPr>
+        <p:style>
+          <a:lnRef idx="2">
+            <a:schemeClr val="dk1">
+              <a:shade val="50000"/>
+            </a:schemeClr>
+          </a:lnRef>
+          <a:fillRef idx="1">
+            <a:schemeClr val="dk1"/>
+          </a:fillRef>
+          <a:effectRef idx="0">
+            <a:schemeClr val="dk1"/>
+          </a:effectRef>
+          <a:fontRef idx="minor">
+            <a:schemeClr val="lt1"/>
+          </a:fontRef>
+        </p:style>
+        <p:txBody>
+          <a:bodyPr wrap="none" rtlCol="0">
+            <a:spAutoFit/>
+          </a:bodyPr>
+          <a:lstStyle/>
+          <a:p>
+            <a:r>
+              <a:rPr lang="en-US" altLang="zh-CN" sz="2400" dirty="0" smtClean="0"/>
+              <a:t>{          /*             </a:t>
+            </a:r>
+            <a:r>
+              <a:rPr lang="zh-CN" altLang="en-US" sz="2400" dirty="0" smtClean="0"/>
+              <a:t>注释内容                  </a:t>
+            </a:r>
+            <a:r>
+              <a:rPr lang="en-US" altLang="zh-CN" sz="2400" dirty="0" smtClean="0"/>
+              <a:t>*/          }</a:t>
+            </a:r>
+            <a:endParaRPr lang="zh-CN" altLang="en-US" sz="2400" dirty="0"/>
+          </a:p>
+        </p:txBody>
+      </p:sp>
     </p:spTree>
     <p:extLst>
       <p:ext uri="{BB962C8B-B14F-4D97-AF65-F5344CB8AC3E}">
-        <p14:creationId xmlns:p14="http://schemas.microsoft.com/office/powerpoint/2010/main" val="319160658"/>
+        <p14:creationId xmlns:p14="http://schemas.microsoft.com/office/powerpoint/2010/main" val="200013936"/>
       </p:ext>
     </p:extLst>
   </p:cSld>
@@ -8556,7 +9386,7 @@
           <a:p>
             <a:r>
               <a:rPr lang="zh-CN" altLang="en-US" dirty="0" smtClean="0"/>
-              <a:t>修饰样式</a:t>
+              <a:t>布局样式</a:t>
             </a:r>
             <a:endParaRPr lang="zh-CN" altLang="en-US" dirty="0"/>
           </a:p>
@@ -8571,14 +9401,14 @@
           <p:nvPr>
             <p:extLst>
               <p:ext uri="{D42A27DB-BD31-4B8C-83A1-F6EECF244321}">
-                <p14:modId xmlns:p14="http://schemas.microsoft.com/office/powerpoint/2010/main" val="1344491325"/>
+                <p14:modId xmlns:p14="http://schemas.microsoft.com/office/powerpoint/2010/main" val="3478636592"/>
               </p:ext>
             </p:extLst>
           </p:nvPr>
         </p:nvGraphicFramePr>
         <p:xfrm>
-          <a:off x="205154" y="1418769"/>
-          <a:ext cx="11780522" cy="4724400"/>
+          <a:off x="728980" y="1634066"/>
+          <a:ext cx="2379980" cy="3708400"/>
         </p:xfrm>
         <a:graphic>
           <a:graphicData uri="http://schemas.openxmlformats.org/drawingml/2006/table">
@@ -8587,103 +9417,8 @@
                 <a:tableStyleId>{5C22544A-7EE6-4342-B048-85BDC9FD1C3A}</a:tableStyleId>
               </a:tblPr>
               <a:tblGrid>
-                <a:gridCol w="1596052"/>
-                <a:gridCol w="1596052"/>
-                <a:gridCol w="1596052"/>
-                <a:gridCol w="2797401"/>
-                <a:gridCol w="2052795"/>
-                <a:gridCol w="2142170"/>
+                <a:gridCol w="2379980"/>
               </a:tblGrid>
-              <a:tr h="0">
-                <a:tc>
-                  <a:txBody>
-                    <a:bodyPr/>
-                    <a:lstStyle/>
-                    <a:p>
-                      <a:r>
-                        <a:rPr lang="zh-CN" altLang="en-US" sz="1400" dirty="0" smtClean="0"/>
-                        <a:t>尺寸</a:t>
-                      </a:r>
-                      <a:endParaRPr lang="zh-CN" altLang="en-US" sz="1400" dirty="0"/>
-                    </a:p>
-                  </a:txBody>
-                  <a:tcPr/>
-                </a:tc>
-                <a:tc>
-                  <a:txBody>
-                    <a:bodyPr/>
-                    <a:lstStyle/>
-                    <a:p>
-                      <a:r>
-                        <a:rPr lang="zh-CN" altLang="en-US" sz="1400" dirty="0" smtClean="0"/>
-                        <a:t>外边界</a:t>
-                      </a:r>
-                      <a:endParaRPr lang="zh-CN" altLang="en-US" sz="1400" dirty="0"/>
-                    </a:p>
-                  </a:txBody>
-                  <a:tcPr/>
-                </a:tc>
-                <a:tc>
-                  <a:txBody>
-                    <a:bodyPr/>
-                    <a:lstStyle/>
-                    <a:p>
-                      <a:r>
-                        <a:rPr lang="zh-CN" altLang="en-US" sz="1400" dirty="0" smtClean="0"/>
-                        <a:t>内边界</a:t>
-                      </a:r>
-                      <a:endParaRPr lang="zh-CN" altLang="en-US" sz="1400" dirty="0"/>
-                    </a:p>
-                  </a:txBody>
-                  <a:tcPr/>
-                </a:tc>
-                <a:tc>
-                  <a:txBody>
-                    <a:bodyPr/>
-                    <a:lstStyle/>
-                    <a:p>
-                      <a:r>
-                        <a:rPr lang="zh-CN" altLang="en-US" sz="1400" dirty="0" smtClean="0"/>
-                        <a:t>边框</a:t>
-                      </a:r>
-                      <a:endParaRPr lang="zh-CN" altLang="en-US" sz="1400" dirty="0"/>
-                    </a:p>
-                  </a:txBody>
-                  <a:tcPr/>
-                </a:tc>
-                <a:tc>
-                  <a:txBody>
-                    <a:bodyPr/>
-                    <a:lstStyle/>
-                    <a:p>
-                      <a:r>
-                        <a:rPr lang="zh-CN" altLang="en-US" sz="1400" dirty="0" smtClean="0"/>
-                        <a:t>背景</a:t>
-                      </a:r>
-                      <a:endParaRPr lang="zh-CN" altLang="en-US" sz="1400" dirty="0"/>
-                    </a:p>
-                  </a:txBody>
-                  <a:tcPr/>
-                </a:tc>
-                <a:tc>
-                  <a:txBody>
-                    <a:bodyPr/>
-                    <a:lstStyle/>
-                    <a:p>
-                      <a:r>
-                        <a:rPr lang="zh-CN" altLang="en-US" sz="1400" dirty="0" smtClean="0"/>
-                        <a:t>标注</a:t>
-                      </a:r>
-                      <a:endParaRPr lang="zh-CN" altLang="en-US" sz="1400" dirty="0"/>
-                    </a:p>
-                  </a:txBody>
-                  <a:tcPr>
-                    <a:solidFill>
-                      <a:schemeClr val="tx1"/>
-                    </a:solidFill>
-                  </a:tcPr>
-                </a:tc>
-              </a:tr>
               <a:tr h="370840">
                 <a:tc>
                   <a:txBody>
@@ -8691,214 +9426,13 @@
                     <a:lstStyle/>
                     <a:p>
                       <a:r>
-                        <a:rPr lang="en-US" altLang="zh-CN" sz="1400" dirty="0" smtClean="0"/>
-                        <a:t>Width</a:t>
-                      </a:r>
-                      <a:endParaRPr lang="zh-CN" altLang="en-US" sz="1400" dirty="0"/>
-                    </a:p>
-                  </a:txBody>
-                  <a:tcPr/>
-                </a:tc>
-                <a:tc>
-                  <a:txBody>
-                    <a:bodyPr/>
-                    <a:lstStyle/>
-                    <a:p>
-                      <a:r>
-                        <a:rPr lang="en-US" altLang="zh-CN" sz="1400" dirty="0" smtClean="0"/>
-                        <a:t>Margin</a:t>
-                      </a:r>
-                      <a:endParaRPr lang="zh-CN" altLang="en-US" sz="1400" dirty="0"/>
-                    </a:p>
-                  </a:txBody>
-                  <a:tcPr/>
-                </a:tc>
-                <a:tc>
-                  <a:txBody>
-                    <a:bodyPr/>
-                    <a:lstStyle/>
-                    <a:p>
-                      <a:r>
-                        <a:rPr lang="en-US" altLang="zh-CN" sz="1400" dirty="0" smtClean="0"/>
-                        <a:t>Padding</a:t>
-                      </a:r>
-                      <a:endParaRPr lang="zh-CN" altLang="en-US" sz="1400" dirty="0"/>
-                    </a:p>
-                  </a:txBody>
-                  <a:tcPr/>
-                </a:tc>
-                <a:tc>
-                  <a:txBody>
-                    <a:bodyPr/>
-                    <a:lstStyle/>
-                    <a:p>
-                      <a:r>
-                        <a:rPr lang="en-US" altLang="zh-CN" sz="1400" dirty="0" smtClean="0"/>
-                        <a:t>Border</a:t>
-                      </a:r>
-                    </a:p>
-                    <a:p>
-                      <a:r>
-                        <a:rPr lang="en-US" altLang="zh-CN" sz="1400" dirty="0" smtClean="0"/>
-                        <a:t>Border-width</a:t>
-                      </a:r>
-                    </a:p>
-                    <a:p>
-                      <a:r>
-                        <a:rPr lang="en-US" altLang="zh-CN" sz="1400" dirty="0" smtClean="0"/>
-                        <a:t>Border-style</a:t>
-                      </a:r>
-                    </a:p>
-                    <a:p>
-                      <a:r>
-                        <a:rPr lang="en-US" altLang="zh-CN" sz="1400" dirty="0" smtClean="0"/>
-                        <a:t>Border-color</a:t>
-                      </a:r>
-                    </a:p>
-                    <a:p>
-                      <a:r>
-                        <a:rPr lang="en-US" altLang="zh-CN" sz="1400" dirty="0" smtClean="0"/>
-                        <a:t>(</a:t>
-                      </a:r>
-                      <a:r>
-                        <a:rPr lang="en-US" altLang="zh-CN" sz="1400" dirty="0" err="1" smtClean="0"/>
-                        <a:t>top,right,bottom,left</a:t>
-                      </a:r>
-                      <a:r>
-                        <a:rPr lang="en-US" altLang="zh-CN" sz="1400" dirty="0" smtClean="0"/>
-                        <a:t>)</a:t>
-                      </a:r>
-                      <a:endParaRPr lang="zh-CN" altLang="en-US" sz="1400" dirty="0"/>
-                    </a:p>
-                  </a:txBody>
-                  <a:tcPr/>
-                </a:tc>
-                <a:tc>
-                  <a:txBody>
-                    <a:bodyPr/>
-                    <a:lstStyle/>
-                    <a:p>
-                      <a:r>
-                        <a:rPr lang="en-US" altLang="zh-CN" sz="1400" dirty="0" err="1" smtClean="0"/>
-                        <a:t>backgroud</a:t>
-                      </a:r>
-                      <a:endParaRPr lang="zh-CN" altLang="en-US" sz="1400" dirty="0"/>
-                    </a:p>
-                  </a:txBody>
-                  <a:tcPr/>
-                </a:tc>
-                <a:tc rowSpan="9">
-                  <a:txBody>
-                    <a:bodyPr/>
-                    <a:lstStyle/>
-                    <a:p>
-                      <a:r>
-                        <a:rPr lang="zh-CN" altLang="en-US" sz="1400" dirty="0" smtClean="0">
-                          <a:solidFill>
-                            <a:schemeClr val="bg1"/>
-                          </a:solidFill>
-                        </a:rPr>
-                        <a:t>边框中</a:t>
-                      </a:r>
-                      <a:r>
-                        <a:rPr lang="en-US" altLang="zh-CN" sz="1400" dirty="0" smtClean="0">
-                          <a:solidFill>
-                            <a:schemeClr val="bg1"/>
-                          </a:solidFill>
-                        </a:rPr>
-                        <a:t>,</a:t>
-                      </a:r>
-                      <a:r>
-                        <a:rPr lang="en-US" altLang="zh-CN" sz="1400" dirty="0" err="1" smtClean="0">
-                          <a:solidFill>
-                            <a:schemeClr val="bg1"/>
-                          </a:solidFill>
-                        </a:rPr>
-                        <a:t>width,style,color</a:t>
-                      </a:r>
-                      <a:r>
-                        <a:rPr lang="zh-CN" altLang="en-US" sz="1400" dirty="0" smtClean="0">
-                          <a:solidFill>
-                            <a:schemeClr val="bg1"/>
-                          </a:solidFill>
-                        </a:rPr>
-                        <a:t>都有四个方向</a:t>
-                      </a:r>
-                      <a:endParaRPr lang="en-US" altLang="zh-CN" sz="1400" dirty="0" smtClean="0">
-                        <a:solidFill>
-                          <a:schemeClr val="bg1"/>
-                        </a:solidFill>
-                      </a:endParaRPr>
-                    </a:p>
-                    <a:p>
-                      <a:r>
-                        <a:rPr lang="en-US" altLang="zh-CN" sz="1400" dirty="0" smtClean="0">
-                          <a:solidFill>
-                            <a:schemeClr val="bg1"/>
-                          </a:solidFill>
-                        </a:rPr>
-                        <a:t>Radius</a:t>
-                      </a:r>
-                      <a:r>
-                        <a:rPr lang="zh-CN" altLang="en-US" sz="1400" dirty="0" smtClean="0">
-                          <a:solidFill>
-                            <a:schemeClr val="bg1"/>
-                          </a:solidFill>
-                        </a:rPr>
-                        <a:t>也有四个方向</a:t>
-                      </a:r>
-                      <a:r>
-                        <a:rPr lang="en-US" altLang="zh-CN" sz="1400" dirty="0" smtClean="0">
-                          <a:solidFill>
-                            <a:schemeClr val="bg1"/>
-                          </a:solidFill>
-                        </a:rPr>
-                        <a:t>,image</a:t>
-                      </a:r>
-                      <a:r>
-                        <a:rPr lang="zh-CN" altLang="en-US" sz="1400" dirty="0" smtClean="0">
-                          <a:solidFill>
-                            <a:schemeClr val="bg1"/>
-                          </a:solidFill>
-                        </a:rPr>
-                        <a:t>也有几种模式</a:t>
-                      </a:r>
-                      <a:r>
-                        <a:rPr lang="en-US" altLang="zh-CN" sz="1400" dirty="0" err="1" smtClean="0">
-                          <a:solidFill>
-                            <a:schemeClr val="bg1"/>
-                          </a:solidFill>
-                        </a:rPr>
-                        <a:t>source,slice,width,outset,repeat</a:t>
-                      </a:r>
-                      <a:r>
-                        <a:rPr lang="en-US" altLang="zh-CN" sz="1400" dirty="0" smtClean="0">
-                          <a:solidFill>
-                            <a:schemeClr val="bg1"/>
-                          </a:solidFill>
-                        </a:rPr>
-                        <a:t>,</a:t>
-                      </a:r>
-                      <a:r>
-                        <a:rPr lang="zh-CN" altLang="en-US" sz="1400" dirty="0" smtClean="0">
-                          <a:solidFill>
-                            <a:schemeClr val="bg1"/>
-                          </a:solidFill>
-                        </a:rPr>
-                        <a:t>记得他们都有前缀</a:t>
-                      </a:r>
-                      <a:endParaRPr lang="zh-CN" altLang="en-US" sz="1400" dirty="0">
-                        <a:solidFill>
-                          <a:schemeClr val="bg1"/>
-                        </a:solidFill>
-                      </a:endParaRPr>
-                    </a:p>
-                  </a:txBody>
-                  <a:tcPr>
-                    <a:solidFill>
-                      <a:schemeClr val="tx1"/>
-                    </a:solidFill>
-                  </a:tcPr>
+                        <a:rPr lang="zh-CN" altLang="en-US" dirty="0" smtClean="0"/>
+                        <a:t>定位</a:t>
+                      </a:r>
+                      <a:endParaRPr lang="zh-CN" altLang="en-US" dirty="0"/>
+                    </a:p>
+                  </a:txBody>
+                  <a:tcPr/>
                 </a:tc>
               </a:tr>
               <a:tr h="370840">
@@ -8908,90 +9442,10 @@
                     <a:lstStyle/>
                     <a:p>
                       <a:r>
-                        <a:rPr lang="en-US" altLang="zh-CN" sz="1400" dirty="0" smtClean="0"/>
-                        <a:t>Height</a:t>
-                      </a:r>
-                      <a:endParaRPr lang="zh-CN" altLang="en-US" sz="1400" dirty="0"/>
-                    </a:p>
-                  </a:txBody>
-                  <a:tcPr/>
-                </a:tc>
-                <a:tc>
-                  <a:txBody>
-                    <a:bodyPr/>
-                    <a:lstStyle/>
-                    <a:p>
-                      <a:r>
-                        <a:rPr lang="en-US" altLang="zh-CN" sz="1400" dirty="0" smtClean="0"/>
-                        <a:t>Margin-top</a:t>
-                      </a:r>
-                      <a:endParaRPr lang="zh-CN" altLang="en-US" sz="1400" dirty="0"/>
-                    </a:p>
-                  </a:txBody>
-                  <a:tcPr/>
-                </a:tc>
-                <a:tc>
-                  <a:txBody>
-                    <a:bodyPr/>
-                    <a:lstStyle/>
-                    <a:p>
-                      <a:r>
-                        <a:rPr lang="en-US" altLang="zh-CN" sz="1400" dirty="0" smtClean="0"/>
-                        <a:t>Padding-top</a:t>
-                      </a:r>
-                      <a:endParaRPr lang="zh-CN" altLang="en-US" sz="1400" dirty="0"/>
-                    </a:p>
-                  </a:txBody>
-                  <a:tcPr/>
-                </a:tc>
-                <a:tc>
-                  <a:txBody>
-                    <a:bodyPr/>
-                    <a:lstStyle/>
-                    <a:p>
-                      <a:r>
-                        <a:rPr lang="en-US" altLang="zh-CN" sz="1400" dirty="0" smtClean="0"/>
-                        <a:t>Border-radius</a:t>
-                      </a:r>
-                    </a:p>
-                    <a:p>
-                      <a:r>
-                        <a:rPr lang="en-US" altLang="zh-CN" sz="1400" dirty="0" smtClean="0"/>
-                        <a:t>(</a:t>
-                      </a:r>
-                      <a:r>
-                        <a:rPr lang="en-US" altLang="zh-CN" sz="1400" dirty="0" err="1" smtClean="0"/>
-                        <a:t>top,right,bottom,left</a:t>
-                      </a:r>
-                      <a:r>
-                        <a:rPr lang="en-US" altLang="zh-CN" sz="1400" dirty="0" smtClean="0"/>
-                        <a:t>)</a:t>
-                      </a:r>
-                      <a:endParaRPr lang="zh-CN" altLang="en-US" sz="1400" dirty="0"/>
-                    </a:p>
-                  </a:txBody>
-                  <a:tcPr/>
-                </a:tc>
-                <a:tc>
-                  <a:txBody>
-                    <a:bodyPr/>
-                    <a:lstStyle/>
-                    <a:p>
-                      <a:r>
-                        <a:rPr lang="en-US" altLang="zh-CN" sz="1400" dirty="0" smtClean="0"/>
-                        <a:t>Background-color</a:t>
-                      </a:r>
-                      <a:endParaRPr lang="zh-CN" altLang="en-US" sz="1400" dirty="0"/>
-                    </a:p>
-                  </a:txBody>
-                  <a:tcPr/>
-                </a:tc>
-                <a:tc vMerge="1">
-                  <a:txBody>
-                    <a:bodyPr/>
-                    <a:lstStyle/>
-                    <a:p>
-                      <a:endParaRPr lang="zh-CN" altLang="en-US" sz="1400"/>
+                        <a:rPr lang="en-US" altLang="zh-CN" dirty="0" smtClean="0"/>
+                        <a:t>position</a:t>
+                      </a:r>
+                      <a:endParaRPr lang="zh-CN" altLang="en-US" dirty="0"/>
                     </a:p>
                   </a:txBody>
                   <a:tcPr/>
@@ -9004,90 +9458,10 @@
                     <a:lstStyle/>
                     <a:p>
                       <a:r>
-                        <a:rPr lang="en-US" altLang="zh-CN" sz="1400" dirty="0" smtClean="0"/>
-                        <a:t>Max-width</a:t>
-                      </a:r>
-                      <a:endParaRPr lang="zh-CN" altLang="en-US" sz="1400" dirty="0"/>
-                    </a:p>
-                  </a:txBody>
-                  <a:tcPr/>
-                </a:tc>
-                <a:tc>
-                  <a:txBody>
-                    <a:bodyPr/>
-                    <a:lstStyle/>
-                    <a:p>
-                      <a:r>
-                        <a:rPr lang="en-US" altLang="zh-CN" sz="1400" dirty="0" smtClean="0"/>
-                        <a:t>Margin-right</a:t>
-                      </a:r>
-                      <a:endParaRPr lang="zh-CN" altLang="en-US" sz="1400" dirty="0"/>
-                    </a:p>
-                  </a:txBody>
-                  <a:tcPr/>
-                </a:tc>
-                <a:tc>
-                  <a:txBody>
-                    <a:bodyPr/>
-                    <a:lstStyle/>
-                    <a:p>
-                      <a:r>
-                        <a:rPr lang="en-US" altLang="zh-CN" sz="1400" dirty="0" smtClean="0"/>
-                        <a:t>Padding-right</a:t>
-                      </a:r>
-                      <a:endParaRPr lang="zh-CN" altLang="en-US" sz="1400" dirty="0"/>
-                    </a:p>
-                  </a:txBody>
-                  <a:tcPr/>
-                </a:tc>
-                <a:tc>
-                  <a:txBody>
-                    <a:bodyPr/>
-                    <a:lstStyle/>
-                    <a:p>
-                      <a:r>
-                        <a:rPr lang="en-US" altLang="zh-CN" sz="1400" dirty="0" smtClean="0"/>
-                        <a:t>border-image</a:t>
-                      </a:r>
-                    </a:p>
-                    <a:p>
-                      <a:r>
-                        <a:rPr lang="en-US" altLang="zh-CN" sz="1400" dirty="0" smtClean="0"/>
-                        <a:t>(</a:t>
-                      </a:r>
-                      <a:r>
-                        <a:rPr lang="en-US" altLang="zh-CN" sz="1400" dirty="0" err="1" smtClean="0"/>
-                        <a:t>source,slice,width,outset,repeat</a:t>
-                      </a:r>
-                      <a:r>
-                        <a:rPr lang="en-US" altLang="zh-CN" sz="1400" dirty="0" smtClean="0"/>
-                        <a:t>)</a:t>
-                      </a:r>
-                      <a:endParaRPr lang="zh-CN" altLang="en-US" sz="1400" dirty="0"/>
-                    </a:p>
-                  </a:txBody>
-                  <a:tcPr/>
-                </a:tc>
-                <a:tc>
-                  <a:txBody>
-                    <a:bodyPr/>
-                    <a:lstStyle/>
-                    <a:p>
-                      <a:r>
-                        <a:rPr lang="en-US" altLang="zh-CN" sz="1400" dirty="0" smtClean="0"/>
-                        <a:t>Background-image</a:t>
-                      </a:r>
-                      <a:endParaRPr lang="zh-CN" altLang="en-US" sz="1400" dirty="0"/>
-                    </a:p>
-                  </a:txBody>
-                  <a:tcPr/>
-                </a:tc>
-                <a:tc vMerge="1">
-                  <a:txBody>
-                    <a:bodyPr/>
-                    <a:lstStyle/>
-                    <a:p>
-                      <a:endParaRPr lang="zh-CN" altLang="en-US" sz="1400"/>
+                        <a:rPr lang="en-US" altLang="zh-CN" dirty="0" smtClean="0"/>
+                        <a:t>Top</a:t>
+                      </a:r>
+                      <a:endParaRPr lang="zh-CN" altLang="en-US" dirty="0"/>
                     </a:p>
                   </a:txBody>
                   <a:tcPr/>
@@ -9100,76 +9474,10 @@
                     <a:lstStyle/>
                     <a:p>
                       <a:r>
-                        <a:rPr lang="en-US" altLang="zh-CN" sz="1400" dirty="0" smtClean="0"/>
-                        <a:t>Min-width</a:t>
-                      </a:r>
-                      <a:endParaRPr lang="zh-CN" altLang="en-US" sz="1400" dirty="0"/>
-                    </a:p>
-                  </a:txBody>
-                  <a:tcPr/>
-                </a:tc>
-                <a:tc>
-                  <a:txBody>
-                    <a:bodyPr/>
-                    <a:lstStyle/>
-                    <a:p>
-                      <a:r>
-                        <a:rPr lang="en-US" altLang="zh-CN" sz="1400" dirty="0" smtClean="0"/>
-                        <a:t>Margin-bottom</a:t>
-                      </a:r>
-                      <a:endParaRPr lang="zh-CN" altLang="en-US" sz="1400" dirty="0"/>
-                    </a:p>
-                  </a:txBody>
-                  <a:tcPr/>
-                </a:tc>
-                <a:tc>
-                  <a:txBody>
-                    <a:bodyPr/>
-                    <a:lstStyle/>
-                    <a:p>
-                      <a:r>
-                        <a:rPr lang="en-US" altLang="zh-CN" sz="1400" dirty="0" smtClean="0"/>
-                        <a:t>Padding-bottom</a:t>
-                      </a:r>
-                      <a:endParaRPr lang="zh-CN" altLang="en-US" sz="1400" dirty="0"/>
-                    </a:p>
-                  </a:txBody>
-                  <a:tcPr/>
-                </a:tc>
-                <a:tc>
-                  <a:txBody>
-                    <a:bodyPr/>
-                    <a:lstStyle/>
-                    <a:p>
-                      <a:r>
-                        <a:rPr lang="en-US" altLang="zh-CN" sz="1400" dirty="0" smtClean="0"/>
-                        <a:t>Box-shadow</a:t>
-                      </a:r>
-                      <a:endParaRPr lang="zh-CN" altLang="en-US" sz="1400" dirty="0"/>
-                    </a:p>
-                  </a:txBody>
-                  <a:tcPr/>
-                </a:tc>
-                <a:tc>
-                  <a:txBody>
-                    <a:bodyPr/>
-                    <a:lstStyle/>
-                    <a:p>
-                      <a:r>
-                        <a:rPr lang="en-US" altLang="zh-CN" sz="1400" dirty="0" smtClean="0"/>
-                        <a:t>Background-repeat</a:t>
-                      </a:r>
-                      <a:endParaRPr lang="zh-CN" altLang="en-US" sz="1400" dirty="0"/>
-                    </a:p>
-                  </a:txBody>
-                  <a:tcPr/>
-                </a:tc>
-                <a:tc vMerge="1">
-                  <a:txBody>
-                    <a:bodyPr/>
-                    <a:lstStyle/>
-                    <a:p>
-                      <a:endParaRPr lang="zh-CN" altLang="en-US" sz="1400"/>
+                        <a:rPr lang="en-US" altLang="zh-CN" dirty="0" smtClean="0"/>
+                        <a:t>Right</a:t>
+                      </a:r>
+                      <a:endParaRPr lang="zh-CN" altLang="en-US" dirty="0"/>
                     </a:p>
                   </a:txBody>
                   <a:tcPr/>
@@ -9182,76 +9490,10 @@
                     <a:lstStyle/>
                     <a:p>
                       <a:r>
-                        <a:rPr lang="en-US" altLang="zh-CN" sz="1400" dirty="0" smtClean="0"/>
-                        <a:t>Max-height</a:t>
-                      </a:r>
-                      <a:endParaRPr lang="zh-CN" altLang="en-US" sz="1400" dirty="0"/>
-                    </a:p>
-                  </a:txBody>
-                  <a:tcPr/>
-                </a:tc>
-                <a:tc>
-                  <a:txBody>
-                    <a:bodyPr/>
-                    <a:lstStyle/>
-                    <a:p>
-                      <a:r>
-                        <a:rPr lang="en-US" altLang="zh-CN" sz="1400" dirty="0" smtClean="0"/>
-                        <a:t>Margin-left</a:t>
-                      </a:r>
-                      <a:endParaRPr lang="zh-CN" altLang="en-US" sz="1400" dirty="0"/>
-                    </a:p>
-                  </a:txBody>
-                  <a:tcPr/>
-                </a:tc>
-                <a:tc>
-                  <a:txBody>
-                    <a:bodyPr/>
-                    <a:lstStyle/>
-                    <a:p>
-                      <a:r>
-                        <a:rPr lang="en-US" altLang="zh-CN" sz="1400" dirty="0" smtClean="0"/>
-                        <a:t>Padding-left</a:t>
-                      </a:r>
-                      <a:endParaRPr lang="zh-CN" altLang="en-US" sz="1400" dirty="0"/>
-                    </a:p>
-                  </a:txBody>
-                  <a:tcPr/>
-                </a:tc>
-                <a:tc>
-                  <a:txBody>
-                    <a:bodyPr/>
-                    <a:lstStyle/>
-                    <a:p>
-                      <a:r>
-                        <a:rPr lang="en-US" altLang="zh-CN" sz="1400" dirty="0" smtClean="0"/>
-                        <a:t>outline</a:t>
-                      </a:r>
-                      <a:endParaRPr lang="zh-CN" altLang="en-US" sz="1400" dirty="0"/>
-                    </a:p>
-                  </a:txBody>
-                  <a:tcPr/>
-                </a:tc>
-                <a:tc>
-                  <a:txBody>
-                    <a:bodyPr/>
-                    <a:lstStyle/>
-                    <a:p>
-                      <a:r>
-                        <a:rPr lang="en-US" altLang="zh-CN" sz="1400" dirty="0" smtClean="0"/>
-                        <a:t>Background-position</a:t>
-                      </a:r>
-                      <a:endParaRPr lang="zh-CN" altLang="en-US" sz="1400" dirty="0"/>
-                    </a:p>
-                  </a:txBody>
-                  <a:tcPr/>
-                </a:tc>
-                <a:tc vMerge="1">
-                  <a:txBody>
-                    <a:bodyPr/>
-                    <a:lstStyle/>
-                    <a:p>
-                      <a:endParaRPr lang="zh-CN" altLang="en-US" sz="1400"/>
+                        <a:rPr lang="en-US" altLang="zh-CN" dirty="0" smtClean="0"/>
+                        <a:t>Bottom</a:t>
+                      </a:r>
+                      <a:endParaRPr lang="zh-CN" altLang="en-US" dirty="0"/>
                     </a:p>
                   </a:txBody>
                   <a:tcPr/>
@@ -9264,68 +9506,10 @@
                     <a:lstStyle/>
                     <a:p>
                       <a:r>
-                        <a:rPr lang="en-US" altLang="zh-CN" sz="1400" dirty="0" smtClean="0"/>
-                        <a:t>Min-height</a:t>
-                      </a:r>
-                      <a:endParaRPr lang="zh-CN" altLang="en-US" sz="1400" dirty="0"/>
-                    </a:p>
-                  </a:txBody>
-                  <a:tcPr/>
-                </a:tc>
-                <a:tc>
-                  <a:txBody>
-                    <a:bodyPr/>
-                    <a:lstStyle/>
-                    <a:p>
-                      <a:endParaRPr lang="zh-CN" altLang="en-US" sz="1400"/>
-                    </a:p>
-                  </a:txBody>
-                  <a:tcPr/>
-                </a:tc>
-                <a:tc>
-                  <a:txBody>
-                    <a:bodyPr/>
-                    <a:lstStyle/>
-                    <a:p>
-                      <a:endParaRPr lang="zh-CN" altLang="en-US" sz="1400"/>
-                    </a:p>
-                  </a:txBody>
-                  <a:tcPr/>
-                </a:tc>
-                <a:tc>
-                  <a:txBody>
-                    <a:bodyPr/>
-                    <a:lstStyle/>
-                    <a:p>
-                      <a:r>
-                        <a:rPr lang="en-US" altLang="zh-CN" sz="1400" dirty="0" smtClean="0"/>
-                        <a:t>Outline-width</a:t>
-                      </a:r>
-                      <a:endParaRPr lang="zh-CN" altLang="en-US" sz="1400" dirty="0"/>
-                    </a:p>
-                  </a:txBody>
-                  <a:tcPr/>
-                </a:tc>
-                <a:tc>
-                  <a:txBody>
-                    <a:bodyPr/>
-                    <a:lstStyle/>
-                    <a:p>
-                      <a:r>
-                        <a:rPr lang="en-US" altLang="zh-CN" sz="1400" dirty="0" smtClean="0"/>
-                        <a:t>Background-size</a:t>
-                      </a:r>
-                      <a:endParaRPr lang="zh-CN" altLang="en-US" sz="1400" dirty="0"/>
-                    </a:p>
-                  </a:txBody>
-                  <a:tcPr/>
-                </a:tc>
-                <a:tc vMerge="1">
-                  <a:txBody>
-                    <a:bodyPr/>
-                    <a:lstStyle/>
-                    <a:p>
-                      <a:endParaRPr lang="zh-CN" altLang="en-US" sz="1400"/>
+                        <a:rPr lang="en-US" altLang="zh-CN" dirty="0" smtClean="0"/>
+                        <a:t>Left</a:t>
+                      </a:r>
+                      <a:endParaRPr lang="zh-CN" altLang="en-US" dirty="0"/>
                     </a:p>
                   </a:txBody>
                   <a:tcPr/>
@@ -9338,68 +9522,10 @@
                     <a:lstStyle/>
                     <a:p>
                       <a:r>
-                        <a:rPr lang="en-US" altLang="zh-CN" sz="1400" dirty="0" smtClean="0"/>
-                        <a:t>resize</a:t>
-                      </a:r>
-                      <a:endParaRPr lang="zh-CN" altLang="en-US" sz="1400" dirty="0"/>
-                    </a:p>
-                  </a:txBody>
-                  <a:tcPr/>
-                </a:tc>
-                <a:tc>
-                  <a:txBody>
-                    <a:bodyPr/>
-                    <a:lstStyle/>
-                    <a:p>
-                      <a:endParaRPr lang="zh-CN" altLang="en-US" sz="1400"/>
-                    </a:p>
-                  </a:txBody>
-                  <a:tcPr/>
-                </a:tc>
-                <a:tc>
-                  <a:txBody>
-                    <a:bodyPr/>
-                    <a:lstStyle/>
-                    <a:p>
-                      <a:endParaRPr lang="zh-CN" altLang="en-US" sz="1400"/>
-                    </a:p>
-                  </a:txBody>
-                  <a:tcPr/>
-                </a:tc>
-                <a:tc>
-                  <a:txBody>
-                    <a:bodyPr/>
-                    <a:lstStyle/>
-                    <a:p>
-                      <a:r>
-                        <a:rPr lang="en-US" altLang="zh-CN" sz="1400" dirty="0" smtClean="0"/>
-                        <a:t>Outline-color</a:t>
-                      </a:r>
-                      <a:endParaRPr lang="zh-CN" altLang="en-US" sz="1400" dirty="0"/>
-                    </a:p>
-                  </a:txBody>
-                  <a:tcPr/>
-                </a:tc>
-                <a:tc>
-                  <a:txBody>
-                    <a:bodyPr/>
-                    <a:lstStyle/>
-                    <a:p>
-                      <a:r>
-                        <a:rPr lang="en-US" altLang="zh-CN" sz="1400" dirty="0" smtClean="0"/>
-                        <a:t>Background-clip</a:t>
-                      </a:r>
-                      <a:endParaRPr lang="zh-CN" altLang="en-US" sz="1400" dirty="0"/>
-                    </a:p>
-                  </a:txBody>
-                  <a:tcPr/>
-                </a:tc>
-                <a:tc vMerge="1">
-                  <a:txBody>
-                    <a:bodyPr/>
-                    <a:lstStyle/>
-                    <a:p>
-                      <a:endParaRPr lang="zh-CN" altLang="en-US"/>
+                        <a:rPr lang="en-US" altLang="zh-CN" dirty="0" smtClean="0"/>
+                        <a:t>Z-index</a:t>
+                      </a:r>
+                      <a:endParaRPr lang="zh-CN" altLang="en-US" dirty="0"/>
                     </a:p>
                   </a:txBody>
                   <a:tcPr/>
@@ -9411,65 +9537,11 @@
                     <a:bodyPr/>
                     <a:lstStyle/>
                     <a:p>
-                      <a:endParaRPr lang="zh-CN" altLang="en-US" sz="1400"/>
-                    </a:p>
-                  </a:txBody>
-                  <a:tcPr/>
-                </a:tc>
-                <a:tc>
-                  <a:txBody>
-                    <a:bodyPr/>
-                    <a:lstStyle/>
-                    <a:p>
-                      <a:endParaRPr lang="zh-CN" altLang="en-US" sz="1400"/>
-                    </a:p>
-                  </a:txBody>
-                  <a:tcPr/>
-                </a:tc>
-                <a:tc>
-                  <a:txBody>
-                    <a:bodyPr/>
-                    <a:lstStyle/>
-                    <a:p>
-                      <a:endParaRPr lang="zh-CN" altLang="en-US" sz="1400"/>
-                    </a:p>
-                  </a:txBody>
-                  <a:tcPr/>
-                </a:tc>
-                <a:tc>
-                  <a:txBody>
-                    <a:bodyPr/>
-                    <a:lstStyle/>
-                    <a:p>
-                      <a:r>
-                        <a:rPr lang="en-US" altLang="zh-CN" sz="1400" dirty="0" smtClean="0"/>
-                        <a:t>Outline-style</a:t>
-                      </a:r>
-                      <a:endParaRPr lang="zh-CN" altLang="en-US" sz="1400" dirty="0"/>
-                    </a:p>
-                  </a:txBody>
-                  <a:tcPr/>
-                </a:tc>
-                <a:tc>
-                  <a:txBody>
-                    <a:bodyPr/>
-                    <a:lstStyle/>
-                    <a:p>
-                      <a:r>
-                        <a:rPr lang="en-US" altLang="zh-CN" sz="1400" dirty="0" smtClean="0"/>
-                        <a:t>Background-origin</a:t>
-                      </a:r>
-                      <a:endParaRPr lang="zh-CN" altLang="en-US" sz="1400" dirty="0"/>
-                    </a:p>
-                  </a:txBody>
-                  <a:tcPr/>
-                </a:tc>
-                <a:tc vMerge="1">
-                  <a:txBody>
-                    <a:bodyPr/>
-                    <a:lstStyle/>
-                    <a:p>
-                      <a:endParaRPr lang="zh-CN" altLang="en-US" sz="1400"/>
+                      <a:r>
+                        <a:rPr lang="en-US" altLang="zh-CN" dirty="0" smtClean="0"/>
+                        <a:t>clip</a:t>
+                      </a:r>
+                      <a:endParaRPr lang="zh-CN" altLang="en-US" dirty="0"/>
                     </a:p>
                   </a:txBody>
                   <a:tcPr/>
@@ -9481,65 +9553,478 @@
                     <a:bodyPr/>
                     <a:lstStyle/>
                     <a:p>
-                      <a:endParaRPr lang="zh-CN" altLang="en-US" sz="1400"/>
-                    </a:p>
-                  </a:txBody>
-                  <a:tcPr/>
-                </a:tc>
-                <a:tc>
-                  <a:txBody>
-                    <a:bodyPr/>
-                    <a:lstStyle/>
-                    <a:p>
-                      <a:endParaRPr lang="zh-CN" altLang="en-US" sz="1400"/>
-                    </a:p>
-                  </a:txBody>
-                  <a:tcPr/>
-                </a:tc>
-                <a:tc>
-                  <a:txBody>
-                    <a:bodyPr/>
-                    <a:lstStyle/>
-                    <a:p>
-                      <a:endParaRPr lang="zh-CN" altLang="en-US" sz="1400"/>
-                    </a:p>
-                  </a:txBody>
-                  <a:tcPr/>
-                </a:tc>
-                <a:tc>
-                  <a:txBody>
-                    <a:bodyPr/>
-                    <a:lstStyle/>
-                    <a:p>
-                      <a:r>
-                        <a:rPr lang="en-US" altLang="zh-CN" sz="1400" dirty="0" smtClean="0"/>
-                        <a:t>Outline-offset</a:t>
-                      </a:r>
-                      <a:endParaRPr lang="zh-CN" altLang="en-US" sz="1400" dirty="0"/>
-                    </a:p>
-                  </a:txBody>
-                  <a:tcPr/>
-                </a:tc>
-                <a:tc>
-                  <a:txBody>
-                    <a:bodyPr/>
-                    <a:lstStyle/>
-                    <a:p>
-                      <a:r>
-                        <a:rPr lang="en-US" altLang="zh-CN" sz="1400" dirty="0" smtClean="0"/>
-                        <a:t>Background-attachment</a:t>
-                      </a:r>
-                      <a:endParaRPr lang="zh-CN" altLang="en-US" sz="1400" dirty="0"/>
-                    </a:p>
-                  </a:txBody>
-                  <a:tcPr/>
-                </a:tc>
-                <a:tc vMerge="1">
-                  <a:txBody>
-                    <a:bodyPr/>
-                    <a:lstStyle/>
-                    <a:p>
-                      <a:endParaRPr lang="zh-CN" altLang="en-US" sz="1400" dirty="0"/>
+                      <a:endParaRPr lang="zh-CN" altLang="en-US" dirty="0"/>
+                    </a:p>
+                  </a:txBody>
+                  <a:tcPr/>
+                </a:tc>
+              </a:tr>
+              <a:tr h="370840">
+                <a:tc>
+                  <a:txBody>
+                    <a:bodyPr/>
+                    <a:lstStyle/>
+                    <a:p>
+                      <a:endParaRPr lang="zh-CN" altLang="en-US" dirty="0"/>
+                    </a:p>
+                  </a:txBody>
+                  <a:tcPr/>
+                </a:tc>
+              </a:tr>
+            </a:tbl>
+          </a:graphicData>
+        </a:graphic>
+      </p:graphicFrame>
+      <p:graphicFrame>
+        <p:nvGraphicFramePr>
+          <p:cNvPr id="4" name="表格 3"/>
+          <p:cNvGraphicFramePr>
+            <a:graphicFrameLocks noGrp="1"/>
+          </p:cNvGraphicFramePr>
+          <p:nvPr>
+            <p:extLst>
+              <p:ext uri="{D42A27DB-BD31-4B8C-83A1-F6EECF244321}">
+                <p14:modId xmlns:p14="http://schemas.microsoft.com/office/powerpoint/2010/main" val="2755983662"/>
+              </p:ext>
+            </p:extLst>
+          </p:nvPr>
+        </p:nvGraphicFramePr>
+        <p:xfrm>
+          <a:off x="4145671" y="1676269"/>
+          <a:ext cx="2517140" cy="4615390"/>
+        </p:xfrm>
+        <a:graphic>
+          <a:graphicData uri="http://schemas.openxmlformats.org/drawingml/2006/table">
+            <a:tbl>
+              <a:tblPr firstRow="1" bandRow="1">
+                <a:tableStyleId>{5C22544A-7EE6-4342-B048-85BDC9FD1C3A}</a:tableStyleId>
+              </a:tblPr>
+              <a:tblGrid>
+                <a:gridCol w="2517140"/>
+              </a:tblGrid>
+              <a:tr h="461539">
+                <a:tc>
+                  <a:txBody>
+                    <a:bodyPr/>
+                    <a:lstStyle/>
+                    <a:p>
+                      <a:r>
+                        <a:rPr lang="zh-CN" altLang="en-US" dirty="0" smtClean="0"/>
+                        <a:t>显示模式</a:t>
+                      </a:r>
+                      <a:endParaRPr lang="zh-CN" altLang="en-US" dirty="0"/>
+                    </a:p>
+                  </a:txBody>
+                  <a:tcPr/>
+                </a:tc>
+              </a:tr>
+              <a:tr h="461539">
+                <a:tc>
+                  <a:txBody>
+                    <a:bodyPr/>
+                    <a:lstStyle/>
+                    <a:p>
+                      <a:r>
+                        <a:rPr lang="en-US" altLang="zh-CN" dirty="0" smtClean="0"/>
+                        <a:t>Display</a:t>
+                      </a:r>
+                      <a:endParaRPr lang="zh-CN" altLang="en-US" dirty="0"/>
+                    </a:p>
+                  </a:txBody>
+                  <a:tcPr/>
+                </a:tc>
+              </a:tr>
+              <a:tr h="461539">
+                <a:tc>
+                  <a:txBody>
+                    <a:bodyPr/>
+                    <a:lstStyle/>
+                    <a:p>
+                      <a:r>
+                        <a:rPr lang="en-US" altLang="zh-CN" dirty="0" smtClean="0"/>
+                        <a:t>Float</a:t>
+                      </a:r>
+                      <a:endParaRPr lang="zh-CN" altLang="en-US" dirty="0"/>
+                    </a:p>
+                  </a:txBody>
+                  <a:tcPr/>
+                </a:tc>
+              </a:tr>
+              <a:tr h="461539">
+                <a:tc>
+                  <a:txBody>
+                    <a:bodyPr/>
+                    <a:lstStyle/>
+                    <a:p>
+                      <a:r>
+                        <a:rPr lang="en-US" altLang="zh-CN" dirty="0" smtClean="0"/>
+                        <a:t>Clear</a:t>
+                      </a:r>
+                      <a:endParaRPr lang="zh-CN" altLang="en-US" dirty="0"/>
+                    </a:p>
+                  </a:txBody>
+                  <a:tcPr/>
+                </a:tc>
+              </a:tr>
+              <a:tr h="461539">
+                <a:tc>
+                  <a:txBody>
+                    <a:bodyPr/>
+                    <a:lstStyle/>
+                    <a:p>
+                      <a:r>
+                        <a:rPr lang="en-US" altLang="zh-CN" dirty="0" smtClean="0"/>
+                        <a:t>Overflow</a:t>
+                      </a:r>
+                      <a:endParaRPr lang="zh-CN" altLang="en-US" dirty="0"/>
+                    </a:p>
+                  </a:txBody>
+                  <a:tcPr/>
+                </a:tc>
+              </a:tr>
+              <a:tr h="461539">
+                <a:tc>
+                  <a:txBody>
+                    <a:bodyPr/>
+                    <a:lstStyle/>
+                    <a:p>
+                      <a:r>
+                        <a:rPr lang="en-US" altLang="zh-CN" dirty="0" smtClean="0"/>
+                        <a:t>Overflow-x</a:t>
+                      </a:r>
+                      <a:endParaRPr lang="zh-CN" altLang="en-US" dirty="0"/>
+                    </a:p>
+                  </a:txBody>
+                  <a:tcPr/>
+                </a:tc>
+              </a:tr>
+              <a:tr h="461539">
+                <a:tc>
+                  <a:txBody>
+                    <a:bodyPr/>
+                    <a:lstStyle/>
+                    <a:p>
+                      <a:r>
+                        <a:rPr lang="en-US" altLang="zh-CN" dirty="0" smtClean="0"/>
+                        <a:t>Overflow-y</a:t>
+                      </a:r>
+                      <a:endParaRPr lang="zh-CN" altLang="en-US" dirty="0"/>
+                    </a:p>
+                  </a:txBody>
+                  <a:tcPr/>
+                </a:tc>
+              </a:tr>
+              <a:tr h="461539">
+                <a:tc>
+                  <a:txBody>
+                    <a:bodyPr/>
+                    <a:lstStyle/>
+                    <a:p>
+                      <a:r>
+                        <a:rPr lang="en-US" altLang="zh-CN" dirty="0" smtClean="0"/>
+                        <a:t>visibility</a:t>
+                      </a:r>
+                      <a:endParaRPr lang="zh-CN" altLang="en-US" dirty="0"/>
+                    </a:p>
+                  </a:txBody>
+                  <a:tcPr/>
+                </a:tc>
+              </a:tr>
+              <a:tr h="461539">
+                <a:tc>
+                  <a:txBody>
+                    <a:bodyPr/>
+                    <a:lstStyle/>
+                    <a:p>
+                      <a:r>
+                        <a:rPr lang="en-US" altLang="zh-CN" dirty="0" smtClean="0"/>
+                        <a:t>Box-sizing</a:t>
+                      </a:r>
+                      <a:endParaRPr lang="zh-CN" altLang="en-US" dirty="0"/>
+                    </a:p>
+                  </a:txBody>
+                  <a:tcPr/>
+                </a:tc>
+              </a:tr>
+              <a:tr h="461539">
+                <a:tc>
+                  <a:txBody>
+                    <a:bodyPr/>
+                    <a:lstStyle/>
+                    <a:p>
+                      <a:r>
+                        <a:rPr lang="en-US" altLang="zh-CN" dirty="0" smtClean="0"/>
+                        <a:t>cursor</a:t>
+                      </a:r>
+                      <a:endParaRPr lang="zh-CN" altLang="en-US" dirty="0"/>
+                    </a:p>
+                  </a:txBody>
+                  <a:tcPr/>
+                </a:tc>
+              </a:tr>
+            </a:tbl>
+          </a:graphicData>
+        </a:graphic>
+      </p:graphicFrame>
+      <p:graphicFrame>
+        <p:nvGraphicFramePr>
+          <p:cNvPr id="5" name="表格 4"/>
+          <p:cNvGraphicFramePr>
+            <a:graphicFrameLocks noGrp="1"/>
+          </p:cNvGraphicFramePr>
+          <p:nvPr>
+            <p:extLst>
+              <p:ext uri="{D42A27DB-BD31-4B8C-83A1-F6EECF244321}">
+                <p14:modId xmlns:p14="http://schemas.microsoft.com/office/powerpoint/2010/main" val="3316476735"/>
+              </p:ext>
+            </p:extLst>
+          </p:nvPr>
+        </p:nvGraphicFramePr>
+        <p:xfrm>
+          <a:off x="7620390" y="1641099"/>
+          <a:ext cx="3735754" cy="3697592"/>
+        </p:xfrm>
+        <a:graphic>
+          <a:graphicData uri="http://schemas.openxmlformats.org/drawingml/2006/table">
+            <a:tbl>
+              <a:tblPr firstRow="1" bandRow="1">
+                <a:tableStyleId>{5C22544A-7EE6-4342-B048-85BDC9FD1C3A}</a:tableStyleId>
+              </a:tblPr>
+              <a:tblGrid>
+                <a:gridCol w="1867877"/>
+                <a:gridCol w="1867877"/>
+              </a:tblGrid>
+              <a:tr h="462199">
+                <a:tc>
+                  <a:txBody>
+                    <a:bodyPr/>
+                    <a:lstStyle/>
+                    <a:p>
+                      <a:r>
+                        <a:rPr lang="en-US" altLang="zh-CN" dirty="0" smtClean="0"/>
+                        <a:t>Flex</a:t>
+                      </a:r>
+                      <a:r>
+                        <a:rPr lang="zh-CN" altLang="en-US" dirty="0" smtClean="0"/>
+                        <a:t>布局</a:t>
+                      </a:r>
+                      <a:endParaRPr lang="zh-CN" altLang="en-US" dirty="0"/>
+                    </a:p>
+                  </a:txBody>
+                  <a:tcPr/>
+                </a:tc>
+                <a:tc>
+                  <a:txBody>
+                    <a:bodyPr/>
+                    <a:lstStyle/>
+                    <a:p>
+                      <a:r>
+                        <a:rPr lang="zh-CN" altLang="en-US" dirty="0" smtClean="0"/>
+                        <a:t>子属性</a:t>
+                      </a:r>
+                      <a:endParaRPr lang="zh-CN" altLang="en-US" dirty="0"/>
+                    </a:p>
+                  </a:txBody>
+                  <a:tcPr/>
+                </a:tc>
+              </a:tr>
+              <a:tr h="462199">
+                <a:tc>
+                  <a:txBody>
+                    <a:bodyPr/>
+                    <a:lstStyle/>
+                    <a:p>
+                      <a:r>
+                        <a:rPr lang="en-US" altLang="zh-CN" dirty="0" smtClean="0"/>
+                        <a:t>Flex-direction</a:t>
+                      </a:r>
+                      <a:endParaRPr lang="zh-CN" altLang="en-US" dirty="0"/>
+                    </a:p>
+                  </a:txBody>
+                  <a:tcPr/>
+                </a:tc>
+                <a:tc>
+                  <a:txBody>
+                    <a:bodyPr/>
+                    <a:lstStyle/>
+                    <a:p>
+                      <a:r>
+                        <a:rPr lang="en-US" altLang="zh-CN" dirty="0" smtClean="0"/>
+                        <a:t>order</a:t>
+                      </a:r>
+                      <a:endParaRPr lang="zh-CN" altLang="en-US" dirty="0"/>
+                    </a:p>
+                  </a:txBody>
+                  <a:tcPr/>
+                </a:tc>
+              </a:tr>
+              <a:tr h="462199">
+                <a:tc>
+                  <a:txBody>
+                    <a:bodyPr/>
+                    <a:lstStyle/>
+                    <a:p>
+                      <a:r>
+                        <a:rPr lang="en-US" altLang="zh-CN" dirty="0" smtClean="0"/>
+                        <a:t>Flex-wrap</a:t>
+                      </a:r>
+                      <a:endParaRPr lang="zh-CN" altLang="en-US" dirty="0"/>
+                    </a:p>
+                  </a:txBody>
+                  <a:tcPr/>
+                </a:tc>
+                <a:tc>
+                  <a:txBody>
+                    <a:bodyPr/>
+                    <a:lstStyle/>
+                    <a:p>
+                      <a:r>
+                        <a:rPr lang="en-US" altLang="zh-CN" dirty="0" smtClean="0"/>
+                        <a:t>Flex-grow</a:t>
+                      </a:r>
+                      <a:endParaRPr lang="zh-CN" altLang="en-US" dirty="0"/>
+                    </a:p>
+                  </a:txBody>
+                  <a:tcPr/>
+                </a:tc>
+              </a:tr>
+              <a:tr h="462199">
+                <a:tc>
+                  <a:txBody>
+                    <a:bodyPr/>
+                    <a:lstStyle/>
+                    <a:p>
+                      <a:r>
+                        <a:rPr lang="en-US" altLang="zh-CN" dirty="0" smtClean="0"/>
+                        <a:t>Flex-flow</a:t>
+                      </a:r>
+                      <a:endParaRPr lang="zh-CN" altLang="en-US" dirty="0"/>
+                    </a:p>
+                  </a:txBody>
+                  <a:tcPr/>
+                </a:tc>
+                <a:tc>
+                  <a:txBody>
+                    <a:bodyPr/>
+                    <a:lstStyle/>
+                    <a:p>
+                      <a:r>
+                        <a:rPr lang="en-US" altLang="zh-CN" dirty="0" smtClean="0"/>
+                        <a:t>Flex-shrink</a:t>
+                      </a:r>
+                      <a:endParaRPr lang="zh-CN" altLang="en-US" dirty="0"/>
+                    </a:p>
+                  </a:txBody>
+                  <a:tcPr/>
+                </a:tc>
+              </a:tr>
+              <a:tr h="462199">
+                <a:tc>
+                  <a:txBody>
+                    <a:bodyPr/>
+                    <a:lstStyle/>
+                    <a:p>
+                      <a:r>
+                        <a:rPr lang="en-US" altLang="zh-CN" dirty="0" smtClean="0"/>
+                        <a:t>Justify-content</a:t>
+                      </a:r>
+                      <a:endParaRPr lang="zh-CN" altLang="en-US" dirty="0"/>
+                    </a:p>
+                  </a:txBody>
+                  <a:tcPr/>
+                </a:tc>
+                <a:tc>
+                  <a:txBody>
+                    <a:bodyPr/>
+                    <a:lstStyle/>
+                    <a:p>
+                      <a:r>
+                        <a:rPr lang="en-US" altLang="zh-CN" dirty="0" smtClean="0"/>
+                        <a:t>Flex-basis</a:t>
+                      </a:r>
+                      <a:endParaRPr lang="zh-CN" altLang="en-US" dirty="0"/>
+                    </a:p>
+                  </a:txBody>
+                  <a:tcPr/>
+                </a:tc>
+              </a:tr>
+              <a:tr h="462199">
+                <a:tc>
+                  <a:txBody>
+                    <a:bodyPr/>
+                    <a:lstStyle/>
+                    <a:p>
+                      <a:r>
+                        <a:rPr lang="en-US" altLang="zh-CN" dirty="0" smtClean="0"/>
+                        <a:t>Align-items</a:t>
+                      </a:r>
+                      <a:endParaRPr lang="zh-CN" altLang="en-US" dirty="0"/>
+                    </a:p>
+                  </a:txBody>
+                  <a:tcPr/>
+                </a:tc>
+                <a:tc>
+                  <a:txBody>
+                    <a:bodyPr/>
+                    <a:lstStyle/>
+                    <a:p>
+                      <a:r>
+                        <a:rPr lang="en-US" altLang="zh-CN" dirty="0" smtClean="0"/>
+                        <a:t>flex</a:t>
+                      </a:r>
+                      <a:endParaRPr lang="zh-CN" altLang="en-US" dirty="0"/>
+                    </a:p>
+                  </a:txBody>
+                  <a:tcPr/>
+                </a:tc>
+              </a:tr>
+              <a:tr h="462199">
+                <a:tc>
+                  <a:txBody>
+                    <a:bodyPr/>
+                    <a:lstStyle/>
+                    <a:p>
+                      <a:r>
+                        <a:rPr lang="en-US" altLang="zh-CN" dirty="0" smtClean="0"/>
+                        <a:t>Align-content</a:t>
+                      </a:r>
+                      <a:endParaRPr lang="zh-CN" altLang="en-US" dirty="0"/>
+                    </a:p>
+                  </a:txBody>
+                  <a:tcPr/>
+                </a:tc>
+                <a:tc>
+                  <a:txBody>
+                    <a:bodyPr/>
+                    <a:lstStyle/>
+                    <a:p>
+                      <a:r>
+                        <a:rPr lang="en-US" altLang="zh-CN" dirty="0" smtClean="0"/>
+                        <a:t>Align-self</a:t>
+                      </a:r>
+                      <a:endParaRPr lang="zh-CN" altLang="en-US" dirty="0"/>
+                    </a:p>
+                  </a:txBody>
+                  <a:tcPr/>
+                </a:tc>
+              </a:tr>
+              <a:tr h="462199">
+                <a:tc>
+                  <a:txBody>
+                    <a:bodyPr/>
+                    <a:lstStyle/>
+                    <a:p>
+                      <a:endParaRPr lang="zh-CN" altLang="en-US" dirty="0"/>
+                    </a:p>
+                  </a:txBody>
+                  <a:tcPr/>
+                </a:tc>
+                <a:tc>
+                  <a:txBody>
+                    <a:bodyPr/>
+                    <a:lstStyle/>
+                    <a:p>
+                      <a:endParaRPr lang="zh-CN" altLang="en-US" dirty="0"/>
                     </a:p>
                   </a:txBody>
                   <a:tcPr/>
@@ -9552,7 +10037,7 @@
     </p:spTree>
     <p:extLst>
       <p:ext uri="{BB962C8B-B14F-4D97-AF65-F5344CB8AC3E}">
-        <p14:creationId xmlns:p14="http://schemas.microsoft.com/office/powerpoint/2010/main" val="124292144"/>
+        <p14:creationId xmlns:p14="http://schemas.microsoft.com/office/powerpoint/2010/main" val="3282055433"/>
       </p:ext>
     </p:extLst>
   </p:cSld>
@@ -9577,7 +10062,7 @@
         <a:sysClr val="windowText" lastClr="000000"/>
       </a:dk1>
       <a:lt1>
-        <a:sysClr val="window" lastClr="CCE8CF"/>
+        <a:sysClr val="window" lastClr="FFFFFF"/>
       </a:lt1>
       <a:dk2>
         <a:srgbClr val="44546A"/>
@@ -9838,7 +10323,7 @@
         <a:sysClr val="windowText" lastClr="000000"/>
       </a:dk1>
       <a:lt1>
-        <a:sysClr val="window" lastClr="CCE8CF"/>
+        <a:sysClr val="window" lastClr="FFFFFF"/>
       </a:lt1>
       <a:dk2>
         <a:srgbClr val="44546A"/>
